--- a/doc/GdpComponentPlacement.pptx
+++ b/doc/GdpComponentPlacement.pptx
@@ -106,6 +106,11 @@
       </a:defRPr>
     </a:lvl9pPr>
   </p:defaultTextStyle>
+  <p:extLst>
+    <p:ext uri="{EFAFB233-063F-42B5-8137-9DF3F51BA10A}">
+      <p15:sldGuideLst xmlns:p15="http://schemas.microsoft.com/office/powerpoint/2012/main"/>
+    </p:ext>
+  </p:extLst>
 </p:presentation>
 </file>
 
@@ -5789,7 +5794,7 @@
           <a:p>
             <a:fld id="{C528FD69-204F-4320-AF82-CEF97A3F82D3}" type="datetimeFigureOut">
               <a:rPr lang="en-SI" smtClean="0"/>
-              <a:t>13/01/2025</a:t>
+              <a:t>15/01/2025</a:t>
             </a:fld>
             <a:endParaRPr lang="en-SI"/>
           </a:p>
@@ -5989,7 +5994,7 @@
           <a:p>
             <a:fld id="{C528FD69-204F-4320-AF82-CEF97A3F82D3}" type="datetimeFigureOut">
               <a:rPr lang="en-SI" smtClean="0"/>
-              <a:t>13/01/2025</a:t>
+              <a:t>15/01/2025</a:t>
             </a:fld>
             <a:endParaRPr lang="en-SI"/>
           </a:p>
@@ -6199,7 +6204,7 @@
           <a:p>
             <a:fld id="{C528FD69-204F-4320-AF82-CEF97A3F82D3}" type="datetimeFigureOut">
               <a:rPr lang="en-SI" smtClean="0"/>
-              <a:t>13/01/2025</a:t>
+              <a:t>15/01/2025</a:t>
             </a:fld>
             <a:endParaRPr lang="en-SI"/>
           </a:p>
@@ -6399,7 +6404,7 @@
           <a:p>
             <a:fld id="{C528FD69-204F-4320-AF82-CEF97A3F82D3}" type="datetimeFigureOut">
               <a:rPr lang="en-SI" smtClean="0"/>
-              <a:t>13/01/2025</a:t>
+              <a:t>15/01/2025</a:t>
             </a:fld>
             <a:endParaRPr lang="en-SI"/>
           </a:p>
@@ -6675,7 +6680,7 @@
           <a:p>
             <a:fld id="{C528FD69-204F-4320-AF82-CEF97A3F82D3}" type="datetimeFigureOut">
               <a:rPr lang="en-SI" smtClean="0"/>
-              <a:t>13/01/2025</a:t>
+              <a:t>15/01/2025</a:t>
             </a:fld>
             <a:endParaRPr lang="en-SI"/>
           </a:p>
@@ -6943,7 +6948,7 @@
           <a:p>
             <a:fld id="{C528FD69-204F-4320-AF82-CEF97A3F82D3}" type="datetimeFigureOut">
               <a:rPr lang="en-SI" smtClean="0"/>
-              <a:t>13/01/2025</a:t>
+              <a:t>15/01/2025</a:t>
             </a:fld>
             <a:endParaRPr lang="en-SI"/>
           </a:p>
@@ -7358,7 +7363,7 @@
           <a:p>
             <a:fld id="{C528FD69-204F-4320-AF82-CEF97A3F82D3}" type="datetimeFigureOut">
               <a:rPr lang="en-SI" smtClean="0"/>
-              <a:t>13/01/2025</a:t>
+              <a:t>15/01/2025</a:t>
             </a:fld>
             <a:endParaRPr lang="en-SI"/>
           </a:p>
@@ -7500,7 +7505,7 @@
           <a:p>
             <a:fld id="{C528FD69-204F-4320-AF82-CEF97A3F82D3}" type="datetimeFigureOut">
               <a:rPr lang="en-SI" smtClean="0"/>
-              <a:t>13/01/2025</a:t>
+              <a:t>15/01/2025</a:t>
             </a:fld>
             <a:endParaRPr lang="en-SI"/>
           </a:p>
@@ -7613,7 +7618,7 @@
           <a:p>
             <a:fld id="{C528FD69-204F-4320-AF82-CEF97A3F82D3}" type="datetimeFigureOut">
               <a:rPr lang="en-SI" smtClean="0"/>
-              <a:t>13/01/2025</a:t>
+              <a:t>15/01/2025</a:t>
             </a:fld>
             <a:endParaRPr lang="en-SI"/>
           </a:p>
@@ -7926,7 +7931,7 @@
           <a:p>
             <a:fld id="{C528FD69-204F-4320-AF82-CEF97A3F82D3}" type="datetimeFigureOut">
               <a:rPr lang="en-SI" smtClean="0"/>
-              <a:t>13/01/2025</a:t>
+              <a:t>15/01/2025</a:t>
             </a:fld>
             <a:endParaRPr lang="en-SI"/>
           </a:p>
@@ -8215,7 +8220,7 @@
           <a:p>
             <a:fld id="{C528FD69-204F-4320-AF82-CEF97A3F82D3}" type="datetimeFigureOut">
               <a:rPr lang="en-SI" smtClean="0"/>
-              <a:t>13/01/2025</a:t>
+              <a:t>15/01/2025</a:t>
             </a:fld>
             <a:endParaRPr lang="en-SI"/>
           </a:p>
@@ -8458,7 +8463,7 @@
           <a:p>
             <a:fld id="{C528FD69-204F-4320-AF82-CEF97A3F82D3}" type="datetimeFigureOut">
               <a:rPr lang="en-SI" smtClean="0"/>
-              <a:t>13/01/2025</a:t>
+              <a:t>15/01/2025</a:t>
             </a:fld>
             <a:endParaRPr lang="en-SI"/>
           </a:p>
@@ -27070,7 +27075,7 @@
                   <a:schemeClr val="tx1"/>
                 </a:solidFill>
               </a:rPr>
-              <a:t>IC49</a:t>
+              <a:t>IC49 * PAL16R4</a:t>
             </a:r>
             <a:endParaRPr lang="en-SI" sz="700" b="1" dirty="0">
               <a:solidFill>
@@ -28968,7 +28973,7 @@
                     <a:schemeClr val="tx1"/>
                   </a:solidFill>
                 </a:rPr>
-                <a:t>IC36</a:t>
+                <a:t>IC36 * D4164</a:t>
               </a:r>
               <a:endParaRPr lang="en-SI" sz="700" b="1" dirty="0">
                 <a:solidFill>
@@ -29117,7 +29122,7 @@
                     <a:schemeClr val="tx1"/>
                   </a:solidFill>
                 </a:rPr>
-                <a:t>IC37</a:t>
+                <a:t>IC37 * D4164</a:t>
               </a:r>
               <a:endParaRPr lang="en-SI" sz="700" b="1" dirty="0">
                 <a:solidFill>
@@ -29266,7 +29271,7 @@
                     <a:schemeClr val="tx1"/>
                   </a:solidFill>
                 </a:rPr>
-                <a:t>IC38</a:t>
+                <a:t>IC38 * D4164</a:t>
               </a:r>
               <a:endParaRPr lang="en-SI" sz="700" b="1" dirty="0">
                 <a:solidFill>
@@ -29415,7 +29420,7 @@
                     <a:schemeClr val="tx1"/>
                   </a:solidFill>
                 </a:rPr>
-                <a:t>IC39</a:t>
+                <a:t>IC39 * D4164</a:t>
               </a:r>
               <a:endParaRPr lang="en-SI" sz="700" b="1" dirty="0">
                 <a:solidFill>
@@ -29564,7 +29569,7 @@
                     <a:schemeClr val="tx1"/>
                   </a:solidFill>
                 </a:rPr>
-                <a:t>IC40</a:t>
+                <a:t>IC40 * D4164</a:t>
               </a:r>
               <a:endParaRPr lang="en-SI" sz="700" b="1" dirty="0">
                 <a:solidFill>
@@ -29713,7 +29718,7 @@
                     <a:schemeClr val="tx1"/>
                   </a:solidFill>
                 </a:rPr>
-                <a:t>IC41</a:t>
+                <a:t>IC41 * D4164</a:t>
               </a:r>
               <a:endParaRPr lang="en-SI" sz="700" b="1" dirty="0">
                 <a:solidFill>
@@ -29862,7 +29867,7 @@
                     <a:schemeClr val="tx1"/>
                   </a:solidFill>
                 </a:rPr>
-                <a:t>IC42</a:t>
+                <a:t>IC42 * D4164</a:t>
               </a:r>
               <a:endParaRPr lang="en-SI" sz="700" b="1" dirty="0">
                 <a:solidFill>
@@ -30011,7 +30016,7 @@
                     <a:schemeClr val="tx1"/>
                   </a:solidFill>
                 </a:rPr>
-                <a:t>IC43</a:t>
+                <a:t>IC43 * D4164</a:t>
               </a:r>
               <a:endParaRPr lang="en-SI" sz="700" b="1" dirty="0">
                 <a:solidFill>
@@ -30180,7 +30185,7 @@
                       <a:schemeClr val="tx1"/>
                     </a:solidFill>
                   </a:rPr>
-                  <a:t>IC53</a:t>
+                  <a:t>IC53 * D4164</a:t>
                 </a:r>
                 <a:endParaRPr lang="en-SI" sz="700" b="1" dirty="0">
                   <a:solidFill>
@@ -30244,7 +30249,7 @@
                       <a:schemeClr val="accent2"/>
                     </a:solidFill>
                   </a:rPr>
-                  <a:t>CX42</a:t>
+                  <a:t>CK42</a:t>
                 </a:r>
                 <a:endParaRPr lang="en-SI" sz="700" b="1" dirty="0">
                   <a:solidFill>
@@ -30329,7 +30334,7 @@
                       <a:schemeClr val="tx1"/>
                     </a:solidFill>
                   </a:rPr>
-                  <a:t>IC54</a:t>
+                  <a:t>IC54 * D4164</a:t>
                 </a:r>
                 <a:endParaRPr lang="en-SI" sz="700" b="1" dirty="0">
                   <a:solidFill>
@@ -30478,7 +30483,7 @@
                       <a:schemeClr val="tx1"/>
                     </a:solidFill>
                   </a:rPr>
-                  <a:t>IC55</a:t>
+                  <a:t>IC55 * D4164</a:t>
                 </a:r>
                 <a:endParaRPr lang="en-SI" sz="700" b="1" dirty="0">
                   <a:solidFill>
@@ -30627,7 +30632,7 @@
                       <a:schemeClr val="tx1"/>
                     </a:solidFill>
                   </a:rPr>
-                  <a:t>IC56</a:t>
+                  <a:t>IC56 * D4164</a:t>
                 </a:r>
                 <a:endParaRPr lang="en-SI" sz="700" b="1" dirty="0">
                   <a:solidFill>
@@ -30776,7 +30781,7 @@
                       <a:schemeClr val="tx1"/>
                     </a:solidFill>
                   </a:rPr>
-                  <a:t>IC57</a:t>
+                  <a:t>IC57 * D4164</a:t>
                 </a:r>
                 <a:endParaRPr lang="en-SI" sz="700" b="1" dirty="0">
                   <a:solidFill>
@@ -30925,7 +30930,7 @@
                       <a:schemeClr val="tx1"/>
                     </a:solidFill>
                   </a:rPr>
-                  <a:t>IC58</a:t>
+                  <a:t>IC58 * D4164</a:t>
                 </a:r>
                 <a:endParaRPr lang="en-SI" sz="700" b="1" dirty="0">
                   <a:solidFill>
@@ -31074,7 +31079,7 @@
                       <a:schemeClr val="tx1"/>
                     </a:solidFill>
                   </a:rPr>
-                  <a:t>IC59</a:t>
+                  <a:t>IC59 * D4164</a:t>
                 </a:r>
                 <a:endParaRPr lang="en-SI" sz="700" b="1" dirty="0">
                   <a:solidFill>
@@ -31223,7 +31228,7 @@
                       <a:schemeClr val="tx1"/>
                     </a:solidFill>
                   </a:rPr>
-                  <a:t>IC60</a:t>
+                  <a:t>IC60 * D4164</a:t>
                 </a:r>
                 <a:endParaRPr lang="en-SI" sz="700" b="1" dirty="0">
                   <a:solidFill>
@@ -31353,7 +31358,7 @@
                   <a:schemeClr val="tx1"/>
                 </a:solidFill>
               </a:rPr>
-              <a:t>IC66</a:t>
+              <a:t>IC66 * 74F00</a:t>
             </a:r>
             <a:endParaRPr lang="en-SI" sz="700" b="1" dirty="0">
               <a:solidFill>
@@ -31481,7 +31486,7 @@
                   <a:schemeClr val="tx1"/>
                 </a:solidFill>
               </a:rPr>
-              <a:t>IC67</a:t>
+              <a:t>IC67 * 74LS166</a:t>
             </a:r>
             <a:endParaRPr lang="en-SI" sz="700" b="1" dirty="0">
               <a:solidFill>
@@ -31609,7 +31614,7 @@
                   <a:schemeClr val="tx1"/>
                 </a:solidFill>
               </a:rPr>
-              <a:t>IC68</a:t>
+              <a:t>IC68 * 74LS30</a:t>
             </a:r>
             <a:endParaRPr lang="en-SI" sz="700" b="1" dirty="0">
               <a:solidFill>
@@ -31737,7 +31742,7 @@
                   <a:schemeClr val="tx1"/>
                 </a:solidFill>
               </a:rPr>
-              <a:t>IC69</a:t>
+              <a:t>IC69 * 74LS166</a:t>
             </a:r>
             <a:endParaRPr lang="en-SI" sz="700" b="1" dirty="0">
               <a:solidFill>
@@ -31865,7 +31870,7 @@
                   <a:schemeClr val="tx1"/>
                 </a:solidFill>
               </a:rPr>
-              <a:t>IC70</a:t>
+              <a:t>IC70 * 74LS30</a:t>
             </a:r>
             <a:endParaRPr lang="en-SI" sz="700" b="1" dirty="0">
               <a:solidFill>
@@ -34233,7 +34238,7 @@
                   <a:schemeClr val="tx1"/>
                 </a:solidFill>
               </a:rPr>
-              <a:t>IC52</a:t>
+              <a:t>IC52 * 74F00</a:t>
             </a:r>
             <a:endParaRPr lang="en-SI" sz="700" b="1" dirty="0">
               <a:solidFill>
@@ -34361,7 +34366,7 @@
                   <a:schemeClr val="tx1"/>
                 </a:solidFill>
               </a:rPr>
-              <a:t>IC61</a:t>
+              <a:t>IC61 * 74F163</a:t>
             </a:r>
             <a:endParaRPr lang="en-SI" sz="700" b="1" dirty="0">
               <a:solidFill>
@@ -34489,7 +34494,7 @@
                   <a:schemeClr val="tx1"/>
                 </a:solidFill>
               </a:rPr>
-              <a:t>IC65</a:t>
+              <a:t>IC65 * 74F74</a:t>
             </a:r>
             <a:endParaRPr lang="en-SI" sz="700" b="1" dirty="0">
               <a:solidFill>
@@ -35001,7 +35006,7 @@
                   <a:schemeClr val="tx1"/>
                 </a:solidFill>
               </a:rPr>
-              <a:t>IC64</a:t>
+              <a:t>IC64 * 74123</a:t>
             </a:r>
             <a:endParaRPr lang="en-SI" sz="700" b="1" dirty="0">
               <a:solidFill>
@@ -35449,7 +35454,7 @@
                   <a:schemeClr val="tx1"/>
                 </a:solidFill>
               </a:rPr>
-              <a:t>IC72</a:t>
+              <a:t>IC72 * 74S04</a:t>
             </a:r>
             <a:endParaRPr lang="en-SI" sz="700" b="1" dirty="0">
               <a:solidFill>

--- a/doc/GdpComponentPlacement.pptx
+++ b/doc/GdpComponentPlacement.pptx
@@ -127,7 +127,7 @@
   <pc:docChgLst>
     <pc:chgData name="Miha Grcar" userId="e5c00a8d-4dfe-484f-8df1-9221a675244d" providerId="ADAL" clId="{1775BD9D-1FB3-4C48-9098-C349C297F331}"/>
     <pc:docChg chg="undo custSel addSld modSld">
-      <pc:chgData name="Miha Grcar" userId="e5c00a8d-4dfe-484f-8df1-9221a675244d" providerId="ADAL" clId="{1775BD9D-1FB3-4C48-9098-C349C297F331}" dt="2025-01-14T21:23:16.313" v="3743" actId="20577"/>
+      <pc:chgData name="Miha Grcar" userId="e5c00a8d-4dfe-484f-8df1-9221a675244d" providerId="ADAL" clId="{1775BD9D-1FB3-4C48-9098-C349C297F331}" dt="2025-01-15T20:40:15.743" v="4022" actId="20577"/>
       <pc:docMkLst>
         <pc:docMk/>
       </pc:docMkLst>
@@ -217,22 +217,6 @@
             <ac:spMk id="43" creationId="{0920830C-5D29-788E-47AD-81B8862ACB9E}"/>
           </ac:spMkLst>
         </pc:spChg>
-        <pc:spChg chg="add del mod">
-          <ac:chgData name="Miha Grcar" userId="e5c00a8d-4dfe-484f-8df1-9221a675244d" providerId="ADAL" clId="{1775BD9D-1FB3-4C48-9098-C349C297F331}" dt="2025-01-13T16:50:33.995" v="59" actId="478"/>
-          <ac:spMkLst>
-            <pc:docMk/>
-            <pc:sldMk cId="3628822336" sldId="256"/>
-            <ac:spMk id="44" creationId="{F43EDC57-04A3-19EE-687B-101F2588064A}"/>
-          </ac:spMkLst>
-        </pc:spChg>
-        <pc:spChg chg="add del mod">
-          <ac:chgData name="Miha Grcar" userId="e5c00a8d-4dfe-484f-8df1-9221a675244d" providerId="ADAL" clId="{1775BD9D-1FB3-4C48-9098-C349C297F331}" dt="2025-01-13T16:50:09.447" v="56" actId="478"/>
-          <ac:spMkLst>
-            <pc:docMk/>
-            <pc:sldMk cId="3628822336" sldId="256"/>
-            <ac:spMk id="45" creationId="{7DF13834-C3D1-A1B1-FBCB-1027FA1A3650}"/>
-          </ac:spMkLst>
-        </pc:spChg>
         <pc:spChg chg="add mod">
           <ac:chgData name="Miha Grcar" userId="e5c00a8d-4dfe-484f-8df1-9221a675244d" providerId="ADAL" clId="{1775BD9D-1FB3-4C48-9098-C349C297F331}" dt="2025-01-13T16:47:30.327" v="35" actId="1076"/>
           <ac:spMkLst>
@@ -250,14 +234,6 @@
           </ac:spMkLst>
         </pc:spChg>
         <pc:spChg chg="add mod">
-          <ac:chgData name="Miha Grcar" userId="e5c00a8d-4dfe-484f-8df1-9221a675244d" providerId="ADAL" clId="{1775BD9D-1FB3-4C48-9098-C349C297F331}" dt="2025-01-13T16:47:44.175" v="39" actId="571"/>
-          <ac:spMkLst>
-            <pc:docMk/>
-            <pc:sldMk cId="3628822336" sldId="256"/>
-            <ac:spMk id="49" creationId="{3F9688A9-825A-813F-2DE1-8476382F6D81}"/>
-          </ac:spMkLst>
-        </pc:spChg>
-        <pc:spChg chg="add mod">
           <ac:chgData name="Miha Grcar" userId="e5c00a8d-4dfe-484f-8df1-9221a675244d" providerId="ADAL" clId="{1775BD9D-1FB3-4C48-9098-C349C297F331}" dt="2025-01-13T16:48:09.398" v="55" actId="1037"/>
           <ac:spMkLst>
             <pc:docMk/>
@@ -489,14 +465,6 @@
             <ac:spMk id="82" creationId="{DA1FA841-1F36-E3B8-A2F6-6290CF8A2795}"/>
           </ac:spMkLst>
         </pc:spChg>
-        <pc:spChg chg="add del mod">
-          <ac:chgData name="Miha Grcar" userId="e5c00a8d-4dfe-484f-8df1-9221a675244d" providerId="ADAL" clId="{1775BD9D-1FB3-4C48-9098-C349C297F331}" dt="2025-01-13T17:27:21.842" v="275" actId="478"/>
-          <ac:spMkLst>
-            <pc:docMk/>
-            <pc:sldMk cId="3628822336" sldId="256"/>
-            <ac:spMk id="83" creationId="{217B419D-FD08-54A7-D11B-D7628B12485C}"/>
-          </ac:spMkLst>
-        </pc:spChg>
         <pc:spChg chg="add mod">
           <ac:chgData name="Miha Grcar" userId="e5c00a8d-4dfe-484f-8df1-9221a675244d" providerId="ADAL" clId="{1775BD9D-1FB3-4C48-9098-C349C297F331}" dt="2025-01-13T17:27:31.033" v="288" actId="1036"/>
           <ac:spMkLst>
@@ -570,19 +538,11 @@
           </ac:spMkLst>
         </pc:spChg>
         <pc:spChg chg="add mod">
-          <ac:chgData name="Miha Grcar" userId="e5c00a8d-4dfe-484f-8df1-9221a675244d" providerId="ADAL" clId="{1775BD9D-1FB3-4C48-9098-C349C297F331}" dt="2025-01-13T18:26:07.758" v="396"/>
+          <ac:chgData name="Miha Grcar" userId="e5c00a8d-4dfe-484f-8df1-9221a675244d" providerId="ADAL" clId="{1775BD9D-1FB3-4C48-9098-C349C297F331}" dt="2025-01-13T18:26:28.634" v="422" actId="1035"/>
           <ac:spMkLst>
             <pc:docMk/>
             <pc:sldMk cId="3628822336" sldId="256"/>
-            <ac:spMk id="93" creationId="{6628E360-F071-6778-6C32-39BCE5789D0C}"/>
-          </ac:spMkLst>
-        </pc:spChg>
-        <pc:spChg chg="add mod">
-          <ac:chgData name="Miha Grcar" userId="e5c00a8d-4dfe-484f-8df1-9221a675244d" providerId="ADAL" clId="{1775BD9D-1FB3-4C48-9098-C349C297F331}" dt="2025-01-13T18:26:07.758" v="396"/>
-          <ac:spMkLst>
-            <pc:docMk/>
-            <pc:sldMk cId="3628822336" sldId="256"/>
-            <ac:spMk id="94" creationId="{8627FB8D-7CF4-138A-BC99-EFB573521C59}"/>
+            <ac:spMk id="95" creationId="{AB4640D9-DB02-B110-063D-9C56BD94CE66}"/>
           </ac:spMkLst>
         </pc:spChg>
         <pc:spChg chg="add mod">
@@ -590,14 +550,6 @@
           <ac:spMkLst>
             <pc:docMk/>
             <pc:sldMk cId="3628822336" sldId="256"/>
-            <ac:spMk id="95" creationId="{AB4640D9-DB02-B110-063D-9C56BD94CE66}"/>
-          </ac:spMkLst>
-        </pc:spChg>
-        <pc:spChg chg="add mod">
-          <ac:chgData name="Miha Grcar" userId="e5c00a8d-4dfe-484f-8df1-9221a675244d" providerId="ADAL" clId="{1775BD9D-1FB3-4C48-9098-C349C297F331}" dt="2025-01-13T18:26:28.634" v="422" actId="1035"/>
-          <ac:spMkLst>
-            <pc:docMk/>
-            <pc:sldMk cId="3628822336" sldId="256"/>
             <ac:spMk id="96" creationId="{C44E969A-DC9F-2E7C-D55D-6F4665C22C0D}"/>
           </ac:spMkLst>
         </pc:spChg>
@@ -761,14 +713,6 @@
             <ac:spMk id="122" creationId="{688325C0-506C-A687-4185-3CF9143EAF15}"/>
           </ac:spMkLst>
         </pc:spChg>
-        <pc:spChg chg="add mod">
-          <ac:chgData name="Miha Grcar" userId="e5c00a8d-4dfe-484f-8df1-9221a675244d" providerId="ADAL" clId="{1775BD9D-1FB3-4C48-9098-C349C297F331}" dt="2025-01-13T18:46:26.803" v="576"/>
-          <ac:spMkLst>
-            <pc:docMk/>
-            <pc:sldMk cId="3628822336" sldId="256"/>
-            <ac:spMk id="123" creationId="{688325C0-506C-A687-4185-3CF9143EAF15}"/>
-          </ac:spMkLst>
-        </pc:spChg>
         <pc:spChg chg="mod">
           <ac:chgData name="Miha Grcar" userId="e5c00a8d-4dfe-484f-8df1-9221a675244d" providerId="ADAL" clId="{1775BD9D-1FB3-4C48-9098-C349C297F331}" dt="2025-01-13T18:49:08.062" v="597" actId="164"/>
           <ac:spMkLst>
@@ -945,38 +889,6 @@
             <ac:spMk id="167" creationId="{3151E5B9-0411-28B5-B875-9B46D7EAE721}"/>
           </ac:spMkLst>
         </pc:spChg>
-        <pc:spChg chg="mod">
-          <ac:chgData name="Miha Grcar" userId="e5c00a8d-4dfe-484f-8df1-9221a675244d" providerId="ADAL" clId="{1775BD9D-1FB3-4C48-9098-C349C297F331}" dt="2025-01-13T18:51:22.375" v="625" actId="165"/>
-          <ac:spMkLst>
-            <pc:docMk/>
-            <pc:sldMk cId="3628822336" sldId="256"/>
-            <ac:spMk id="168" creationId="{5DBC9E7E-B95A-2291-0B36-502C6A3A5691}"/>
-          </ac:spMkLst>
-        </pc:spChg>
-        <pc:spChg chg="mod">
-          <ac:chgData name="Miha Grcar" userId="e5c00a8d-4dfe-484f-8df1-9221a675244d" providerId="ADAL" clId="{1775BD9D-1FB3-4C48-9098-C349C297F331}" dt="2025-01-13T18:51:22.375" v="625" actId="165"/>
-          <ac:spMkLst>
-            <pc:docMk/>
-            <pc:sldMk cId="3628822336" sldId="256"/>
-            <ac:spMk id="169" creationId="{11A1B1A5-76A7-766E-CE6A-228B254E6921}"/>
-          </ac:spMkLst>
-        </pc:spChg>
-        <pc:spChg chg="mod">
-          <ac:chgData name="Miha Grcar" userId="e5c00a8d-4dfe-484f-8df1-9221a675244d" providerId="ADAL" clId="{1775BD9D-1FB3-4C48-9098-C349C297F331}" dt="2025-01-13T18:51:22.375" v="625" actId="165"/>
-          <ac:spMkLst>
-            <pc:docMk/>
-            <pc:sldMk cId="3628822336" sldId="256"/>
-            <ac:spMk id="170" creationId="{AA297DCB-5DE6-59BB-8250-929EA70DB832}"/>
-          </ac:spMkLst>
-        </pc:spChg>
-        <pc:spChg chg="mod">
-          <ac:chgData name="Miha Grcar" userId="e5c00a8d-4dfe-484f-8df1-9221a675244d" providerId="ADAL" clId="{1775BD9D-1FB3-4C48-9098-C349C297F331}" dt="2025-01-13T18:51:22.375" v="625" actId="165"/>
-          <ac:spMkLst>
-            <pc:docMk/>
-            <pc:sldMk cId="3628822336" sldId="256"/>
-            <ac:spMk id="171" creationId="{7827EE88-B008-F423-EB20-ABE0EF692C1D}"/>
-          </ac:spMkLst>
-        </pc:spChg>
         <pc:spChg chg="mod topLvl">
           <ac:chgData name="Miha Grcar" userId="e5c00a8d-4dfe-484f-8df1-9221a675244d" providerId="ADAL" clId="{1775BD9D-1FB3-4C48-9098-C349C297F331}" dt="2025-01-13T18:58:41.149" v="644" actId="14100"/>
           <ac:spMkLst>
@@ -1009,22 +921,6 @@
             <ac:spMk id="175" creationId="{430246B6-4E60-D7D9-9F56-FA7C0B50D6A6}"/>
           </ac:spMkLst>
         </pc:spChg>
-        <pc:spChg chg="mod">
-          <ac:chgData name="Miha Grcar" userId="e5c00a8d-4dfe-484f-8df1-9221a675244d" providerId="ADAL" clId="{1775BD9D-1FB3-4C48-9098-C349C297F331}" dt="2025-01-13T18:51:22.375" v="625" actId="165"/>
-          <ac:spMkLst>
-            <pc:docMk/>
-            <pc:sldMk cId="3628822336" sldId="256"/>
-            <ac:spMk id="176" creationId="{B51B3B07-78EC-2DB7-E52C-6C5F61B911D0}"/>
-          </ac:spMkLst>
-        </pc:spChg>
-        <pc:spChg chg="mod">
-          <ac:chgData name="Miha Grcar" userId="e5c00a8d-4dfe-484f-8df1-9221a675244d" providerId="ADAL" clId="{1775BD9D-1FB3-4C48-9098-C349C297F331}" dt="2025-01-13T18:51:22.375" v="625" actId="165"/>
-          <ac:spMkLst>
-            <pc:docMk/>
-            <pc:sldMk cId="3628822336" sldId="256"/>
-            <ac:spMk id="177" creationId="{04F6DC16-251C-05CA-ED3E-A22DD780CD64}"/>
-          </ac:spMkLst>
-        </pc:spChg>
         <pc:spChg chg="mod topLvl">
           <ac:chgData name="Miha Grcar" userId="e5c00a8d-4dfe-484f-8df1-9221a675244d" providerId="ADAL" clId="{1775BD9D-1FB3-4C48-9098-C349C297F331}" dt="2025-01-13T18:58:09.329" v="639" actId="14100"/>
           <ac:spMkLst>
@@ -1170,19 +1066,27 @@
           </ac:spMkLst>
         </pc:spChg>
         <pc:spChg chg="add mod">
-          <ac:chgData name="Miha Grcar" userId="e5c00a8d-4dfe-484f-8df1-9221a675244d" providerId="ADAL" clId="{1775BD9D-1FB3-4C48-9098-C349C297F331}" dt="2025-01-13T19:40:22.904" v="888"/>
+          <ac:chgData name="Miha Grcar" userId="e5c00a8d-4dfe-484f-8df1-9221a675244d" providerId="ADAL" clId="{1775BD9D-1FB3-4C48-9098-C349C297F331}" dt="2025-01-13T19:41:08.638" v="898" actId="554"/>
           <ac:spMkLst>
             <pc:docMk/>
             <pc:sldMk cId="3628822336" sldId="256"/>
-            <ac:spMk id="196" creationId="{3979C736-37A5-E885-0DCC-EF17AF17F172}"/>
+            <ac:spMk id="198" creationId="{8F16B473-2DA6-D69D-83BF-56566E9EE510}"/>
           </ac:spMkLst>
         </pc:spChg>
         <pc:spChg chg="add mod">
-          <ac:chgData name="Miha Grcar" userId="e5c00a8d-4dfe-484f-8df1-9221a675244d" providerId="ADAL" clId="{1775BD9D-1FB3-4C48-9098-C349C297F331}" dt="2025-01-13T19:40:27.139" v="889"/>
+          <ac:chgData name="Miha Grcar" userId="e5c00a8d-4dfe-484f-8df1-9221a675244d" providerId="ADAL" clId="{1775BD9D-1FB3-4C48-9098-C349C297F331}" dt="2025-01-13T19:41:16.748" v="899" actId="408"/>
           <ac:spMkLst>
             <pc:docMk/>
             <pc:sldMk cId="3628822336" sldId="256"/>
-            <ac:spMk id="197" creationId="{5AEBED2F-911C-BAD0-2239-18C8DCC3C42C}"/>
+            <ac:spMk id="199" creationId="{BEE79D99-317A-6FBC-72C0-04C7164AAD34}"/>
+          </ac:spMkLst>
+        </pc:spChg>
+        <pc:spChg chg="add mod">
+          <ac:chgData name="Miha Grcar" userId="e5c00a8d-4dfe-484f-8df1-9221a675244d" providerId="ADAL" clId="{1775BD9D-1FB3-4C48-9098-C349C297F331}" dt="2025-01-13T19:41:16.748" v="899" actId="408"/>
+          <ac:spMkLst>
+            <pc:docMk/>
+            <pc:sldMk cId="3628822336" sldId="256"/>
+            <ac:spMk id="200" creationId="{C73DD7C4-9CBD-0DEA-A265-4D500B06EBA2}"/>
           </ac:spMkLst>
         </pc:spChg>
         <pc:spChg chg="add mod">
@@ -1190,30 +1094,6 @@
           <ac:spMkLst>
             <pc:docMk/>
             <pc:sldMk cId="3628822336" sldId="256"/>
-            <ac:spMk id="198" creationId="{8F16B473-2DA6-D69D-83BF-56566E9EE510}"/>
-          </ac:spMkLst>
-        </pc:spChg>
-        <pc:spChg chg="add mod">
-          <ac:chgData name="Miha Grcar" userId="e5c00a8d-4dfe-484f-8df1-9221a675244d" providerId="ADAL" clId="{1775BD9D-1FB3-4C48-9098-C349C297F331}" dt="2025-01-13T19:41:16.748" v="899" actId="408"/>
-          <ac:spMkLst>
-            <pc:docMk/>
-            <pc:sldMk cId="3628822336" sldId="256"/>
-            <ac:spMk id="199" creationId="{BEE79D99-317A-6FBC-72C0-04C7164AAD34}"/>
-          </ac:spMkLst>
-        </pc:spChg>
-        <pc:spChg chg="add mod">
-          <ac:chgData name="Miha Grcar" userId="e5c00a8d-4dfe-484f-8df1-9221a675244d" providerId="ADAL" clId="{1775BD9D-1FB3-4C48-9098-C349C297F331}" dt="2025-01-13T19:41:16.748" v="899" actId="408"/>
-          <ac:spMkLst>
-            <pc:docMk/>
-            <pc:sldMk cId="3628822336" sldId="256"/>
-            <ac:spMk id="200" creationId="{C73DD7C4-9CBD-0DEA-A265-4D500B06EBA2}"/>
-          </ac:spMkLst>
-        </pc:spChg>
-        <pc:spChg chg="add mod">
-          <ac:chgData name="Miha Grcar" userId="e5c00a8d-4dfe-484f-8df1-9221a675244d" providerId="ADAL" clId="{1775BD9D-1FB3-4C48-9098-C349C297F331}" dt="2025-01-13T19:41:08.638" v="898" actId="554"/>
-          <ac:spMkLst>
-            <pc:docMk/>
-            <pc:sldMk cId="3628822336" sldId="256"/>
             <ac:spMk id="201" creationId="{314954EB-F17E-CBA7-874B-B4622D23D318}"/>
           </ac:spMkLst>
         </pc:spChg>
@@ -1234,35 +1114,19 @@
           </ac:spMkLst>
         </pc:spChg>
         <pc:spChg chg="add mod">
-          <ac:chgData name="Miha Grcar" userId="e5c00a8d-4dfe-484f-8df1-9221a675244d" providerId="ADAL" clId="{1775BD9D-1FB3-4C48-9098-C349C297F331}" dt="2025-01-13T19:47:20.364" v="925"/>
+          <ac:chgData name="Miha Grcar" userId="e5c00a8d-4dfe-484f-8df1-9221a675244d" providerId="ADAL" clId="{1775BD9D-1FB3-4C48-9098-C349C297F331}" dt="2025-01-13T19:48:03.227" v="946" actId="554"/>
           <ac:spMkLst>
             <pc:docMk/>
             <pc:sldMk cId="3628822336" sldId="256"/>
-            <ac:spMk id="205" creationId="{AD75F104-6765-7111-C79D-FF075C49EF60}"/>
+            <ac:spMk id="210" creationId="{0ACC046F-D654-C5DF-7F43-BAD6D375FFE9}"/>
           </ac:spMkLst>
         </pc:spChg>
         <pc:spChg chg="add mod">
-          <ac:chgData name="Miha Grcar" userId="e5c00a8d-4dfe-484f-8df1-9221a675244d" providerId="ADAL" clId="{1775BD9D-1FB3-4C48-9098-C349C297F331}" dt="2025-01-13T19:47:20.364" v="925"/>
+          <ac:chgData name="Miha Grcar" userId="e5c00a8d-4dfe-484f-8df1-9221a675244d" providerId="ADAL" clId="{1775BD9D-1FB3-4C48-9098-C349C297F331}" dt="2025-01-13T19:48:10.126" v="947" actId="408"/>
           <ac:spMkLst>
             <pc:docMk/>
             <pc:sldMk cId="3628822336" sldId="256"/>
-            <ac:spMk id="206" creationId="{C5BBD439-A703-F20B-C26D-A03639BDCCE9}"/>
-          </ac:spMkLst>
-        </pc:spChg>
-        <pc:spChg chg="add mod">
-          <ac:chgData name="Miha Grcar" userId="e5c00a8d-4dfe-484f-8df1-9221a675244d" providerId="ADAL" clId="{1775BD9D-1FB3-4C48-9098-C349C297F331}" dt="2025-01-13T19:47:24.508" v="926"/>
-          <ac:spMkLst>
-            <pc:docMk/>
-            <pc:sldMk cId="3628822336" sldId="256"/>
-            <ac:spMk id="208" creationId="{4657D02C-B445-1A2D-DD5D-786F4E42FB4E}"/>
-          </ac:spMkLst>
-        </pc:spChg>
-        <pc:spChg chg="add mod">
-          <ac:chgData name="Miha Grcar" userId="e5c00a8d-4dfe-484f-8df1-9221a675244d" providerId="ADAL" clId="{1775BD9D-1FB3-4C48-9098-C349C297F331}" dt="2025-01-13T19:47:24.508" v="926"/>
-          <ac:spMkLst>
-            <pc:docMk/>
-            <pc:sldMk cId="3628822336" sldId="256"/>
-            <ac:spMk id="209" creationId="{3BB62A45-1AAD-53BA-A520-A1E50CC15729}"/>
+            <ac:spMk id="211" creationId="{36E23C4D-48C0-9233-93A3-D01D0D4DCEC3}"/>
           </ac:spMkLst>
         </pc:spChg>
         <pc:spChg chg="add mod">
@@ -1270,22 +1134,6 @@
           <ac:spMkLst>
             <pc:docMk/>
             <pc:sldMk cId="3628822336" sldId="256"/>
-            <ac:spMk id="210" creationId="{0ACC046F-D654-C5DF-7F43-BAD6D375FFE9}"/>
-          </ac:spMkLst>
-        </pc:spChg>
-        <pc:spChg chg="add mod">
-          <ac:chgData name="Miha Grcar" userId="e5c00a8d-4dfe-484f-8df1-9221a675244d" providerId="ADAL" clId="{1775BD9D-1FB3-4C48-9098-C349C297F331}" dt="2025-01-13T19:48:10.126" v="947" actId="408"/>
-          <ac:spMkLst>
-            <pc:docMk/>
-            <pc:sldMk cId="3628822336" sldId="256"/>
-            <ac:spMk id="211" creationId="{36E23C4D-48C0-9233-93A3-D01D0D4DCEC3}"/>
-          </ac:spMkLst>
-        </pc:spChg>
-        <pc:spChg chg="add mod">
-          <ac:chgData name="Miha Grcar" userId="e5c00a8d-4dfe-484f-8df1-9221a675244d" providerId="ADAL" clId="{1775BD9D-1FB3-4C48-9098-C349C297F331}" dt="2025-01-13T19:48:03.227" v="946" actId="554"/>
-          <ac:spMkLst>
-            <pc:docMk/>
-            <pc:sldMk cId="3628822336" sldId="256"/>
             <ac:spMk id="212" creationId="{6B102305-9B94-52AD-7BE9-BD462F8B0FE2}"/>
           </ac:spMkLst>
         </pc:spChg>
@@ -1322,22 +1170,6 @@
           </ac:spMkLst>
         </pc:spChg>
         <pc:spChg chg="add mod">
-          <ac:chgData name="Miha Grcar" userId="e5c00a8d-4dfe-484f-8df1-9221a675244d" providerId="ADAL" clId="{1775BD9D-1FB3-4C48-9098-C349C297F331}" dt="2025-01-13T19:53:01.320" v="1109"/>
-          <ac:spMkLst>
-            <pc:docMk/>
-            <pc:sldMk cId="3628822336" sldId="256"/>
-            <ac:spMk id="217" creationId="{55F43811-C393-999F-46E2-B20080A0DC4B}"/>
-          </ac:spMkLst>
-        </pc:spChg>
-        <pc:spChg chg="add mod">
-          <ac:chgData name="Miha Grcar" userId="e5c00a8d-4dfe-484f-8df1-9221a675244d" providerId="ADAL" clId="{1775BD9D-1FB3-4C48-9098-C349C297F331}" dt="2025-01-13T19:53:01.320" v="1109"/>
-          <ac:spMkLst>
-            <pc:docMk/>
-            <pc:sldMk cId="3628822336" sldId="256"/>
-            <ac:spMk id="218" creationId="{1234C831-0D22-C920-5D14-AF7A9064D13C}"/>
-          </ac:spMkLst>
-        </pc:spChg>
-        <pc:spChg chg="add mod">
           <ac:chgData name="Miha Grcar" userId="e5c00a8d-4dfe-484f-8df1-9221a675244d" providerId="ADAL" clId="{1775BD9D-1FB3-4C48-9098-C349C297F331}" dt="2025-01-13T19:53:21.942" v="1156" actId="1038"/>
           <ac:spMkLst>
             <pc:docMk/>
@@ -1527,14 +1359,6 @@
             <pc:docMk/>
             <pc:sldMk cId="3628822336" sldId="256"/>
             <ac:spMk id="242" creationId="{1AB968E8-273D-C089-107B-CC30ABA6ABB4}"/>
-          </ac:spMkLst>
-        </pc:spChg>
-        <pc:spChg chg="add mod">
-          <ac:chgData name="Miha Grcar" userId="e5c00a8d-4dfe-484f-8df1-9221a675244d" providerId="ADAL" clId="{1775BD9D-1FB3-4C48-9098-C349C297F331}" dt="2025-01-13T20:46:34.164" v="1867" actId="571"/>
-          <ac:spMkLst>
-            <pc:docMk/>
-            <pc:sldMk cId="3628822336" sldId="256"/>
-            <ac:spMk id="244" creationId="{245F48FE-3D72-088C-9E52-820AFA933E19}"/>
           </ac:spMkLst>
         </pc:spChg>
         <pc:spChg chg="add mod">
@@ -1935,14 +1759,6 @@
             <pc:docMk/>
             <pc:sldMk cId="3628822336" sldId="256"/>
             <ac:grpSpMk id="53" creationId="{C80D301B-E606-E6EC-F735-2E97AD87BE95}"/>
-          </ac:grpSpMkLst>
-        </pc:grpChg>
-        <pc:grpChg chg="add del mod">
-          <ac:chgData name="Miha Grcar" userId="e5c00a8d-4dfe-484f-8df1-9221a675244d" providerId="ADAL" clId="{1775BD9D-1FB3-4C48-9098-C349C297F331}" dt="2025-01-13T18:27:43.087" v="433" actId="165"/>
-          <ac:grpSpMkLst>
-            <pc:docMk/>
-            <pc:sldMk cId="3628822336" sldId="256"/>
-            <ac:grpSpMk id="54" creationId="{DF55B891-2DD7-951F-5187-8E677708D21B}"/>
           </ac:grpSpMkLst>
         </pc:grpChg>
         <pc:grpChg chg="add mod">
@@ -1951,14 +1767,6 @@
             <pc:docMk/>
             <pc:sldMk cId="3628822336" sldId="256"/>
             <ac:grpSpMk id="57" creationId="{8F8FB764-44DB-9527-154F-C8C3D9B577E9}"/>
-          </ac:grpSpMkLst>
-        </pc:grpChg>
-        <pc:grpChg chg="add del mod">
-          <ac:chgData name="Miha Grcar" userId="e5c00a8d-4dfe-484f-8df1-9221a675244d" providerId="ADAL" clId="{1775BD9D-1FB3-4C48-9098-C349C297F331}" dt="2025-01-13T21:10:08.960" v="2298" actId="165"/>
-          <ac:grpSpMkLst>
-            <pc:docMk/>
-            <pc:sldMk cId="3628822336" sldId="256"/>
-            <ac:grpSpMk id="60" creationId="{549C76FA-A437-549B-281A-A35FA82D91B4}"/>
           </ac:grpSpMkLst>
         </pc:grpChg>
         <pc:grpChg chg="add mod">
@@ -2026,14 +1834,6 @@
           </ac:grpSpMkLst>
         </pc:grpChg>
         <pc:grpChg chg="add mod">
-          <ac:chgData name="Miha Grcar" userId="e5c00a8d-4dfe-484f-8df1-9221a675244d" providerId="ADAL" clId="{1775BD9D-1FB3-4C48-9098-C349C297F331}" dt="2025-01-13T18:49:08.062" v="597" actId="164"/>
-          <ac:grpSpMkLst>
-            <pc:docMk/>
-            <pc:sldMk cId="3628822336" sldId="256"/>
-            <ac:grpSpMk id="130" creationId="{C66B87FB-F9E5-CD9C-2FBE-480AA6285ECA}"/>
-          </ac:grpSpMkLst>
-        </pc:grpChg>
-        <pc:grpChg chg="add mod">
           <ac:chgData name="Miha Grcar" userId="e5c00a8d-4dfe-484f-8df1-9221a675244d" providerId="ADAL" clId="{1775BD9D-1FB3-4C48-9098-C349C297F331}" dt="2025-01-13T18:51:02.345" v="623" actId="12788"/>
           <ac:grpSpMkLst>
             <pc:docMk/>
@@ -2113,78 +1913,6 @@
             <ac:grpSpMk id="140" creationId="{84DAB1F9-090C-2806-8A6A-82BB722DB631}"/>
           </ac:grpSpMkLst>
         </pc:grpChg>
-        <pc:grpChg chg="add del mod">
-          <ac:chgData name="Miha Grcar" userId="e5c00a8d-4dfe-484f-8df1-9221a675244d" providerId="ADAL" clId="{1775BD9D-1FB3-4C48-9098-C349C297F331}" dt="2025-01-13T18:51:22.375" v="625" actId="165"/>
-          <ac:grpSpMkLst>
-            <pc:docMk/>
-            <pc:sldMk cId="3628822336" sldId="256"/>
-            <ac:grpSpMk id="157" creationId="{4D9235FA-8BF6-B18C-76F8-132AC08379E7}"/>
-          </ac:grpSpMkLst>
-        </pc:grpChg>
-        <pc:grpChg chg="del mod topLvl">
-          <ac:chgData name="Miha Grcar" userId="e5c00a8d-4dfe-484f-8df1-9221a675244d" providerId="ADAL" clId="{1775BD9D-1FB3-4C48-9098-C349C297F331}" dt="2025-01-13T18:51:43.362" v="627" actId="165"/>
-          <ac:grpSpMkLst>
-            <pc:docMk/>
-            <pc:sldMk cId="3628822336" sldId="256"/>
-            <ac:grpSpMk id="158" creationId="{90E86998-DFF9-7ED1-B837-AAEC957E5B54}"/>
-          </ac:grpSpMkLst>
-        </pc:grpChg>
-        <pc:grpChg chg="del mod topLvl">
-          <ac:chgData name="Miha Grcar" userId="e5c00a8d-4dfe-484f-8df1-9221a675244d" providerId="ADAL" clId="{1775BD9D-1FB3-4C48-9098-C349C297F331}" dt="2025-01-13T18:51:32.771" v="626" actId="165"/>
-          <ac:grpSpMkLst>
-            <pc:docMk/>
-            <pc:sldMk cId="3628822336" sldId="256"/>
-            <ac:grpSpMk id="159" creationId="{435F8718-E135-6239-4BA4-1D305BC8CB10}"/>
-          </ac:grpSpMkLst>
-        </pc:grpChg>
-        <pc:grpChg chg="del mod topLvl">
-          <ac:chgData name="Miha Grcar" userId="e5c00a8d-4dfe-484f-8df1-9221a675244d" providerId="ADAL" clId="{1775BD9D-1FB3-4C48-9098-C349C297F331}" dt="2025-01-13T18:58:14.541" v="640" actId="478"/>
-          <ac:grpSpMkLst>
-            <pc:docMk/>
-            <pc:sldMk cId="3628822336" sldId="256"/>
-            <ac:grpSpMk id="160" creationId="{6B28BEFF-AF81-A723-AFFB-6C710B3A7314}"/>
-          </ac:grpSpMkLst>
-        </pc:grpChg>
-        <pc:grpChg chg="add del mod topLvl">
-          <ac:chgData name="Miha Grcar" userId="e5c00a8d-4dfe-484f-8df1-9221a675244d" providerId="ADAL" clId="{1775BD9D-1FB3-4C48-9098-C349C297F331}" dt="2025-01-13T18:58:21.021" v="641" actId="165"/>
-          <ac:grpSpMkLst>
-            <pc:docMk/>
-            <pc:sldMk cId="3628822336" sldId="256"/>
-            <ac:grpSpMk id="161" creationId="{0B5169E1-298F-81B4-9588-706B445B37E8}"/>
-          </ac:grpSpMkLst>
-        </pc:grpChg>
-        <pc:grpChg chg="del mod topLvl">
-          <ac:chgData name="Miha Grcar" userId="e5c00a8d-4dfe-484f-8df1-9221a675244d" providerId="ADAL" clId="{1775BD9D-1FB3-4C48-9098-C349C297F331}" dt="2025-01-13T18:58:32.987" v="643" actId="165"/>
-          <ac:grpSpMkLst>
-            <pc:docMk/>
-            <pc:sldMk cId="3628822336" sldId="256"/>
-            <ac:grpSpMk id="162" creationId="{A7E8E42A-5678-02F9-2C7D-38AE382FC000}"/>
-          </ac:grpSpMkLst>
-        </pc:grpChg>
-        <pc:grpChg chg="del mod topLvl">
-          <ac:chgData name="Miha Grcar" userId="e5c00a8d-4dfe-484f-8df1-9221a675244d" providerId="ADAL" clId="{1775BD9D-1FB3-4C48-9098-C349C297F331}" dt="2025-01-13T18:58:43.431" v="645" actId="478"/>
-          <ac:grpSpMkLst>
-            <pc:docMk/>
-            <pc:sldMk cId="3628822336" sldId="256"/>
-            <ac:grpSpMk id="163" creationId="{A0EB733B-EB47-B795-1B16-E1968C1BA6A2}"/>
-          </ac:grpSpMkLst>
-        </pc:grpChg>
-        <pc:grpChg chg="del mod topLvl">
-          <ac:chgData name="Miha Grcar" userId="e5c00a8d-4dfe-484f-8df1-9221a675244d" providerId="ADAL" clId="{1775BD9D-1FB3-4C48-9098-C349C297F331}" dt="2025-01-13T18:58:46.288" v="646" actId="478"/>
-          <ac:grpSpMkLst>
-            <pc:docMk/>
-            <pc:sldMk cId="3628822336" sldId="256"/>
-            <ac:grpSpMk id="164" creationId="{D26A60FF-4F2F-78A2-E190-BF517B56572A}"/>
-          </ac:grpSpMkLst>
-        </pc:grpChg>
-        <pc:grpChg chg="del mod topLvl">
-          <ac:chgData name="Miha Grcar" userId="e5c00a8d-4dfe-484f-8df1-9221a675244d" providerId="ADAL" clId="{1775BD9D-1FB3-4C48-9098-C349C297F331}" dt="2025-01-13T18:58:52.696" v="647" actId="165"/>
-          <ac:grpSpMkLst>
-            <pc:docMk/>
-            <pc:sldMk cId="3628822336" sldId="256"/>
-            <ac:grpSpMk id="165" creationId="{069E1B28-6965-E8A4-820E-E02A79ACF4CC}"/>
-          </ac:grpSpMkLst>
-        </pc:grpChg>
         <pc:picChg chg="add del mod">
           <ac:chgData name="Miha Grcar" userId="e5c00a8d-4dfe-484f-8df1-9221a675244d" providerId="ADAL" clId="{1775BD9D-1FB3-4C48-9098-C349C297F331}" dt="2025-01-13T21:04:07.204" v="2238" actId="478"/>
           <ac:picMkLst>
@@ -2193,41 +1921,9 @@
             <ac:picMk id="9" creationId="{C6A80715-8BDA-4DE3-CDB9-5D359C6FB523}"/>
           </ac:picMkLst>
         </pc:picChg>
-        <pc:picChg chg="add mod">
-          <ac:chgData name="Miha Grcar" userId="e5c00a8d-4dfe-484f-8df1-9221a675244d" providerId="ADAL" clId="{1775BD9D-1FB3-4C48-9098-C349C297F331}" dt="2025-01-13T16:47:44.175" v="39" actId="571"/>
-          <ac:picMkLst>
-            <pc:docMk/>
-            <pc:sldMk cId="3628822336" sldId="256"/>
-            <ac:picMk id="48" creationId="{85AF3D89-50AF-30EF-C73C-8C6B0C86F85A}"/>
-          </ac:picMkLst>
-        </pc:picChg>
-        <pc:picChg chg="add mod">
-          <ac:chgData name="Miha Grcar" userId="e5c00a8d-4dfe-484f-8df1-9221a675244d" providerId="ADAL" clId="{1775BD9D-1FB3-4C48-9098-C349C297F331}" dt="2025-01-13T19:47:20.364" v="925"/>
-          <ac:picMkLst>
-            <pc:docMk/>
-            <pc:sldMk cId="3628822336" sldId="256"/>
-            <ac:picMk id="204" creationId="{D805E85F-FA01-A5CB-E182-3A4B9979F69A}"/>
-          </ac:picMkLst>
-        </pc:picChg>
-        <pc:picChg chg="add mod">
-          <ac:chgData name="Miha Grcar" userId="e5c00a8d-4dfe-484f-8df1-9221a675244d" providerId="ADAL" clId="{1775BD9D-1FB3-4C48-9098-C349C297F331}" dt="2025-01-13T19:47:24.508" v="926"/>
-          <ac:picMkLst>
-            <pc:docMk/>
-            <pc:sldMk cId="3628822336" sldId="256"/>
-            <ac:picMk id="207" creationId="{086FFB0F-B866-7283-4544-3C9F4A8BE108}"/>
-          </ac:picMkLst>
-        </pc:picChg>
-        <pc:picChg chg="add mod">
-          <ac:chgData name="Miha Grcar" userId="e5c00a8d-4dfe-484f-8df1-9221a675244d" providerId="ADAL" clId="{1775BD9D-1FB3-4C48-9098-C349C297F331}" dt="2025-01-13T20:46:34.164" v="1867" actId="571"/>
-          <ac:picMkLst>
-            <pc:docMk/>
-            <pc:sldMk cId="3628822336" sldId="256"/>
-            <ac:picMk id="243" creationId="{FF6FEE5F-DBE3-0B38-488D-28E88CDE7CFF}"/>
-          </ac:picMkLst>
-        </pc:picChg>
       </pc:sldChg>
       <pc:sldChg chg="addSp delSp modSp add mod">
-        <pc:chgData name="Miha Grcar" userId="e5c00a8d-4dfe-484f-8df1-9221a675244d" providerId="ADAL" clId="{1775BD9D-1FB3-4C48-9098-C349C297F331}" dt="2025-01-14T21:23:16.313" v="3743" actId="20577"/>
+        <pc:chgData name="Miha Grcar" userId="e5c00a8d-4dfe-484f-8df1-9221a675244d" providerId="ADAL" clId="{1775BD9D-1FB3-4C48-9098-C349C297F331}" dt="2025-01-15T20:40:15.743" v="4022" actId="20577"/>
         <pc:sldMkLst>
           <pc:docMk/>
           <pc:sldMk cId="5384951" sldId="257"/>
@@ -2257,7 +1953,7 @@
           </ac:spMkLst>
         </pc:spChg>
         <pc:spChg chg="mod">
-          <ac:chgData name="Miha Grcar" userId="e5c00a8d-4dfe-484f-8df1-9221a675244d" providerId="ADAL" clId="{1775BD9D-1FB3-4C48-9098-C349C297F331}" dt="2025-01-13T21:19:12.477" v="2545" actId="255"/>
+          <ac:chgData name="Miha Grcar" userId="e5c00a8d-4dfe-484f-8df1-9221a675244d" providerId="ADAL" clId="{1775BD9D-1FB3-4C48-9098-C349C297F331}" dt="2025-01-15T18:18:41.110" v="3790" actId="207"/>
           <ac:spMkLst>
             <pc:docMk/>
             <pc:sldMk cId="5384951" sldId="257"/>
@@ -2265,7 +1961,7 @@
           </ac:spMkLst>
         </pc:spChg>
         <pc:spChg chg="mod">
-          <ac:chgData name="Miha Grcar" userId="e5c00a8d-4dfe-484f-8df1-9221a675244d" providerId="ADAL" clId="{1775BD9D-1FB3-4C48-9098-C349C297F331}" dt="2025-01-13T21:19:12.477" v="2545" actId="255"/>
+          <ac:chgData name="Miha Grcar" userId="e5c00a8d-4dfe-484f-8df1-9221a675244d" providerId="ADAL" clId="{1775BD9D-1FB3-4C48-9098-C349C297F331}" dt="2025-01-15T18:18:41.110" v="3790" actId="207"/>
           <ac:spMkLst>
             <pc:docMk/>
             <pc:sldMk cId="5384951" sldId="257"/>
@@ -2273,7 +1969,7 @@
           </ac:spMkLst>
         </pc:spChg>
         <pc:spChg chg="mod">
-          <ac:chgData name="Miha Grcar" userId="e5c00a8d-4dfe-484f-8df1-9221a675244d" providerId="ADAL" clId="{1775BD9D-1FB3-4C48-9098-C349C297F331}" dt="2025-01-13T21:19:12.477" v="2545" actId="255"/>
+          <ac:chgData name="Miha Grcar" userId="e5c00a8d-4dfe-484f-8df1-9221a675244d" providerId="ADAL" clId="{1775BD9D-1FB3-4C48-9098-C349C297F331}" dt="2025-01-15T18:18:41.110" v="3790" actId="207"/>
           <ac:spMkLst>
             <pc:docMk/>
             <pc:sldMk cId="5384951" sldId="257"/>
@@ -2281,7 +1977,7 @@
           </ac:spMkLst>
         </pc:spChg>
         <pc:spChg chg="mod">
-          <ac:chgData name="Miha Grcar" userId="e5c00a8d-4dfe-484f-8df1-9221a675244d" providerId="ADAL" clId="{1775BD9D-1FB3-4C48-9098-C349C297F331}" dt="2025-01-13T21:19:12.477" v="2545" actId="255"/>
+          <ac:chgData name="Miha Grcar" userId="e5c00a8d-4dfe-484f-8df1-9221a675244d" providerId="ADAL" clId="{1775BD9D-1FB3-4C48-9098-C349C297F331}" dt="2025-01-15T18:18:41.110" v="3790" actId="207"/>
           <ac:spMkLst>
             <pc:docMk/>
             <pc:sldMk cId="5384951" sldId="257"/>
@@ -2289,7 +1985,7 @@
           </ac:spMkLst>
         </pc:spChg>
         <pc:spChg chg="mod">
-          <ac:chgData name="Miha Grcar" userId="e5c00a8d-4dfe-484f-8df1-9221a675244d" providerId="ADAL" clId="{1775BD9D-1FB3-4C48-9098-C349C297F331}" dt="2025-01-13T21:19:12.477" v="2545" actId="255"/>
+          <ac:chgData name="Miha Grcar" userId="e5c00a8d-4dfe-484f-8df1-9221a675244d" providerId="ADAL" clId="{1775BD9D-1FB3-4C48-9098-C349C297F331}" dt="2025-01-15T18:18:41.110" v="3790" actId="207"/>
           <ac:spMkLst>
             <pc:docMk/>
             <pc:sldMk cId="5384951" sldId="257"/>
@@ -2297,7 +1993,7 @@
           </ac:spMkLst>
         </pc:spChg>
         <pc:spChg chg="mod">
-          <ac:chgData name="Miha Grcar" userId="e5c00a8d-4dfe-484f-8df1-9221a675244d" providerId="ADAL" clId="{1775BD9D-1FB3-4C48-9098-C349C297F331}" dt="2025-01-13T21:19:12.477" v="2545" actId="255"/>
+          <ac:chgData name="Miha Grcar" userId="e5c00a8d-4dfe-484f-8df1-9221a675244d" providerId="ADAL" clId="{1775BD9D-1FB3-4C48-9098-C349C297F331}" dt="2025-01-15T18:20:32.744" v="3803" actId="207"/>
           <ac:spMkLst>
             <pc:docMk/>
             <pc:sldMk cId="5384951" sldId="257"/>
@@ -2305,7 +2001,7 @@
           </ac:spMkLst>
         </pc:spChg>
         <pc:spChg chg="mod">
-          <ac:chgData name="Miha Grcar" userId="e5c00a8d-4dfe-484f-8df1-9221a675244d" providerId="ADAL" clId="{1775BD9D-1FB3-4C48-9098-C349C297F331}" dt="2025-01-13T21:19:12.477" v="2545" actId="255"/>
+          <ac:chgData name="Miha Grcar" userId="e5c00a8d-4dfe-484f-8df1-9221a675244d" providerId="ADAL" clId="{1775BD9D-1FB3-4C48-9098-C349C297F331}" dt="2025-01-15T18:20:32.744" v="3803" actId="207"/>
           <ac:spMkLst>
             <pc:docMk/>
             <pc:sldMk cId="5384951" sldId="257"/>
@@ -2313,7 +2009,7 @@
           </ac:spMkLst>
         </pc:spChg>
         <pc:spChg chg="mod">
-          <ac:chgData name="Miha Grcar" userId="e5c00a8d-4dfe-484f-8df1-9221a675244d" providerId="ADAL" clId="{1775BD9D-1FB3-4C48-9098-C349C297F331}" dt="2025-01-13T21:19:12.477" v="2545" actId="255"/>
+          <ac:chgData name="Miha Grcar" userId="e5c00a8d-4dfe-484f-8df1-9221a675244d" providerId="ADAL" clId="{1775BD9D-1FB3-4C48-9098-C349C297F331}" dt="2025-01-15T18:20:32.744" v="3803" actId="207"/>
           <ac:spMkLst>
             <pc:docMk/>
             <pc:sldMk cId="5384951" sldId="257"/>
@@ -2401,7 +2097,7 @@
           </ac:spMkLst>
         </pc:spChg>
         <pc:spChg chg="mod">
-          <ac:chgData name="Miha Grcar" userId="e5c00a8d-4dfe-484f-8df1-9221a675244d" providerId="ADAL" clId="{1775BD9D-1FB3-4C48-9098-C349C297F331}" dt="2025-01-13T21:19:12.477" v="2545" actId="255"/>
+          <ac:chgData name="Miha Grcar" userId="e5c00a8d-4dfe-484f-8df1-9221a675244d" providerId="ADAL" clId="{1775BD9D-1FB3-4C48-9098-C349C297F331}" dt="2025-01-15T18:31:10.434" v="3826" actId="207"/>
           <ac:spMkLst>
             <pc:docMk/>
             <pc:sldMk cId="5384951" sldId="257"/>
@@ -2649,7 +2345,7 @@
           </ac:spMkLst>
         </pc:spChg>
         <pc:spChg chg="mod">
-          <ac:chgData name="Miha Grcar" userId="e5c00a8d-4dfe-484f-8df1-9221a675244d" providerId="ADAL" clId="{1775BD9D-1FB3-4C48-9098-C349C297F331}" dt="2025-01-14T13:25:57.059" v="3180" actId="207"/>
+          <ac:chgData name="Miha Grcar" userId="e5c00a8d-4dfe-484f-8df1-9221a675244d" providerId="ADAL" clId="{1775BD9D-1FB3-4C48-9098-C349C297F331}" dt="2025-01-15T20:37:26.454" v="3956" actId="20577"/>
           <ac:spMkLst>
             <pc:docMk/>
             <pc:sldMk cId="5384951" sldId="257"/>
@@ -2785,7 +2481,7 @@
           </ac:spMkLst>
         </pc:spChg>
         <pc:spChg chg="mod">
-          <ac:chgData name="Miha Grcar" userId="e5c00a8d-4dfe-484f-8df1-9221a675244d" providerId="ADAL" clId="{1775BD9D-1FB3-4C48-9098-C349C297F331}" dt="2025-01-13T21:19:12.477" v="2545" actId="255"/>
+          <ac:chgData name="Miha Grcar" userId="e5c00a8d-4dfe-484f-8df1-9221a675244d" providerId="ADAL" clId="{1775BD9D-1FB3-4C48-9098-C349C297F331}" dt="2025-01-15T18:36:38.513" v="3859" actId="207"/>
           <ac:spMkLst>
             <pc:docMk/>
             <pc:sldMk cId="5384951" sldId="257"/>
@@ -2793,7 +2489,7 @@
           </ac:spMkLst>
         </pc:spChg>
         <pc:spChg chg="mod">
-          <ac:chgData name="Miha Grcar" userId="e5c00a8d-4dfe-484f-8df1-9221a675244d" providerId="ADAL" clId="{1775BD9D-1FB3-4C48-9098-C349C297F331}" dt="2025-01-13T21:19:12.477" v="2545" actId="255"/>
+          <ac:chgData name="Miha Grcar" userId="e5c00a8d-4dfe-484f-8df1-9221a675244d" providerId="ADAL" clId="{1775BD9D-1FB3-4C48-9098-C349C297F331}" dt="2025-01-15T18:36:38.513" v="3859" actId="207"/>
           <ac:spMkLst>
             <pc:docMk/>
             <pc:sldMk cId="5384951" sldId="257"/>
@@ -2801,7 +2497,7 @@
           </ac:spMkLst>
         </pc:spChg>
         <pc:spChg chg="mod">
-          <ac:chgData name="Miha Grcar" userId="e5c00a8d-4dfe-484f-8df1-9221a675244d" providerId="ADAL" clId="{1775BD9D-1FB3-4C48-9098-C349C297F331}" dt="2025-01-13T21:19:12.477" v="2545" actId="255"/>
+          <ac:chgData name="Miha Grcar" userId="e5c00a8d-4dfe-484f-8df1-9221a675244d" providerId="ADAL" clId="{1775BD9D-1FB3-4C48-9098-C349C297F331}" dt="2025-01-15T18:31:10.434" v="3826" actId="207"/>
           <ac:spMkLst>
             <pc:docMk/>
             <pc:sldMk cId="5384951" sldId="257"/>
@@ -2809,7 +2505,7 @@
           </ac:spMkLst>
         </pc:spChg>
         <pc:spChg chg="mod">
-          <ac:chgData name="Miha Grcar" userId="e5c00a8d-4dfe-484f-8df1-9221a675244d" providerId="ADAL" clId="{1775BD9D-1FB3-4C48-9098-C349C297F331}" dt="2025-01-13T21:19:12.477" v="2545" actId="255"/>
+          <ac:chgData name="Miha Grcar" userId="e5c00a8d-4dfe-484f-8df1-9221a675244d" providerId="ADAL" clId="{1775BD9D-1FB3-4C48-9098-C349C297F331}" dt="2025-01-15T18:31:10.434" v="3826" actId="207"/>
           <ac:spMkLst>
             <pc:docMk/>
             <pc:sldMk cId="5384951" sldId="257"/>
@@ -2817,7 +2513,7 @@
           </ac:spMkLst>
         </pc:spChg>
         <pc:spChg chg="mod">
-          <ac:chgData name="Miha Grcar" userId="e5c00a8d-4dfe-484f-8df1-9221a675244d" providerId="ADAL" clId="{1775BD9D-1FB3-4C48-9098-C349C297F331}" dt="2025-01-13T21:19:12.477" v="2545" actId="255"/>
+          <ac:chgData name="Miha Grcar" userId="e5c00a8d-4dfe-484f-8df1-9221a675244d" providerId="ADAL" clId="{1775BD9D-1FB3-4C48-9098-C349C297F331}" dt="2025-01-15T18:31:10.434" v="3826" actId="207"/>
           <ac:spMkLst>
             <pc:docMk/>
             <pc:sldMk cId="5384951" sldId="257"/>
@@ -2825,7 +2521,7 @@
           </ac:spMkLst>
         </pc:spChg>
         <pc:spChg chg="mod">
-          <ac:chgData name="Miha Grcar" userId="e5c00a8d-4dfe-484f-8df1-9221a675244d" providerId="ADAL" clId="{1775BD9D-1FB3-4C48-9098-C349C297F331}" dt="2025-01-13T21:19:12.477" v="2545" actId="255"/>
+          <ac:chgData name="Miha Grcar" userId="e5c00a8d-4dfe-484f-8df1-9221a675244d" providerId="ADAL" clId="{1775BD9D-1FB3-4C48-9098-C349C297F331}" dt="2025-01-15T18:31:10.434" v="3826" actId="207"/>
           <ac:spMkLst>
             <pc:docMk/>
             <pc:sldMk cId="5384951" sldId="257"/>
@@ -2833,7 +2529,7 @@
           </ac:spMkLst>
         </pc:spChg>
         <pc:spChg chg="mod">
-          <ac:chgData name="Miha Grcar" userId="e5c00a8d-4dfe-484f-8df1-9221a675244d" providerId="ADAL" clId="{1775BD9D-1FB3-4C48-9098-C349C297F331}" dt="2025-01-13T21:19:12.477" v="2545" actId="255"/>
+          <ac:chgData name="Miha Grcar" userId="e5c00a8d-4dfe-484f-8df1-9221a675244d" providerId="ADAL" clId="{1775BD9D-1FB3-4C48-9098-C349C297F331}" dt="2025-01-15T18:31:10.434" v="3826" actId="207"/>
           <ac:spMkLst>
             <pc:docMk/>
             <pc:sldMk cId="5384951" sldId="257"/>
@@ -2841,7 +2537,7 @@
           </ac:spMkLst>
         </pc:spChg>
         <pc:spChg chg="mod">
-          <ac:chgData name="Miha Grcar" userId="e5c00a8d-4dfe-484f-8df1-9221a675244d" providerId="ADAL" clId="{1775BD9D-1FB3-4C48-9098-C349C297F331}" dt="2025-01-14T09:22:40.761" v="2712" actId="207"/>
+          <ac:chgData name="Miha Grcar" userId="e5c00a8d-4dfe-484f-8df1-9221a675244d" providerId="ADAL" clId="{1775BD9D-1FB3-4C48-9098-C349C297F331}" dt="2025-01-15T17:58:09.802" v="3767" actId="207"/>
           <ac:spMkLst>
             <pc:docMk/>
             <pc:sldMk cId="5384951" sldId="257"/>
@@ -2849,7 +2545,7 @@
           </ac:spMkLst>
         </pc:spChg>
         <pc:spChg chg="mod">
-          <ac:chgData name="Miha Grcar" userId="e5c00a8d-4dfe-484f-8df1-9221a675244d" providerId="ADAL" clId="{1775BD9D-1FB3-4C48-9098-C349C297F331}" dt="2025-01-13T21:19:12.477" v="2545" actId="255"/>
+          <ac:chgData name="Miha Grcar" userId="e5c00a8d-4dfe-484f-8df1-9221a675244d" providerId="ADAL" clId="{1775BD9D-1FB3-4C48-9098-C349C297F331}" dt="2025-01-15T17:58:53.334" v="3771" actId="207"/>
           <ac:spMkLst>
             <pc:docMk/>
             <pc:sldMk cId="5384951" sldId="257"/>
@@ -2857,7 +2553,7 @@
           </ac:spMkLst>
         </pc:spChg>
         <pc:spChg chg="mod">
-          <ac:chgData name="Miha Grcar" userId="e5c00a8d-4dfe-484f-8df1-9221a675244d" providerId="ADAL" clId="{1775BD9D-1FB3-4C48-9098-C349C297F331}" dt="2025-01-13T21:19:12.477" v="2545" actId="255"/>
+          <ac:chgData name="Miha Grcar" userId="e5c00a8d-4dfe-484f-8df1-9221a675244d" providerId="ADAL" clId="{1775BD9D-1FB3-4C48-9098-C349C297F331}" dt="2025-01-15T18:35:43.423" v="3840" actId="207"/>
           <ac:spMkLst>
             <pc:docMk/>
             <pc:sldMk cId="5384951" sldId="257"/>
@@ -2865,7 +2561,7 @@
           </ac:spMkLst>
         </pc:spChg>
         <pc:spChg chg="mod">
-          <ac:chgData name="Miha Grcar" userId="e5c00a8d-4dfe-484f-8df1-9221a675244d" providerId="ADAL" clId="{1775BD9D-1FB3-4C48-9098-C349C297F331}" dt="2025-01-13T21:19:12.477" v="2545" actId="255"/>
+          <ac:chgData name="Miha Grcar" userId="e5c00a8d-4dfe-484f-8df1-9221a675244d" providerId="ADAL" clId="{1775BD9D-1FB3-4C48-9098-C349C297F331}" dt="2025-01-15T17:52:30.700" v="3748" actId="207"/>
           <ac:spMkLst>
             <pc:docMk/>
             <pc:sldMk cId="5384951" sldId="257"/>
@@ -2881,7 +2577,7 @@
           </ac:spMkLst>
         </pc:spChg>
         <pc:spChg chg="mod">
-          <ac:chgData name="Miha Grcar" userId="e5c00a8d-4dfe-484f-8df1-9221a675244d" providerId="ADAL" clId="{1775BD9D-1FB3-4C48-9098-C349C297F331}" dt="2025-01-14T13:20:48.693" v="3115" actId="207"/>
+          <ac:chgData name="Miha Grcar" userId="e5c00a8d-4dfe-484f-8df1-9221a675244d" providerId="ADAL" clId="{1775BD9D-1FB3-4C48-9098-C349C297F331}" dt="2025-01-15T20:34:48.311" v="3881" actId="20577"/>
           <ac:spMkLst>
             <pc:docMk/>
             <pc:sldMk cId="5384951" sldId="257"/>
@@ -2897,7 +2593,7 @@
           </ac:spMkLst>
         </pc:spChg>
         <pc:spChg chg="mod">
-          <ac:chgData name="Miha Grcar" userId="e5c00a8d-4dfe-484f-8df1-9221a675244d" providerId="ADAL" clId="{1775BD9D-1FB3-4C48-9098-C349C297F331}" dt="2025-01-14T13:20:56.807" v="3125" actId="207"/>
+          <ac:chgData name="Miha Grcar" userId="e5c00a8d-4dfe-484f-8df1-9221a675244d" providerId="ADAL" clId="{1775BD9D-1FB3-4C48-9098-C349C297F331}" dt="2025-01-15T20:34:53.187" v="3882"/>
           <ac:spMkLst>
             <pc:docMk/>
             <pc:sldMk cId="5384951" sldId="257"/>
@@ -2913,7 +2609,7 @@
           </ac:spMkLst>
         </pc:spChg>
         <pc:spChg chg="mod">
-          <ac:chgData name="Miha Grcar" userId="e5c00a8d-4dfe-484f-8df1-9221a675244d" providerId="ADAL" clId="{1775BD9D-1FB3-4C48-9098-C349C297F331}" dt="2025-01-14T13:21:03.016" v="3130" actId="207"/>
+          <ac:chgData name="Miha Grcar" userId="e5c00a8d-4dfe-484f-8df1-9221a675244d" providerId="ADAL" clId="{1775BD9D-1FB3-4C48-9098-C349C297F331}" dt="2025-01-15T20:34:54.870" v="3883"/>
           <ac:spMkLst>
             <pc:docMk/>
             <pc:sldMk cId="5384951" sldId="257"/>
@@ -2929,7 +2625,7 @@
           </ac:spMkLst>
         </pc:spChg>
         <pc:spChg chg="mod">
-          <ac:chgData name="Miha Grcar" userId="e5c00a8d-4dfe-484f-8df1-9221a675244d" providerId="ADAL" clId="{1775BD9D-1FB3-4C48-9098-C349C297F331}" dt="2025-01-14T13:21:07.854" v="3135" actId="207"/>
+          <ac:chgData name="Miha Grcar" userId="e5c00a8d-4dfe-484f-8df1-9221a675244d" providerId="ADAL" clId="{1775BD9D-1FB3-4C48-9098-C349C297F331}" dt="2025-01-15T20:35:05.717" v="3884"/>
           <ac:spMkLst>
             <pc:docMk/>
             <pc:sldMk cId="5384951" sldId="257"/>
@@ -2945,7 +2641,7 @@
           </ac:spMkLst>
         </pc:spChg>
         <pc:spChg chg="mod">
-          <ac:chgData name="Miha Grcar" userId="e5c00a8d-4dfe-484f-8df1-9221a675244d" providerId="ADAL" clId="{1775BD9D-1FB3-4C48-9098-C349C297F331}" dt="2025-01-14T13:21:14.513" v="3140" actId="207"/>
+          <ac:chgData name="Miha Grcar" userId="e5c00a8d-4dfe-484f-8df1-9221a675244d" providerId="ADAL" clId="{1775BD9D-1FB3-4C48-9098-C349C297F331}" dt="2025-01-15T20:35:10.451" v="3885"/>
           <ac:spMkLst>
             <pc:docMk/>
             <pc:sldMk cId="5384951" sldId="257"/>
@@ -2961,7 +2657,7 @@
           </ac:spMkLst>
         </pc:spChg>
         <pc:spChg chg="mod">
-          <ac:chgData name="Miha Grcar" userId="e5c00a8d-4dfe-484f-8df1-9221a675244d" providerId="ADAL" clId="{1775BD9D-1FB3-4C48-9098-C349C297F331}" dt="2025-01-14T13:21:20.212" v="3145" actId="207"/>
+          <ac:chgData name="Miha Grcar" userId="e5c00a8d-4dfe-484f-8df1-9221a675244d" providerId="ADAL" clId="{1775BD9D-1FB3-4C48-9098-C349C297F331}" dt="2025-01-15T20:35:13.973" v="3886"/>
           <ac:spMkLst>
             <pc:docMk/>
             <pc:sldMk cId="5384951" sldId="257"/>
@@ -2977,7 +2673,7 @@
           </ac:spMkLst>
         </pc:spChg>
         <pc:spChg chg="mod">
-          <ac:chgData name="Miha Grcar" userId="e5c00a8d-4dfe-484f-8df1-9221a675244d" providerId="ADAL" clId="{1775BD9D-1FB3-4C48-9098-C349C297F331}" dt="2025-01-14T13:21:27.052" v="3150" actId="207"/>
+          <ac:chgData name="Miha Grcar" userId="e5c00a8d-4dfe-484f-8df1-9221a675244d" providerId="ADAL" clId="{1775BD9D-1FB3-4C48-9098-C349C297F331}" dt="2025-01-15T20:35:17.041" v="3887"/>
           <ac:spMkLst>
             <pc:docMk/>
             <pc:sldMk cId="5384951" sldId="257"/>
@@ -2993,7 +2689,7 @@
           </ac:spMkLst>
         </pc:spChg>
         <pc:spChg chg="mod">
-          <ac:chgData name="Miha Grcar" userId="e5c00a8d-4dfe-484f-8df1-9221a675244d" providerId="ADAL" clId="{1775BD9D-1FB3-4C48-9098-C349C297F331}" dt="2025-01-14T13:21:34.073" v="3155" actId="207"/>
+          <ac:chgData name="Miha Grcar" userId="e5c00a8d-4dfe-484f-8df1-9221a675244d" providerId="ADAL" clId="{1775BD9D-1FB3-4C48-9098-C349C297F331}" dt="2025-01-15T20:35:19.205" v="3888"/>
           <ac:spMkLst>
             <pc:docMk/>
             <pc:sldMk cId="5384951" sldId="257"/>
@@ -3009,7 +2705,7 @@
           </ac:spMkLst>
         </pc:spChg>
         <pc:spChg chg="mod">
-          <ac:chgData name="Miha Grcar" userId="e5c00a8d-4dfe-484f-8df1-9221a675244d" providerId="ADAL" clId="{1775BD9D-1FB3-4C48-9098-C349C297F331}" dt="2025-01-14T13:30:23.147" v="3235" actId="207"/>
+          <ac:chgData name="Miha Grcar" userId="e5c00a8d-4dfe-484f-8df1-9221a675244d" providerId="ADAL" clId="{1775BD9D-1FB3-4C48-9098-C349C297F331}" dt="2025-01-15T20:35:46.904" v="3898"/>
           <ac:spMkLst>
             <pc:docMk/>
             <pc:sldMk cId="5384951" sldId="257"/>
@@ -3025,7 +2721,7 @@
           </ac:spMkLst>
         </pc:spChg>
         <pc:spChg chg="mod">
-          <ac:chgData name="Miha Grcar" userId="e5c00a8d-4dfe-484f-8df1-9221a675244d" providerId="ADAL" clId="{1775BD9D-1FB3-4C48-9098-C349C297F331}" dt="2025-01-14T13:30:17.185" v="3230" actId="207"/>
+          <ac:chgData name="Miha Grcar" userId="e5c00a8d-4dfe-484f-8df1-9221a675244d" providerId="ADAL" clId="{1775BD9D-1FB3-4C48-9098-C349C297F331}" dt="2025-01-15T20:35:43.454" v="3897"/>
           <ac:spMkLst>
             <pc:docMk/>
             <pc:sldMk cId="5384951" sldId="257"/>
@@ -3041,7 +2737,7 @@
           </ac:spMkLst>
         </pc:spChg>
         <pc:spChg chg="mod">
-          <ac:chgData name="Miha Grcar" userId="e5c00a8d-4dfe-484f-8df1-9221a675244d" providerId="ADAL" clId="{1775BD9D-1FB3-4C48-9098-C349C297F331}" dt="2025-01-14T13:30:11.011" v="3225" actId="207"/>
+          <ac:chgData name="Miha Grcar" userId="e5c00a8d-4dfe-484f-8df1-9221a675244d" providerId="ADAL" clId="{1775BD9D-1FB3-4C48-9098-C349C297F331}" dt="2025-01-15T20:35:41.426" v="3896"/>
           <ac:spMkLst>
             <pc:docMk/>
             <pc:sldMk cId="5384951" sldId="257"/>
@@ -3057,7 +2753,7 @@
           </ac:spMkLst>
         </pc:spChg>
         <pc:spChg chg="mod">
-          <ac:chgData name="Miha Grcar" userId="e5c00a8d-4dfe-484f-8df1-9221a675244d" providerId="ADAL" clId="{1775BD9D-1FB3-4C48-9098-C349C297F331}" dt="2025-01-14T13:30:05.477" v="3220" actId="207"/>
+          <ac:chgData name="Miha Grcar" userId="e5c00a8d-4dfe-484f-8df1-9221a675244d" providerId="ADAL" clId="{1775BD9D-1FB3-4C48-9098-C349C297F331}" dt="2025-01-15T20:35:39.302" v="3895"/>
           <ac:spMkLst>
             <pc:docMk/>
             <pc:sldMk cId="5384951" sldId="257"/>
@@ -3073,7 +2769,7 @@
           </ac:spMkLst>
         </pc:spChg>
         <pc:spChg chg="mod">
-          <ac:chgData name="Miha Grcar" userId="e5c00a8d-4dfe-484f-8df1-9221a675244d" providerId="ADAL" clId="{1775BD9D-1FB3-4C48-9098-C349C297F331}" dt="2025-01-14T13:30:00.207" v="3215" actId="207"/>
+          <ac:chgData name="Miha Grcar" userId="e5c00a8d-4dfe-484f-8df1-9221a675244d" providerId="ADAL" clId="{1775BD9D-1FB3-4C48-9098-C349C297F331}" dt="2025-01-15T20:35:37.046" v="3894"/>
           <ac:spMkLst>
             <pc:docMk/>
             <pc:sldMk cId="5384951" sldId="257"/>
@@ -3089,7 +2785,7 @@
           </ac:spMkLst>
         </pc:spChg>
         <pc:spChg chg="mod">
-          <ac:chgData name="Miha Grcar" userId="e5c00a8d-4dfe-484f-8df1-9221a675244d" providerId="ADAL" clId="{1775BD9D-1FB3-4C48-9098-C349C297F331}" dt="2025-01-14T13:29:54.582" v="3210" actId="207"/>
+          <ac:chgData name="Miha Grcar" userId="e5c00a8d-4dfe-484f-8df1-9221a675244d" providerId="ADAL" clId="{1775BD9D-1FB3-4C48-9098-C349C297F331}" dt="2025-01-15T20:35:34.933" v="3893"/>
           <ac:spMkLst>
             <pc:docMk/>
             <pc:sldMk cId="5384951" sldId="257"/>
@@ -3105,7 +2801,7 @@
           </ac:spMkLst>
         </pc:spChg>
         <pc:spChg chg="mod">
-          <ac:chgData name="Miha Grcar" userId="e5c00a8d-4dfe-484f-8df1-9221a675244d" providerId="ADAL" clId="{1775BD9D-1FB3-4C48-9098-C349C297F331}" dt="2025-01-14T13:29:48.144" v="3205" actId="207"/>
+          <ac:chgData name="Miha Grcar" userId="e5c00a8d-4dfe-484f-8df1-9221a675244d" providerId="ADAL" clId="{1775BD9D-1FB3-4C48-9098-C349C297F331}" dt="2025-01-15T20:35:32.178" v="3892" actId="20577"/>
           <ac:spMkLst>
             <pc:docMk/>
             <pc:sldMk cId="5384951" sldId="257"/>
@@ -3121,7 +2817,7 @@
           </ac:spMkLst>
         </pc:spChg>
         <pc:spChg chg="mod">
-          <ac:chgData name="Miha Grcar" userId="e5c00a8d-4dfe-484f-8df1-9221a675244d" providerId="ADAL" clId="{1775BD9D-1FB3-4C48-9098-C349C297F331}" dt="2025-01-14T13:26:33.242" v="3200" actId="207"/>
+          <ac:chgData name="Miha Grcar" userId="e5c00a8d-4dfe-484f-8df1-9221a675244d" providerId="ADAL" clId="{1775BD9D-1FB3-4C48-9098-C349C297F331}" dt="2025-01-15T20:35:23.405" v="3889"/>
           <ac:spMkLst>
             <pc:docMk/>
             <pc:sldMk cId="5384951" sldId="257"/>
@@ -3129,7 +2825,7 @@
           </ac:spMkLst>
         </pc:spChg>
         <pc:spChg chg="mod">
-          <ac:chgData name="Miha Grcar" userId="e5c00a8d-4dfe-484f-8df1-9221a675244d" providerId="ADAL" clId="{1775BD9D-1FB3-4C48-9098-C349C297F331}" dt="2025-01-14T09:41:41.444" v="2856" actId="20577"/>
+          <ac:chgData name="Miha Grcar" userId="e5c00a8d-4dfe-484f-8df1-9221a675244d" providerId="ADAL" clId="{1775BD9D-1FB3-4C48-9098-C349C297F331}" dt="2025-01-15T19:19:33.602" v="3873" actId="20577"/>
           <ac:spMkLst>
             <pc:docMk/>
             <pc:sldMk cId="5384951" sldId="257"/>
@@ -3137,7 +2833,7 @@
           </ac:spMkLst>
         </pc:spChg>
         <pc:spChg chg="mod">
-          <ac:chgData name="Miha Grcar" userId="e5c00a8d-4dfe-484f-8df1-9221a675244d" providerId="ADAL" clId="{1775BD9D-1FB3-4C48-9098-C349C297F331}" dt="2025-01-14T14:12:51.200" v="3280" actId="207"/>
+          <ac:chgData name="Miha Grcar" userId="e5c00a8d-4dfe-484f-8df1-9221a675244d" providerId="ADAL" clId="{1775BD9D-1FB3-4C48-9098-C349C297F331}" dt="2025-01-15T20:36:04.120" v="3907" actId="20577"/>
           <ac:spMkLst>
             <pc:docMk/>
             <pc:sldMk cId="5384951" sldId="257"/>
@@ -3153,7 +2849,7 @@
           </ac:spMkLst>
         </pc:spChg>
         <pc:spChg chg="mod">
-          <ac:chgData name="Miha Grcar" userId="e5c00a8d-4dfe-484f-8df1-9221a675244d" providerId="ADAL" clId="{1775BD9D-1FB3-4C48-9098-C349C297F331}" dt="2025-01-14T14:12:45.035" v="3275" actId="207"/>
+          <ac:chgData name="Miha Grcar" userId="e5c00a8d-4dfe-484f-8df1-9221a675244d" providerId="ADAL" clId="{1775BD9D-1FB3-4C48-9098-C349C297F331}" dt="2025-01-15T20:36:22.172" v="3919" actId="20577"/>
           <ac:spMkLst>
             <pc:docMk/>
             <pc:sldMk cId="5384951" sldId="257"/>
@@ -3169,7 +2865,7 @@
           </ac:spMkLst>
         </pc:spChg>
         <pc:spChg chg="mod">
-          <ac:chgData name="Miha Grcar" userId="e5c00a8d-4dfe-484f-8df1-9221a675244d" providerId="ADAL" clId="{1775BD9D-1FB3-4C48-9098-C349C297F331}" dt="2025-01-14T14:12:39.216" v="3270" actId="207"/>
+          <ac:chgData name="Miha Grcar" userId="e5c00a8d-4dfe-484f-8df1-9221a675244d" providerId="ADAL" clId="{1775BD9D-1FB3-4C48-9098-C349C297F331}" dt="2025-01-15T20:36:33.972" v="3928" actId="20577"/>
           <ac:spMkLst>
             <pc:docMk/>
             <pc:sldMk cId="5384951" sldId="257"/>
@@ -3185,7 +2881,7 @@
           </ac:spMkLst>
         </pc:spChg>
         <pc:spChg chg="mod">
-          <ac:chgData name="Miha Grcar" userId="e5c00a8d-4dfe-484f-8df1-9221a675244d" providerId="ADAL" clId="{1775BD9D-1FB3-4C48-9098-C349C297F331}" dt="2025-01-14T14:12:32.342" v="3265" actId="207"/>
+          <ac:chgData name="Miha Grcar" userId="e5c00a8d-4dfe-484f-8df1-9221a675244d" providerId="ADAL" clId="{1775BD9D-1FB3-4C48-9098-C349C297F331}" dt="2025-01-15T20:36:44.771" v="3938" actId="20577"/>
           <ac:spMkLst>
             <pc:docMk/>
             <pc:sldMk cId="5384951" sldId="257"/>
@@ -3201,7 +2897,7 @@
           </ac:spMkLst>
         </pc:spChg>
         <pc:spChg chg="mod">
-          <ac:chgData name="Miha Grcar" userId="e5c00a8d-4dfe-484f-8df1-9221a675244d" providerId="ADAL" clId="{1775BD9D-1FB3-4C48-9098-C349C297F331}" dt="2025-01-14T14:12:26.706" v="3260" actId="207"/>
+          <ac:chgData name="Miha Grcar" userId="e5c00a8d-4dfe-484f-8df1-9221a675244d" providerId="ADAL" clId="{1775BD9D-1FB3-4C48-9098-C349C297F331}" dt="2025-01-15T20:36:53.646" v="3946" actId="20577"/>
           <ac:spMkLst>
             <pc:docMk/>
             <pc:sldMk cId="5384951" sldId="257"/>
@@ -3265,7 +2961,7 @@
           </ac:spMkLst>
         </pc:spChg>
         <pc:spChg chg="mod">
-          <ac:chgData name="Miha Grcar" userId="e5c00a8d-4dfe-484f-8df1-9221a675244d" providerId="ADAL" clId="{1775BD9D-1FB3-4C48-9098-C349C297F331}" dt="2025-01-13T21:19:12.477" v="2545" actId="255"/>
+          <ac:chgData name="Miha Grcar" userId="e5c00a8d-4dfe-484f-8df1-9221a675244d" providerId="ADAL" clId="{1775BD9D-1FB3-4C48-9098-C349C297F331}" dt="2025-01-15T18:36:06.154" v="3850" actId="207"/>
           <ac:spMkLst>
             <pc:docMk/>
             <pc:sldMk cId="5384951" sldId="257"/>
@@ -3273,7 +2969,7 @@
           </ac:spMkLst>
         </pc:spChg>
         <pc:spChg chg="mod">
-          <ac:chgData name="Miha Grcar" userId="e5c00a8d-4dfe-484f-8df1-9221a675244d" providerId="ADAL" clId="{1775BD9D-1FB3-4C48-9098-C349C297F331}" dt="2025-01-13T21:19:12.477" v="2545" actId="255"/>
+          <ac:chgData name="Miha Grcar" userId="e5c00a8d-4dfe-484f-8df1-9221a675244d" providerId="ADAL" clId="{1775BD9D-1FB3-4C48-9098-C349C297F331}" dt="2025-01-15T18:35:56.981" v="3849" actId="207"/>
           <ac:spMkLst>
             <pc:docMk/>
             <pc:sldMk cId="5384951" sldId="257"/>
@@ -3281,7 +2977,7 @@
           </ac:spMkLst>
         </pc:spChg>
         <pc:spChg chg="mod">
-          <ac:chgData name="Miha Grcar" userId="e5c00a8d-4dfe-484f-8df1-9221a675244d" providerId="ADAL" clId="{1775BD9D-1FB3-4C48-9098-C349C297F331}" dt="2025-01-13T21:19:12.477" v="2545" actId="255"/>
+          <ac:chgData name="Miha Grcar" userId="e5c00a8d-4dfe-484f-8df1-9221a675244d" providerId="ADAL" clId="{1775BD9D-1FB3-4C48-9098-C349C297F331}" dt="2025-01-15T17:53:58.426" v="3761" actId="207"/>
           <ac:spMkLst>
             <pc:docMk/>
             <pc:sldMk cId="5384951" sldId="257"/>
@@ -3289,7 +2985,7 @@
           </ac:spMkLst>
         </pc:spChg>
         <pc:spChg chg="mod">
-          <ac:chgData name="Miha Grcar" userId="e5c00a8d-4dfe-484f-8df1-9221a675244d" providerId="ADAL" clId="{1775BD9D-1FB3-4C48-9098-C349C297F331}" dt="2025-01-13T21:19:12.477" v="2545" actId="255"/>
+          <ac:chgData name="Miha Grcar" userId="e5c00a8d-4dfe-484f-8df1-9221a675244d" providerId="ADAL" clId="{1775BD9D-1FB3-4C48-9098-C349C297F331}" dt="2025-01-15T17:53:55.356" v="3759" actId="207"/>
           <ac:spMkLst>
             <pc:docMk/>
             <pc:sldMk cId="5384951" sldId="257"/>
@@ -3377,7 +3073,7 @@
           </ac:spMkLst>
         </pc:spChg>
         <pc:spChg chg="mod">
-          <ac:chgData name="Miha Grcar" userId="e5c00a8d-4dfe-484f-8df1-9221a675244d" providerId="ADAL" clId="{1775BD9D-1FB3-4C48-9098-C349C297F331}" dt="2025-01-13T21:19:12.477" v="2545" actId="255"/>
+          <ac:chgData name="Miha Grcar" userId="e5c00a8d-4dfe-484f-8df1-9221a675244d" providerId="ADAL" clId="{1775BD9D-1FB3-4C48-9098-C349C297F331}" dt="2025-01-15T18:31:57.219" v="3839" actId="207"/>
           <ac:spMkLst>
             <pc:docMk/>
             <pc:sldMk cId="5384951" sldId="257"/>
@@ -3385,7 +3081,7 @@
           </ac:spMkLst>
         </pc:spChg>
         <pc:spChg chg="mod">
-          <ac:chgData name="Miha Grcar" userId="e5c00a8d-4dfe-484f-8df1-9221a675244d" providerId="ADAL" clId="{1775BD9D-1FB3-4C48-9098-C349C297F331}" dt="2025-01-13T21:19:12.477" v="2545" actId="255"/>
+          <ac:chgData name="Miha Grcar" userId="e5c00a8d-4dfe-484f-8df1-9221a675244d" providerId="ADAL" clId="{1775BD9D-1FB3-4C48-9098-C349C297F331}" dt="2025-01-15T18:31:57.219" v="3839" actId="207"/>
           <ac:spMkLst>
             <pc:docMk/>
             <pc:sldMk cId="5384951" sldId="257"/>
@@ -3393,7 +3089,7 @@
           </ac:spMkLst>
         </pc:spChg>
         <pc:spChg chg="mod">
-          <ac:chgData name="Miha Grcar" userId="e5c00a8d-4dfe-484f-8df1-9221a675244d" providerId="ADAL" clId="{1775BD9D-1FB3-4C48-9098-C349C297F331}" dt="2025-01-13T21:19:12.477" v="2545" actId="255"/>
+          <ac:chgData name="Miha Grcar" userId="e5c00a8d-4dfe-484f-8df1-9221a675244d" providerId="ADAL" clId="{1775BD9D-1FB3-4C48-9098-C349C297F331}" dt="2025-01-15T18:31:57.219" v="3839" actId="207"/>
           <ac:spMkLst>
             <pc:docMk/>
             <pc:sldMk cId="5384951" sldId="257"/>
@@ -3401,7 +3097,7 @@
           </ac:spMkLst>
         </pc:spChg>
         <pc:spChg chg="mod">
-          <ac:chgData name="Miha Grcar" userId="e5c00a8d-4dfe-484f-8df1-9221a675244d" providerId="ADAL" clId="{1775BD9D-1FB3-4C48-9098-C349C297F331}" dt="2025-01-13T21:19:12.477" v="2545" actId="255"/>
+          <ac:chgData name="Miha Grcar" userId="e5c00a8d-4dfe-484f-8df1-9221a675244d" providerId="ADAL" clId="{1775BD9D-1FB3-4C48-9098-C349C297F331}" dt="2025-01-15T18:59:51.748" v="3872" actId="207"/>
           <ac:spMkLst>
             <pc:docMk/>
             <pc:sldMk cId="5384951" sldId="257"/>
@@ -3409,7 +3105,7 @@
           </ac:spMkLst>
         </pc:spChg>
         <pc:spChg chg="mod">
-          <ac:chgData name="Miha Grcar" userId="e5c00a8d-4dfe-484f-8df1-9221a675244d" providerId="ADAL" clId="{1775BD9D-1FB3-4C48-9098-C349C297F331}" dt="2025-01-13T21:19:12.477" v="2545" actId="255"/>
+          <ac:chgData name="Miha Grcar" userId="e5c00a8d-4dfe-484f-8df1-9221a675244d" providerId="ADAL" clId="{1775BD9D-1FB3-4C48-9098-C349C297F331}" dt="2025-01-15T18:59:51.748" v="3872" actId="207"/>
           <ac:spMkLst>
             <pc:docMk/>
             <pc:sldMk cId="5384951" sldId="257"/>
@@ -3497,7 +3193,7 @@
           </ac:spMkLst>
         </pc:spChg>
         <pc:spChg chg="mod">
-          <ac:chgData name="Miha Grcar" userId="e5c00a8d-4dfe-484f-8df1-9221a675244d" providerId="ADAL" clId="{1775BD9D-1FB3-4C48-9098-C349C297F331}" dt="2025-01-14T13:26:22.277" v="3195" actId="207"/>
+          <ac:chgData name="Miha Grcar" userId="e5c00a8d-4dfe-484f-8df1-9221a675244d" providerId="ADAL" clId="{1775BD9D-1FB3-4C48-9098-C349C297F331}" dt="2025-01-15T20:37:33.921" v="3964" actId="20577"/>
           <ac:spMkLst>
             <pc:docMk/>
             <pc:sldMk cId="5384951" sldId="257"/>
@@ -3513,7 +3209,7 @@
           </ac:spMkLst>
         </pc:spChg>
         <pc:spChg chg="mod">
-          <ac:chgData name="Miha Grcar" userId="e5c00a8d-4dfe-484f-8df1-9221a675244d" providerId="ADAL" clId="{1775BD9D-1FB3-4C48-9098-C349C297F331}" dt="2025-01-14T14:11:22.718" v="3240" actId="207"/>
+          <ac:chgData name="Miha Grcar" userId="e5c00a8d-4dfe-484f-8df1-9221a675244d" providerId="ADAL" clId="{1775BD9D-1FB3-4C48-9098-C349C297F331}" dt="2025-01-15T20:37:48.984" v="3973" actId="20577"/>
           <ac:spMkLst>
             <pc:docMk/>
             <pc:sldMk cId="5384951" sldId="257"/>
@@ -3529,7 +3225,7 @@
           </ac:spMkLst>
         </pc:spChg>
         <pc:spChg chg="mod">
-          <ac:chgData name="Miha Grcar" userId="e5c00a8d-4dfe-484f-8df1-9221a675244d" providerId="ADAL" clId="{1775BD9D-1FB3-4C48-9098-C349C297F331}" dt="2025-01-14T14:12:00.649" v="3255" actId="207"/>
+          <ac:chgData name="Miha Grcar" userId="e5c00a8d-4dfe-484f-8df1-9221a675244d" providerId="ADAL" clId="{1775BD9D-1FB3-4C48-9098-C349C297F331}" dt="2025-01-15T20:37:59.789" v="3981" actId="20577"/>
           <ac:spMkLst>
             <pc:docMk/>
             <pc:sldMk cId="5384951" sldId="257"/>
@@ -3593,7 +3289,7 @@
           </ac:spMkLst>
         </pc:spChg>
         <pc:spChg chg="mod">
-          <ac:chgData name="Miha Grcar" userId="e5c00a8d-4dfe-484f-8df1-9221a675244d" providerId="ADAL" clId="{1775BD9D-1FB3-4C48-9098-C349C297F331}" dt="2025-01-14T14:11:55.514" v="3250" actId="207"/>
+          <ac:chgData name="Miha Grcar" userId="e5c00a8d-4dfe-484f-8df1-9221a675244d" providerId="ADAL" clId="{1775BD9D-1FB3-4C48-9098-C349C297F331}" dt="2025-01-15T20:39:27.791" v="4003" actId="20577"/>
           <ac:spMkLst>
             <pc:docMk/>
             <pc:sldMk cId="5384951" sldId="257"/>
@@ -3649,7 +3345,7 @@
           </ac:spMkLst>
         </pc:spChg>
         <pc:spChg chg="mod">
-          <ac:chgData name="Miha Grcar" userId="e5c00a8d-4dfe-484f-8df1-9221a675244d" providerId="ADAL" clId="{1775BD9D-1FB3-4C48-9098-C349C297F331}" dt="2025-01-14T14:13:17.119" v="3290" actId="207"/>
+          <ac:chgData name="Miha Grcar" userId="e5c00a8d-4dfe-484f-8df1-9221a675244d" providerId="ADAL" clId="{1775BD9D-1FB3-4C48-9098-C349C297F331}" dt="2025-01-15T20:38:11.030" v="3989" actId="20577"/>
           <ac:spMkLst>
             <pc:docMk/>
             <pc:sldMk cId="5384951" sldId="257"/>
@@ -3697,7 +3393,7 @@
           </ac:spMkLst>
         </pc:spChg>
         <pc:spChg chg="mod">
-          <ac:chgData name="Miha Grcar" userId="e5c00a8d-4dfe-484f-8df1-9221a675244d" providerId="ADAL" clId="{1775BD9D-1FB3-4C48-9098-C349C297F331}" dt="2025-01-14T14:13:06.366" v="3285" actId="207"/>
+          <ac:chgData name="Miha Grcar" userId="e5c00a8d-4dfe-484f-8df1-9221a675244d" providerId="ADAL" clId="{1775BD9D-1FB3-4C48-9098-C349C297F331}" dt="2025-01-15T20:40:15.743" v="4022" actId="20577"/>
           <ac:spMkLst>
             <pc:docMk/>
             <pc:sldMk cId="5384951" sldId="257"/>
@@ -3705,7 +3401,7 @@
           </ac:spMkLst>
         </pc:spChg>
         <pc:spChg chg="mod">
-          <ac:chgData name="Miha Grcar" userId="e5c00a8d-4dfe-484f-8df1-9221a675244d" providerId="ADAL" clId="{1775BD9D-1FB3-4C48-9098-C349C297F331}" dt="2025-01-14T14:11:42.648" v="3245" actId="207"/>
+          <ac:chgData name="Miha Grcar" userId="e5c00a8d-4dfe-484f-8df1-9221a675244d" providerId="ADAL" clId="{1775BD9D-1FB3-4C48-9098-C349C297F331}" dt="2025-01-15T20:40:05.938" v="4014" actId="20577"/>
           <ac:spMkLst>
             <pc:docMk/>
             <pc:sldMk cId="5384951" sldId="257"/>
@@ -3841,7 +3537,7 @@
           </ac:spMkLst>
         </pc:spChg>
         <pc:spChg chg="mod">
-          <ac:chgData name="Miha Grcar" userId="e5c00a8d-4dfe-484f-8df1-9221a675244d" providerId="ADAL" clId="{1775BD9D-1FB3-4C48-9098-C349C297F331}" dt="2025-01-14T09:27:23.315" v="2783" actId="207"/>
+          <ac:chgData name="Miha Grcar" userId="e5c00a8d-4dfe-484f-8df1-9221a675244d" providerId="ADAL" clId="{1775BD9D-1FB3-4C48-9098-C349C297F331}" dt="2025-01-15T20:39:47.927" v="4007" actId="20577"/>
           <ac:spMkLst>
             <pc:docMk/>
             <pc:sldMk cId="5384951" sldId="257"/>
@@ -4096,14 +3792,6 @@
             <ac:grpSpMk id="131" creationId="{45260FEF-350B-B900-FB47-EE827843ADBB}"/>
           </ac:grpSpMkLst>
         </pc:grpChg>
-        <pc:picChg chg="add del">
-          <ac:chgData name="Miha Grcar" userId="e5c00a8d-4dfe-484f-8df1-9221a675244d" providerId="ADAL" clId="{1775BD9D-1FB3-4C48-9098-C349C297F331}" dt="2025-01-13T21:17:07.971" v="2534" actId="478"/>
-          <ac:picMkLst>
-            <pc:docMk/>
-            <pc:sldMk cId="5384951" sldId="257"/>
-            <ac:picMk id="9" creationId="{A02C06CB-C52D-BD63-53F9-A857DBD57178}"/>
-          </ac:picMkLst>
-        </pc:picChg>
       </pc:sldChg>
       <pc:sldChg chg="delSp add mod">
         <pc:chgData name="Miha Grcar" userId="e5c00a8d-4dfe-484f-8df1-9221a675244d" providerId="ADAL" clId="{1775BD9D-1FB3-4C48-9098-C349C297F331}" dt="2025-01-13T21:20:44.050" v="2548" actId="478"/>
@@ -4111,1534 +3799,6 @@
           <pc:docMk/>
           <pc:sldMk cId="1010295247" sldId="258"/>
         </pc:sldMkLst>
-        <pc:spChg chg="del">
-          <ac:chgData name="Miha Grcar" userId="e5c00a8d-4dfe-484f-8df1-9221a675244d" providerId="ADAL" clId="{1775BD9D-1FB3-4C48-9098-C349C297F331}" dt="2025-01-13T21:20:44.050" v="2548" actId="478"/>
-          <ac:spMkLst>
-            <pc:docMk/>
-            <pc:sldMk cId="1010295247" sldId="258"/>
-            <ac:spMk id="10" creationId="{41E3DC89-A13E-75B8-C768-98816E23EA1A}"/>
-          </ac:spMkLst>
-        </pc:spChg>
-        <pc:spChg chg="del">
-          <ac:chgData name="Miha Grcar" userId="e5c00a8d-4dfe-484f-8df1-9221a675244d" providerId="ADAL" clId="{1775BD9D-1FB3-4C48-9098-C349C297F331}" dt="2025-01-13T21:20:44.050" v="2548" actId="478"/>
-          <ac:spMkLst>
-            <pc:docMk/>
-            <pc:sldMk cId="1010295247" sldId="258"/>
-            <ac:spMk id="11" creationId="{3B11C286-FD7B-BBF8-B7F7-12868AD6A7E9}"/>
-          </ac:spMkLst>
-        </pc:spChg>
-        <pc:spChg chg="del">
-          <ac:chgData name="Miha Grcar" userId="e5c00a8d-4dfe-484f-8df1-9221a675244d" providerId="ADAL" clId="{1775BD9D-1FB3-4C48-9098-C349C297F331}" dt="2025-01-13T21:20:44.050" v="2548" actId="478"/>
-          <ac:spMkLst>
-            <pc:docMk/>
-            <pc:sldMk cId="1010295247" sldId="258"/>
-            <ac:spMk id="12" creationId="{D590C1CD-CE81-8424-F9DF-EA4A7C0A0ADC}"/>
-          </ac:spMkLst>
-        </pc:spChg>
-        <pc:spChg chg="del">
-          <ac:chgData name="Miha Grcar" userId="e5c00a8d-4dfe-484f-8df1-9221a675244d" providerId="ADAL" clId="{1775BD9D-1FB3-4C48-9098-C349C297F331}" dt="2025-01-13T21:20:44.050" v="2548" actId="478"/>
-          <ac:spMkLst>
-            <pc:docMk/>
-            <pc:sldMk cId="1010295247" sldId="258"/>
-            <ac:spMk id="14" creationId="{9B38C65D-B665-88CC-2F25-775501D39487}"/>
-          </ac:spMkLst>
-        </pc:spChg>
-        <pc:spChg chg="del">
-          <ac:chgData name="Miha Grcar" userId="e5c00a8d-4dfe-484f-8df1-9221a675244d" providerId="ADAL" clId="{1775BD9D-1FB3-4C48-9098-C349C297F331}" dt="2025-01-13T21:20:44.050" v="2548" actId="478"/>
-          <ac:spMkLst>
-            <pc:docMk/>
-            <pc:sldMk cId="1010295247" sldId="258"/>
-            <ac:spMk id="16" creationId="{C9A479B1-0BBF-072E-CF49-9C8ECD07A8AE}"/>
-          </ac:spMkLst>
-        </pc:spChg>
-        <pc:spChg chg="del">
-          <ac:chgData name="Miha Grcar" userId="e5c00a8d-4dfe-484f-8df1-9221a675244d" providerId="ADAL" clId="{1775BD9D-1FB3-4C48-9098-C349C297F331}" dt="2025-01-13T21:20:44.050" v="2548" actId="478"/>
-          <ac:spMkLst>
-            <pc:docMk/>
-            <pc:sldMk cId="1010295247" sldId="258"/>
-            <ac:spMk id="17" creationId="{DA3CDD56-4B5B-0A0D-8BA2-92E2D35777A4}"/>
-          </ac:spMkLst>
-        </pc:spChg>
-        <pc:spChg chg="del">
-          <ac:chgData name="Miha Grcar" userId="e5c00a8d-4dfe-484f-8df1-9221a675244d" providerId="ADAL" clId="{1775BD9D-1FB3-4C48-9098-C349C297F331}" dt="2025-01-13T21:20:44.050" v="2548" actId="478"/>
-          <ac:spMkLst>
-            <pc:docMk/>
-            <pc:sldMk cId="1010295247" sldId="258"/>
-            <ac:spMk id="18" creationId="{336174AB-C063-62DF-1A29-3CB2DB529C57}"/>
-          </ac:spMkLst>
-        </pc:spChg>
-        <pc:spChg chg="del">
-          <ac:chgData name="Miha Grcar" userId="e5c00a8d-4dfe-484f-8df1-9221a675244d" providerId="ADAL" clId="{1775BD9D-1FB3-4C48-9098-C349C297F331}" dt="2025-01-13T21:20:44.050" v="2548" actId="478"/>
-          <ac:spMkLst>
-            <pc:docMk/>
-            <pc:sldMk cId="1010295247" sldId="258"/>
-            <ac:spMk id="19" creationId="{F01ECB15-6149-C3FB-512C-608E561A3621}"/>
-          </ac:spMkLst>
-        </pc:spChg>
-        <pc:spChg chg="del">
-          <ac:chgData name="Miha Grcar" userId="e5c00a8d-4dfe-484f-8df1-9221a675244d" providerId="ADAL" clId="{1775BD9D-1FB3-4C48-9098-C349C297F331}" dt="2025-01-13T21:20:44.050" v="2548" actId="478"/>
-          <ac:spMkLst>
-            <pc:docMk/>
-            <pc:sldMk cId="1010295247" sldId="258"/>
-            <ac:spMk id="20" creationId="{AA42B664-2980-EC25-449B-B55C051BD687}"/>
-          </ac:spMkLst>
-        </pc:spChg>
-        <pc:spChg chg="del">
-          <ac:chgData name="Miha Grcar" userId="e5c00a8d-4dfe-484f-8df1-9221a675244d" providerId="ADAL" clId="{1775BD9D-1FB3-4C48-9098-C349C297F331}" dt="2025-01-13T21:20:44.050" v="2548" actId="478"/>
-          <ac:spMkLst>
-            <pc:docMk/>
-            <pc:sldMk cId="1010295247" sldId="258"/>
-            <ac:spMk id="21" creationId="{7A193E11-0F6B-A36B-D004-F73A1A0A160D}"/>
-          </ac:spMkLst>
-        </pc:spChg>
-        <pc:spChg chg="del">
-          <ac:chgData name="Miha Grcar" userId="e5c00a8d-4dfe-484f-8df1-9221a675244d" providerId="ADAL" clId="{1775BD9D-1FB3-4C48-9098-C349C297F331}" dt="2025-01-13T21:20:44.050" v="2548" actId="478"/>
-          <ac:spMkLst>
-            <pc:docMk/>
-            <pc:sldMk cId="1010295247" sldId="258"/>
-            <ac:spMk id="22" creationId="{A7188CA3-A87F-5B46-CC80-28196C606845}"/>
-          </ac:spMkLst>
-        </pc:spChg>
-        <pc:spChg chg="del">
-          <ac:chgData name="Miha Grcar" userId="e5c00a8d-4dfe-484f-8df1-9221a675244d" providerId="ADAL" clId="{1775BD9D-1FB3-4C48-9098-C349C297F331}" dt="2025-01-13T21:20:44.050" v="2548" actId="478"/>
-          <ac:spMkLst>
-            <pc:docMk/>
-            <pc:sldMk cId="1010295247" sldId="258"/>
-            <ac:spMk id="23" creationId="{6880D1CA-2271-3EB6-FD7E-E4B2D933DF0F}"/>
-          </ac:spMkLst>
-        </pc:spChg>
-        <pc:spChg chg="del">
-          <ac:chgData name="Miha Grcar" userId="e5c00a8d-4dfe-484f-8df1-9221a675244d" providerId="ADAL" clId="{1775BD9D-1FB3-4C48-9098-C349C297F331}" dt="2025-01-13T21:20:44.050" v="2548" actId="478"/>
-          <ac:spMkLst>
-            <pc:docMk/>
-            <pc:sldMk cId="1010295247" sldId="258"/>
-            <ac:spMk id="24" creationId="{E06E4499-BF8E-1DF1-4A2D-AC4BF5E3A7B7}"/>
-          </ac:spMkLst>
-        </pc:spChg>
-        <pc:spChg chg="del">
-          <ac:chgData name="Miha Grcar" userId="e5c00a8d-4dfe-484f-8df1-9221a675244d" providerId="ADAL" clId="{1775BD9D-1FB3-4C48-9098-C349C297F331}" dt="2025-01-13T21:20:44.050" v="2548" actId="478"/>
-          <ac:spMkLst>
-            <pc:docMk/>
-            <pc:sldMk cId="1010295247" sldId="258"/>
-            <ac:spMk id="25" creationId="{11E83A0E-DB17-7A58-05C6-093DE2265F01}"/>
-          </ac:spMkLst>
-        </pc:spChg>
-        <pc:spChg chg="del">
-          <ac:chgData name="Miha Grcar" userId="e5c00a8d-4dfe-484f-8df1-9221a675244d" providerId="ADAL" clId="{1775BD9D-1FB3-4C48-9098-C349C297F331}" dt="2025-01-13T21:20:44.050" v="2548" actId="478"/>
-          <ac:spMkLst>
-            <pc:docMk/>
-            <pc:sldMk cId="1010295247" sldId="258"/>
-            <ac:spMk id="26" creationId="{49B1FAF5-474B-F5DC-7348-BE9BEC01392E}"/>
-          </ac:spMkLst>
-        </pc:spChg>
-        <pc:spChg chg="del">
-          <ac:chgData name="Miha Grcar" userId="e5c00a8d-4dfe-484f-8df1-9221a675244d" providerId="ADAL" clId="{1775BD9D-1FB3-4C48-9098-C349C297F331}" dt="2025-01-13T21:20:44.050" v="2548" actId="478"/>
-          <ac:spMkLst>
-            <pc:docMk/>
-            <pc:sldMk cId="1010295247" sldId="258"/>
-            <ac:spMk id="28" creationId="{E8A8F203-C4A9-871E-E6E9-4D92370A5EF5}"/>
-          </ac:spMkLst>
-        </pc:spChg>
-        <pc:spChg chg="del">
-          <ac:chgData name="Miha Grcar" userId="e5c00a8d-4dfe-484f-8df1-9221a675244d" providerId="ADAL" clId="{1775BD9D-1FB3-4C48-9098-C349C297F331}" dt="2025-01-13T21:20:44.050" v="2548" actId="478"/>
-          <ac:spMkLst>
-            <pc:docMk/>
-            <pc:sldMk cId="1010295247" sldId="258"/>
-            <ac:spMk id="29" creationId="{5EE13D29-B006-44C3-C17A-354392AB0CD1}"/>
-          </ac:spMkLst>
-        </pc:spChg>
-        <pc:spChg chg="del">
-          <ac:chgData name="Miha Grcar" userId="e5c00a8d-4dfe-484f-8df1-9221a675244d" providerId="ADAL" clId="{1775BD9D-1FB3-4C48-9098-C349C297F331}" dt="2025-01-13T21:20:44.050" v="2548" actId="478"/>
-          <ac:spMkLst>
-            <pc:docMk/>
-            <pc:sldMk cId="1010295247" sldId="258"/>
-            <ac:spMk id="30" creationId="{936EF366-4FFD-373C-CA7B-0C45C87C4263}"/>
-          </ac:spMkLst>
-        </pc:spChg>
-        <pc:spChg chg="del">
-          <ac:chgData name="Miha Grcar" userId="e5c00a8d-4dfe-484f-8df1-9221a675244d" providerId="ADAL" clId="{1775BD9D-1FB3-4C48-9098-C349C297F331}" dt="2025-01-13T21:20:44.050" v="2548" actId="478"/>
-          <ac:spMkLst>
-            <pc:docMk/>
-            <pc:sldMk cId="1010295247" sldId="258"/>
-            <ac:spMk id="31" creationId="{7C552534-5CA4-A0E7-E6E8-E26A2A218B35}"/>
-          </ac:spMkLst>
-        </pc:spChg>
-        <pc:spChg chg="del">
-          <ac:chgData name="Miha Grcar" userId="e5c00a8d-4dfe-484f-8df1-9221a675244d" providerId="ADAL" clId="{1775BD9D-1FB3-4C48-9098-C349C297F331}" dt="2025-01-13T21:20:44.050" v="2548" actId="478"/>
-          <ac:spMkLst>
-            <pc:docMk/>
-            <pc:sldMk cId="1010295247" sldId="258"/>
-            <ac:spMk id="32" creationId="{359C3BCC-AF91-53A9-4453-DBF4E7AE5212}"/>
-          </ac:spMkLst>
-        </pc:spChg>
-        <pc:spChg chg="del">
-          <ac:chgData name="Miha Grcar" userId="e5c00a8d-4dfe-484f-8df1-9221a675244d" providerId="ADAL" clId="{1775BD9D-1FB3-4C48-9098-C349C297F331}" dt="2025-01-13T21:20:44.050" v="2548" actId="478"/>
-          <ac:spMkLst>
-            <pc:docMk/>
-            <pc:sldMk cId="1010295247" sldId="258"/>
-            <ac:spMk id="33" creationId="{45CE75C5-EA20-AB03-BF90-76FB99B05936}"/>
-          </ac:spMkLst>
-        </pc:spChg>
-        <pc:spChg chg="del">
-          <ac:chgData name="Miha Grcar" userId="e5c00a8d-4dfe-484f-8df1-9221a675244d" providerId="ADAL" clId="{1775BD9D-1FB3-4C48-9098-C349C297F331}" dt="2025-01-13T21:20:44.050" v="2548" actId="478"/>
-          <ac:spMkLst>
-            <pc:docMk/>
-            <pc:sldMk cId="1010295247" sldId="258"/>
-            <ac:spMk id="34" creationId="{619DEA94-433A-1C04-DF4F-EC62B6D4C816}"/>
-          </ac:spMkLst>
-        </pc:spChg>
-        <pc:spChg chg="del">
-          <ac:chgData name="Miha Grcar" userId="e5c00a8d-4dfe-484f-8df1-9221a675244d" providerId="ADAL" clId="{1775BD9D-1FB3-4C48-9098-C349C297F331}" dt="2025-01-13T21:20:44.050" v="2548" actId="478"/>
-          <ac:spMkLst>
-            <pc:docMk/>
-            <pc:sldMk cId="1010295247" sldId="258"/>
-            <ac:spMk id="35" creationId="{835E4F95-697A-B5AE-9641-2D30AF84B8CE}"/>
-          </ac:spMkLst>
-        </pc:spChg>
-        <pc:spChg chg="del">
-          <ac:chgData name="Miha Grcar" userId="e5c00a8d-4dfe-484f-8df1-9221a675244d" providerId="ADAL" clId="{1775BD9D-1FB3-4C48-9098-C349C297F331}" dt="2025-01-13T21:20:44.050" v="2548" actId="478"/>
-          <ac:spMkLst>
-            <pc:docMk/>
-            <pc:sldMk cId="1010295247" sldId="258"/>
-            <ac:spMk id="36" creationId="{D3888690-2535-F989-4C0C-08B561175926}"/>
-          </ac:spMkLst>
-        </pc:spChg>
-        <pc:spChg chg="del">
-          <ac:chgData name="Miha Grcar" userId="e5c00a8d-4dfe-484f-8df1-9221a675244d" providerId="ADAL" clId="{1775BD9D-1FB3-4C48-9098-C349C297F331}" dt="2025-01-13T21:20:44.050" v="2548" actId="478"/>
-          <ac:spMkLst>
-            <pc:docMk/>
-            <pc:sldMk cId="1010295247" sldId="258"/>
-            <ac:spMk id="37" creationId="{AA7BAB15-5C6A-9BF4-C753-CD4FA30DEC76}"/>
-          </ac:spMkLst>
-        </pc:spChg>
-        <pc:spChg chg="del">
-          <ac:chgData name="Miha Grcar" userId="e5c00a8d-4dfe-484f-8df1-9221a675244d" providerId="ADAL" clId="{1775BD9D-1FB3-4C48-9098-C349C297F331}" dt="2025-01-13T21:20:44.050" v="2548" actId="478"/>
-          <ac:spMkLst>
-            <pc:docMk/>
-            <pc:sldMk cId="1010295247" sldId="258"/>
-            <ac:spMk id="38" creationId="{34D848E2-B052-1A3F-F5C5-76FA4B324981}"/>
-          </ac:spMkLst>
-        </pc:spChg>
-        <pc:spChg chg="del">
-          <ac:chgData name="Miha Grcar" userId="e5c00a8d-4dfe-484f-8df1-9221a675244d" providerId="ADAL" clId="{1775BD9D-1FB3-4C48-9098-C349C297F331}" dt="2025-01-13T21:20:44.050" v="2548" actId="478"/>
-          <ac:spMkLst>
-            <pc:docMk/>
-            <pc:sldMk cId="1010295247" sldId="258"/>
-            <ac:spMk id="39" creationId="{2ED8CD76-4F69-484A-DD90-5235F459C85E}"/>
-          </ac:spMkLst>
-        </pc:spChg>
-        <pc:spChg chg="del">
-          <ac:chgData name="Miha Grcar" userId="e5c00a8d-4dfe-484f-8df1-9221a675244d" providerId="ADAL" clId="{1775BD9D-1FB3-4C48-9098-C349C297F331}" dt="2025-01-13T21:20:44.050" v="2548" actId="478"/>
-          <ac:spMkLst>
-            <pc:docMk/>
-            <pc:sldMk cId="1010295247" sldId="258"/>
-            <ac:spMk id="40" creationId="{8979A0F3-BB63-9921-AD51-FED8B67E87D1}"/>
-          </ac:spMkLst>
-        </pc:spChg>
-        <pc:spChg chg="del">
-          <ac:chgData name="Miha Grcar" userId="e5c00a8d-4dfe-484f-8df1-9221a675244d" providerId="ADAL" clId="{1775BD9D-1FB3-4C48-9098-C349C297F331}" dt="2025-01-13T21:20:44.050" v="2548" actId="478"/>
-          <ac:spMkLst>
-            <pc:docMk/>
-            <pc:sldMk cId="1010295247" sldId="258"/>
-            <ac:spMk id="41" creationId="{2872F79E-A91F-85D9-629F-9E2E34E2C4B8}"/>
-          </ac:spMkLst>
-        </pc:spChg>
-        <pc:spChg chg="del">
-          <ac:chgData name="Miha Grcar" userId="e5c00a8d-4dfe-484f-8df1-9221a675244d" providerId="ADAL" clId="{1775BD9D-1FB3-4C48-9098-C349C297F331}" dt="2025-01-13T21:20:44.050" v="2548" actId="478"/>
-          <ac:spMkLst>
-            <pc:docMk/>
-            <pc:sldMk cId="1010295247" sldId="258"/>
-            <ac:spMk id="42" creationId="{F7F13214-DFA8-FC1E-8D10-1D3A2FA89C59}"/>
-          </ac:spMkLst>
-        </pc:spChg>
-        <pc:spChg chg="del">
-          <ac:chgData name="Miha Grcar" userId="e5c00a8d-4dfe-484f-8df1-9221a675244d" providerId="ADAL" clId="{1775BD9D-1FB3-4C48-9098-C349C297F331}" dt="2025-01-13T21:20:44.050" v="2548" actId="478"/>
-          <ac:spMkLst>
-            <pc:docMk/>
-            <pc:sldMk cId="1010295247" sldId="258"/>
-            <ac:spMk id="43" creationId="{7A022A27-05A6-C149-7A3E-1ADF619B44A7}"/>
-          </ac:spMkLst>
-        </pc:spChg>
-        <pc:spChg chg="del">
-          <ac:chgData name="Miha Grcar" userId="e5c00a8d-4dfe-484f-8df1-9221a675244d" providerId="ADAL" clId="{1775BD9D-1FB3-4C48-9098-C349C297F331}" dt="2025-01-13T21:20:44.050" v="2548" actId="478"/>
-          <ac:spMkLst>
-            <pc:docMk/>
-            <pc:sldMk cId="1010295247" sldId="258"/>
-            <ac:spMk id="46" creationId="{087B4E81-9DF2-E3F3-8643-E81FD56120C7}"/>
-          </ac:spMkLst>
-        </pc:spChg>
-        <pc:spChg chg="del">
-          <ac:chgData name="Miha Grcar" userId="e5c00a8d-4dfe-484f-8df1-9221a675244d" providerId="ADAL" clId="{1775BD9D-1FB3-4C48-9098-C349C297F331}" dt="2025-01-13T21:20:44.050" v="2548" actId="478"/>
-          <ac:spMkLst>
-            <pc:docMk/>
-            <pc:sldMk cId="1010295247" sldId="258"/>
-            <ac:spMk id="47" creationId="{B6A53706-8415-C241-B706-27A015CFF797}"/>
-          </ac:spMkLst>
-        </pc:spChg>
-        <pc:spChg chg="del">
-          <ac:chgData name="Miha Grcar" userId="e5c00a8d-4dfe-484f-8df1-9221a675244d" providerId="ADAL" clId="{1775BD9D-1FB3-4C48-9098-C349C297F331}" dt="2025-01-13T21:20:44.050" v="2548" actId="478"/>
-          <ac:spMkLst>
-            <pc:docMk/>
-            <pc:sldMk cId="1010295247" sldId="258"/>
-            <ac:spMk id="50" creationId="{F4C95596-2A0C-F15D-704A-EACC70472BB3}"/>
-          </ac:spMkLst>
-        </pc:spChg>
-        <pc:spChg chg="del">
-          <ac:chgData name="Miha Grcar" userId="e5c00a8d-4dfe-484f-8df1-9221a675244d" providerId="ADAL" clId="{1775BD9D-1FB3-4C48-9098-C349C297F331}" dt="2025-01-13T21:20:44.050" v="2548" actId="478"/>
-          <ac:spMkLst>
-            <pc:docMk/>
-            <pc:sldMk cId="1010295247" sldId="258"/>
-            <ac:spMk id="55" creationId="{9745BDD8-3033-FDD1-C060-4D1243980848}"/>
-          </ac:spMkLst>
-        </pc:spChg>
-        <pc:spChg chg="del">
-          <ac:chgData name="Miha Grcar" userId="e5c00a8d-4dfe-484f-8df1-9221a675244d" providerId="ADAL" clId="{1775BD9D-1FB3-4C48-9098-C349C297F331}" dt="2025-01-13T21:20:44.050" v="2548" actId="478"/>
-          <ac:spMkLst>
-            <pc:docMk/>
-            <pc:sldMk cId="1010295247" sldId="258"/>
-            <ac:spMk id="56" creationId="{6716BB1B-9B7F-45D4-2E66-B9D235874D70}"/>
-          </ac:spMkLst>
-        </pc:spChg>
-        <pc:spChg chg="del">
-          <ac:chgData name="Miha Grcar" userId="e5c00a8d-4dfe-484f-8df1-9221a675244d" providerId="ADAL" clId="{1775BD9D-1FB3-4C48-9098-C349C297F331}" dt="2025-01-13T21:20:44.050" v="2548" actId="478"/>
-          <ac:spMkLst>
-            <pc:docMk/>
-            <pc:sldMk cId="1010295247" sldId="258"/>
-            <ac:spMk id="61" creationId="{6BDFEA27-BE13-4B74-E3B8-F3CEB37E8DA4}"/>
-          </ac:spMkLst>
-        </pc:spChg>
-        <pc:spChg chg="del">
-          <ac:chgData name="Miha Grcar" userId="e5c00a8d-4dfe-484f-8df1-9221a675244d" providerId="ADAL" clId="{1775BD9D-1FB3-4C48-9098-C349C297F331}" dt="2025-01-13T21:20:44.050" v="2548" actId="478"/>
-          <ac:spMkLst>
-            <pc:docMk/>
-            <pc:sldMk cId="1010295247" sldId="258"/>
-            <ac:spMk id="62" creationId="{C492E222-9CB8-0AB0-BF29-C13E1BF04073}"/>
-          </ac:spMkLst>
-        </pc:spChg>
-        <pc:spChg chg="del">
-          <ac:chgData name="Miha Grcar" userId="e5c00a8d-4dfe-484f-8df1-9221a675244d" providerId="ADAL" clId="{1775BD9D-1FB3-4C48-9098-C349C297F331}" dt="2025-01-13T21:20:44.050" v="2548" actId="478"/>
-          <ac:spMkLst>
-            <pc:docMk/>
-            <pc:sldMk cId="1010295247" sldId="258"/>
-            <ac:spMk id="63" creationId="{42B9C887-CF1F-924B-401D-CDCC10EC2813}"/>
-          </ac:spMkLst>
-        </pc:spChg>
-        <pc:spChg chg="del">
-          <ac:chgData name="Miha Grcar" userId="e5c00a8d-4dfe-484f-8df1-9221a675244d" providerId="ADAL" clId="{1775BD9D-1FB3-4C48-9098-C349C297F331}" dt="2025-01-13T21:20:44.050" v="2548" actId="478"/>
-          <ac:spMkLst>
-            <pc:docMk/>
-            <pc:sldMk cId="1010295247" sldId="258"/>
-            <ac:spMk id="64" creationId="{B02D4414-8380-8EC6-3576-F039CFDB366F}"/>
-          </ac:spMkLst>
-        </pc:spChg>
-        <pc:spChg chg="del">
-          <ac:chgData name="Miha Grcar" userId="e5c00a8d-4dfe-484f-8df1-9221a675244d" providerId="ADAL" clId="{1775BD9D-1FB3-4C48-9098-C349C297F331}" dt="2025-01-13T21:20:44.050" v="2548" actId="478"/>
-          <ac:spMkLst>
-            <pc:docMk/>
-            <pc:sldMk cId="1010295247" sldId="258"/>
-            <ac:spMk id="65" creationId="{FC5258EE-7E8C-40FF-FCFD-DC4CF418F31E}"/>
-          </ac:spMkLst>
-        </pc:spChg>
-        <pc:spChg chg="del">
-          <ac:chgData name="Miha Grcar" userId="e5c00a8d-4dfe-484f-8df1-9221a675244d" providerId="ADAL" clId="{1775BD9D-1FB3-4C48-9098-C349C297F331}" dt="2025-01-13T21:20:44.050" v="2548" actId="478"/>
-          <ac:spMkLst>
-            <pc:docMk/>
-            <pc:sldMk cId="1010295247" sldId="258"/>
-            <ac:spMk id="66" creationId="{8FED6F1E-4D71-B88D-B1EF-97D3D9A31129}"/>
-          </ac:spMkLst>
-        </pc:spChg>
-        <pc:spChg chg="del">
-          <ac:chgData name="Miha Grcar" userId="e5c00a8d-4dfe-484f-8df1-9221a675244d" providerId="ADAL" clId="{1775BD9D-1FB3-4C48-9098-C349C297F331}" dt="2025-01-13T21:20:44.050" v="2548" actId="478"/>
-          <ac:spMkLst>
-            <pc:docMk/>
-            <pc:sldMk cId="1010295247" sldId="258"/>
-            <ac:spMk id="67" creationId="{0CA46BEF-C2AA-D806-FF6D-BB302B8495DC}"/>
-          </ac:spMkLst>
-        </pc:spChg>
-        <pc:spChg chg="del">
-          <ac:chgData name="Miha Grcar" userId="e5c00a8d-4dfe-484f-8df1-9221a675244d" providerId="ADAL" clId="{1775BD9D-1FB3-4C48-9098-C349C297F331}" dt="2025-01-13T21:20:44.050" v="2548" actId="478"/>
-          <ac:spMkLst>
-            <pc:docMk/>
-            <pc:sldMk cId="1010295247" sldId="258"/>
-            <ac:spMk id="68" creationId="{E81107DD-D05A-064D-2D0A-89D9BED75857}"/>
-          </ac:spMkLst>
-        </pc:spChg>
-        <pc:spChg chg="del">
-          <ac:chgData name="Miha Grcar" userId="e5c00a8d-4dfe-484f-8df1-9221a675244d" providerId="ADAL" clId="{1775BD9D-1FB3-4C48-9098-C349C297F331}" dt="2025-01-13T21:20:44.050" v="2548" actId="478"/>
-          <ac:spMkLst>
-            <pc:docMk/>
-            <pc:sldMk cId="1010295247" sldId="258"/>
-            <ac:spMk id="69" creationId="{116776E8-6E42-FFAF-C8D6-F104E2C5FE2B}"/>
-          </ac:spMkLst>
-        </pc:spChg>
-        <pc:spChg chg="del">
-          <ac:chgData name="Miha Grcar" userId="e5c00a8d-4dfe-484f-8df1-9221a675244d" providerId="ADAL" clId="{1775BD9D-1FB3-4C48-9098-C349C297F331}" dt="2025-01-13T21:20:44.050" v="2548" actId="478"/>
-          <ac:spMkLst>
-            <pc:docMk/>
-            <pc:sldMk cId="1010295247" sldId="258"/>
-            <ac:spMk id="70" creationId="{75EF3475-CC37-223E-EEE6-6169D0444E5B}"/>
-          </ac:spMkLst>
-        </pc:spChg>
-        <pc:spChg chg="del">
-          <ac:chgData name="Miha Grcar" userId="e5c00a8d-4dfe-484f-8df1-9221a675244d" providerId="ADAL" clId="{1775BD9D-1FB3-4C48-9098-C349C297F331}" dt="2025-01-13T21:20:44.050" v="2548" actId="478"/>
-          <ac:spMkLst>
-            <pc:docMk/>
-            <pc:sldMk cId="1010295247" sldId="258"/>
-            <ac:spMk id="71" creationId="{701FA379-C076-D645-97FB-2B79A79F643D}"/>
-          </ac:spMkLst>
-        </pc:spChg>
-        <pc:spChg chg="del">
-          <ac:chgData name="Miha Grcar" userId="e5c00a8d-4dfe-484f-8df1-9221a675244d" providerId="ADAL" clId="{1775BD9D-1FB3-4C48-9098-C349C297F331}" dt="2025-01-13T21:20:44.050" v="2548" actId="478"/>
-          <ac:spMkLst>
-            <pc:docMk/>
-            <pc:sldMk cId="1010295247" sldId="258"/>
-            <ac:spMk id="72" creationId="{E256D575-D661-5652-CEDB-EF874EC72EDE}"/>
-          </ac:spMkLst>
-        </pc:spChg>
-        <pc:spChg chg="del">
-          <ac:chgData name="Miha Grcar" userId="e5c00a8d-4dfe-484f-8df1-9221a675244d" providerId="ADAL" clId="{1775BD9D-1FB3-4C48-9098-C349C297F331}" dt="2025-01-13T21:20:44.050" v="2548" actId="478"/>
-          <ac:spMkLst>
-            <pc:docMk/>
-            <pc:sldMk cId="1010295247" sldId="258"/>
-            <ac:spMk id="73" creationId="{972F4981-B6FA-6332-A304-90C79B236799}"/>
-          </ac:spMkLst>
-        </pc:spChg>
-        <pc:spChg chg="del">
-          <ac:chgData name="Miha Grcar" userId="e5c00a8d-4dfe-484f-8df1-9221a675244d" providerId="ADAL" clId="{1775BD9D-1FB3-4C48-9098-C349C297F331}" dt="2025-01-13T21:20:44.050" v="2548" actId="478"/>
-          <ac:spMkLst>
-            <pc:docMk/>
-            <pc:sldMk cId="1010295247" sldId="258"/>
-            <ac:spMk id="74" creationId="{89B3AC20-2C1C-EFCC-30DA-6DF9E8F2E351}"/>
-          </ac:spMkLst>
-        </pc:spChg>
-        <pc:spChg chg="del">
-          <ac:chgData name="Miha Grcar" userId="e5c00a8d-4dfe-484f-8df1-9221a675244d" providerId="ADAL" clId="{1775BD9D-1FB3-4C48-9098-C349C297F331}" dt="2025-01-13T21:20:44.050" v="2548" actId="478"/>
-          <ac:spMkLst>
-            <pc:docMk/>
-            <pc:sldMk cId="1010295247" sldId="258"/>
-            <ac:spMk id="75" creationId="{41603EFA-7244-C6E0-F4AB-7D332950FFB5}"/>
-          </ac:spMkLst>
-        </pc:spChg>
-        <pc:spChg chg="del">
-          <ac:chgData name="Miha Grcar" userId="e5c00a8d-4dfe-484f-8df1-9221a675244d" providerId="ADAL" clId="{1775BD9D-1FB3-4C48-9098-C349C297F331}" dt="2025-01-13T21:20:44.050" v="2548" actId="478"/>
-          <ac:spMkLst>
-            <pc:docMk/>
-            <pc:sldMk cId="1010295247" sldId="258"/>
-            <ac:spMk id="76" creationId="{11C82ACB-8C1E-13CB-2B87-76A94E329CEC}"/>
-          </ac:spMkLst>
-        </pc:spChg>
-        <pc:spChg chg="del">
-          <ac:chgData name="Miha Grcar" userId="e5c00a8d-4dfe-484f-8df1-9221a675244d" providerId="ADAL" clId="{1775BD9D-1FB3-4C48-9098-C349C297F331}" dt="2025-01-13T21:20:44.050" v="2548" actId="478"/>
-          <ac:spMkLst>
-            <pc:docMk/>
-            <pc:sldMk cId="1010295247" sldId="258"/>
-            <ac:spMk id="77" creationId="{D5DE617B-E57F-FF85-ECF8-0FF059E2756F}"/>
-          </ac:spMkLst>
-        </pc:spChg>
-        <pc:spChg chg="del">
-          <ac:chgData name="Miha Grcar" userId="e5c00a8d-4dfe-484f-8df1-9221a675244d" providerId="ADAL" clId="{1775BD9D-1FB3-4C48-9098-C349C297F331}" dt="2025-01-13T21:20:44.050" v="2548" actId="478"/>
-          <ac:spMkLst>
-            <pc:docMk/>
-            <pc:sldMk cId="1010295247" sldId="258"/>
-            <ac:spMk id="78" creationId="{C1EA92EB-60F6-38AA-AB8F-B9E4A1E2EC7E}"/>
-          </ac:spMkLst>
-        </pc:spChg>
-        <pc:spChg chg="del">
-          <ac:chgData name="Miha Grcar" userId="e5c00a8d-4dfe-484f-8df1-9221a675244d" providerId="ADAL" clId="{1775BD9D-1FB3-4C48-9098-C349C297F331}" dt="2025-01-13T21:20:44.050" v="2548" actId="478"/>
-          <ac:spMkLst>
-            <pc:docMk/>
-            <pc:sldMk cId="1010295247" sldId="258"/>
-            <ac:spMk id="79" creationId="{4D806BEA-B143-6D52-7BDB-BC311CB222DE}"/>
-          </ac:spMkLst>
-        </pc:spChg>
-        <pc:spChg chg="del">
-          <ac:chgData name="Miha Grcar" userId="e5c00a8d-4dfe-484f-8df1-9221a675244d" providerId="ADAL" clId="{1775BD9D-1FB3-4C48-9098-C349C297F331}" dt="2025-01-13T21:20:44.050" v="2548" actId="478"/>
-          <ac:spMkLst>
-            <pc:docMk/>
-            <pc:sldMk cId="1010295247" sldId="258"/>
-            <ac:spMk id="80" creationId="{878774E2-809C-C9AA-64BF-2F51AA186133}"/>
-          </ac:spMkLst>
-        </pc:spChg>
-        <pc:spChg chg="del">
-          <ac:chgData name="Miha Grcar" userId="e5c00a8d-4dfe-484f-8df1-9221a675244d" providerId="ADAL" clId="{1775BD9D-1FB3-4C48-9098-C349C297F331}" dt="2025-01-13T21:20:44.050" v="2548" actId="478"/>
-          <ac:spMkLst>
-            <pc:docMk/>
-            <pc:sldMk cId="1010295247" sldId="258"/>
-            <ac:spMk id="81" creationId="{DC7BCCBC-5870-DD8D-6FCF-E804E63A8ADD}"/>
-          </ac:spMkLst>
-        </pc:spChg>
-        <pc:spChg chg="del">
-          <ac:chgData name="Miha Grcar" userId="e5c00a8d-4dfe-484f-8df1-9221a675244d" providerId="ADAL" clId="{1775BD9D-1FB3-4C48-9098-C349C297F331}" dt="2025-01-13T21:20:44.050" v="2548" actId="478"/>
-          <ac:spMkLst>
-            <pc:docMk/>
-            <pc:sldMk cId="1010295247" sldId="258"/>
-            <ac:spMk id="82" creationId="{F12BFBF7-5DA2-344D-0E03-FA47BD7A2E4C}"/>
-          </ac:spMkLst>
-        </pc:spChg>
-        <pc:spChg chg="del">
-          <ac:chgData name="Miha Grcar" userId="e5c00a8d-4dfe-484f-8df1-9221a675244d" providerId="ADAL" clId="{1775BD9D-1FB3-4C48-9098-C349C297F331}" dt="2025-01-13T21:20:44.050" v="2548" actId="478"/>
-          <ac:spMkLst>
-            <pc:docMk/>
-            <pc:sldMk cId="1010295247" sldId="258"/>
-            <ac:spMk id="84" creationId="{CE3FECC2-0057-6CCE-8013-5E4788589F1E}"/>
-          </ac:spMkLst>
-        </pc:spChg>
-        <pc:spChg chg="del">
-          <ac:chgData name="Miha Grcar" userId="e5c00a8d-4dfe-484f-8df1-9221a675244d" providerId="ADAL" clId="{1775BD9D-1FB3-4C48-9098-C349C297F331}" dt="2025-01-13T21:20:44.050" v="2548" actId="478"/>
-          <ac:spMkLst>
-            <pc:docMk/>
-            <pc:sldMk cId="1010295247" sldId="258"/>
-            <ac:spMk id="85" creationId="{BB58476C-50DA-A09F-CBC6-5CA0FACF7A7E}"/>
-          </ac:spMkLst>
-        </pc:spChg>
-        <pc:spChg chg="del">
-          <ac:chgData name="Miha Grcar" userId="e5c00a8d-4dfe-484f-8df1-9221a675244d" providerId="ADAL" clId="{1775BD9D-1FB3-4C48-9098-C349C297F331}" dt="2025-01-13T21:20:44.050" v="2548" actId="478"/>
-          <ac:spMkLst>
-            <pc:docMk/>
-            <pc:sldMk cId="1010295247" sldId="258"/>
-            <ac:spMk id="86" creationId="{97B3B7DC-4288-5476-5D90-8AA7881B2E70}"/>
-          </ac:spMkLst>
-        </pc:spChg>
-        <pc:spChg chg="del">
-          <ac:chgData name="Miha Grcar" userId="e5c00a8d-4dfe-484f-8df1-9221a675244d" providerId="ADAL" clId="{1775BD9D-1FB3-4C48-9098-C349C297F331}" dt="2025-01-13T21:20:44.050" v="2548" actId="478"/>
-          <ac:spMkLst>
-            <pc:docMk/>
-            <pc:sldMk cId="1010295247" sldId="258"/>
-            <ac:spMk id="87" creationId="{7D184CCF-145D-3FB8-E784-7982884754CB}"/>
-          </ac:spMkLst>
-        </pc:spChg>
-        <pc:spChg chg="del">
-          <ac:chgData name="Miha Grcar" userId="e5c00a8d-4dfe-484f-8df1-9221a675244d" providerId="ADAL" clId="{1775BD9D-1FB3-4C48-9098-C349C297F331}" dt="2025-01-13T21:20:44.050" v="2548" actId="478"/>
-          <ac:spMkLst>
-            <pc:docMk/>
-            <pc:sldMk cId="1010295247" sldId="258"/>
-            <ac:spMk id="88" creationId="{5815305E-307A-10C0-E03B-E2E6DB7DD644}"/>
-          </ac:spMkLst>
-        </pc:spChg>
-        <pc:spChg chg="del">
-          <ac:chgData name="Miha Grcar" userId="e5c00a8d-4dfe-484f-8df1-9221a675244d" providerId="ADAL" clId="{1775BD9D-1FB3-4C48-9098-C349C297F331}" dt="2025-01-13T21:20:44.050" v="2548" actId="478"/>
-          <ac:spMkLst>
-            <pc:docMk/>
-            <pc:sldMk cId="1010295247" sldId="258"/>
-            <ac:spMk id="89" creationId="{28E18AAC-D993-72A3-9256-643380848EE8}"/>
-          </ac:spMkLst>
-        </pc:spChg>
-        <pc:spChg chg="del">
-          <ac:chgData name="Miha Grcar" userId="e5c00a8d-4dfe-484f-8df1-9221a675244d" providerId="ADAL" clId="{1775BD9D-1FB3-4C48-9098-C349C297F331}" dt="2025-01-13T21:20:44.050" v="2548" actId="478"/>
-          <ac:spMkLst>
-            <pc:docMk/>
-            <pc:sldMk cId="1010295247" sldId="258"/>
-            <ac:spMk id="90" creationId="{025B6509-D39B-8F8B-56AE-AF099AB87333}"/>
-          </ac:spMkLst>
-        </pc:spChg>
-        <pc:spChg chg="del">
-          <ac:chgData name="Miha Grcar" userId="e5c00a8d-4dfe-484f-8df1-9221a675244d" providerId="ADAL" clId="{1775BD9D-1FB3-4C48-9098-C349C297F331}" dt="2025-01-13T21:20:44.050" v="2548" actId="478"/>
-          <ac:spMkLst>
-            <pc:docMk/>
-            <pc:sldMk cId="1010295247" sldId="258"/>
-            <ac:spMk id="91" creationId="{ED4CF7E4-8461-1F97-379F-0561A77BAC3C}"/>
-          </ac:spMkLst>
-        </pc:spChg>
-        <pc:spChg chg="del">
-          <ac:chgData name="Miha Grcar" userId="e5c00a8d-4dfe-484f-8df1-9221a675244d" providerId="ADAL" clId="{1775BD9D-1FB3-4C48-9098-C349C297F331}" dt="2025-01-13T21:20:44.050" v="2548" actId="478"/>
-          <ac:spMkLst>
-            <pc:docMk/>
-            <pc:sldMk cId="1010295247" sldId="258"/>
-            <ac:spMk id="92" creationId="{F1C95A7D-74BE-8134-F9CC-08B91AD85B43}"/>
-          </ac:spMkLst>
-        </pc:spChg>
-        <pc:spChg chg="del">
-          <ac:chgData name="Miha Grcar" userId="e5c00a8d-4dfe-484f-8df1-9221a675244d" providerId="ADAL" clId="{1775BD9D-1FB3-4C48-9098-C349C297F331}" dt="2025-01-13T21:20:44.050" v="2548" actId="478"/>
-          <ac:spMkLst>
-            <pc:docMk/>
-            <pc:sldMk cId="1010295247" sldId="258"/>
-            <ac:spMk id="95" creationId="{10B659AA-497D-AF7C-234C-4BD568127D4B}"/>
-          </ac:spMkLst>
-        </pc:spChg>
-        <pc:spChg chg="del">
-          <ac:chgData name="Miha Grcar" userId="e5c00a8d-4dfe-484f-8df1-9221a675244d" providerId="ADAL" clId="{1775BD9D-1FB3-4C48-9098-C349C297F331}" dt="2025-01-13T21:20:44.050" v="2548" actId="478"/>
-          <ac:spMkLst>
-            <pc:docMk/>
-            <pc:sldMk cId="1010295247" sldId="258"/>
-            <ac:spMk id="96" creationId="{94DE9026-10EC-6D5D-5CB0-EE4B67A4C6E5}"/>
-          </ac:spMkLst>
-        </pc:spChg>
-        <pc:spChg chg="del">
-          <ac:chgData name="Miha Grcar" userId="e5c00a8d-4dfe-484f-8df1-9221a675244d" providerId="ADAL" clId="{1775BD9D-1FB3-4C48-9098-C349C297F331}" dt="2025-01-13T21:20:44.050" v="2548" actId="478"/>
-          <ac:spMkLst>
-            <pc:docMk/>
-            <pc:sldMk cId="1010295247" sldId="258"/>
-            <ac:spMk id="97" creationId="{CF64ED1A-38F9-A841-DF16-097C7E94B1DB}"/>
-          </ac:spMkLst>
-        </pc:spChg>
-        <pc:spChg chg="del">
-          <ac:chgData name="Miha Grcar" userId="e5c00a8d-4dfe-484f-8df1-9221a675244d" providerId="ADAL" clId="{1775BD9D-1FB3-4C48-9098-C349C297F331}" dt="2025-01-13T21:20:44.050" v="2548" actId="478"/>
-          <ac:spMkLst>
-            <pc:docMk/>
-            <pc:sldMk cId="1010295247" sldId="258"/>
-            <ac:spMk id="98" creationId="{58EC00E5-F0B2-ED58-D0DC-39F225C52655}"/>
-          </ac:spMkLst>
-        </pc:spChg>
-        <pc:spChg chg="del">
-          <ac:chgData name="Miha Grcar" userId="e5c00a8d-4dfe-484f-8df1-9221a675244d" providerId="ADAL" clId="{1775BD9D-1FB3-4C48-9098-C349C297F331}" dt="2025-01-13T21:20:44.050" v="2548" actId="478"/>
-          <ac:spMkLst>
-            <pc:docMk/>
-            <pc:sldMk cId="1010295247" sldId="258"/>
-            <ac:spMk id="99" creationId="{8A9B85CE-A685-C70A-DBC1-5E670E3592FC}"/>
-          </ac:spMkLst>
-        </pc:spChg>
-        <pc:spChg chg="del">
-          <ac:chgData name="Miha Grcar" userId="e5c00a8d-4dfe-484f-8df1-9221a675244d" providerId="ADAL" clId="{1775BD9D-1FB3-4C48-9098-C349C297F331}" dt="2025-01-13T21:20:44.050" v="2548" actId="478"/>
-          <ac:spMkLst>
-            <pc:docMk/>
-            <pc:sldMk cId="1010295247" sldId="258"/>
-            <ac:spMk id="100" creationId="{49E62440-F3D4-F5AF-5342-F14D78078283}"/>
-          </ac:spMkLst>
-        </pc:spChg>
-        <pc:spChg chg="del">
-          <ac:chgData name="Miha Grcar" userId="e5c00a8d-4dfe-484f-8df1-9221a675244d" providerId="ADAL" clId="{1775BD9D-1FB3-4C48-9098-C349C297F331}" dt="2025-01-13T21:20:44.050" v="2548" actId="478"/>
-          <ac:spMkLst>
-            <pc:docMk/>
-            <pc:sldMk cId="1010295247" sldId="258"/>
-            <ac:spMk id="101" creationId="{276BA26E-D19D-8530-DDE2-D73875CFE61A}"/>
-          </ac:spMkLst>
-        </pc:spChg>
-        <pc:spChg chg="del">
-          <ac:chgData name="Miha Grcar" userId="e5c00a8d-4dfe-484f-8df1-9221a675244d" providerId="ADAL" clId="{1775BD9D-1FB3-4C48-9098-C349C297F331}" dt="2025-01-13T21:20:44.050" v="2548" actId="478"/>
-          <ac:spMkLst>
-            <pc:docMk/>
-            <pc:sldMk cId="1010295247" sldId="258"/>
-            <ac:spMk id="102" creationId="{D3945569-98DA-BF7A-D241-91B0E38C81C2}"/>
-          </ac:spMkLst>
-        </pc:spChg>
-        <pc:spChg chg="del">
-          <ac:chgData name="Miha Grcar" userId="e5c00a8d-4dfe-484f-8df1-9221a675244d" providerId="ADAL" clId="{1775BD9D-1FB3-4C48-9098-C349C297F331}" dt="2025-01-13T21:20:44.050" v="2548" actId="478"/>
-          <ac:spMkLst>
-            <pc:docMk/>
-            <pc:sldMk cId="1010295247" sldId="258"/>
-            <ac:spMk id="103" creationId="{07176C4E-36C5-55DD-4F9B-17D7A037680C}"/>
-          </ac:spMkLst>
-        </pc:spChg>
-        <pc:spChg chg="del">
-          <ac:chgData name="Miha Grcar" userId="e5c00a8d-4dfe-484f-8df1-9221a675244d" providerId="ADAL" clId="{1775BD9D-1FB3-4C48-9098-C349C297F331}" dt="2025-01-13T21:20:44.050" v="2548" actId="478"/>
-          <ac:spMkLst>
-            <pc:docMk/>
-            <pc:sldMk cId="1010295247" sldId="258"/>
-            <ac:spMk id="104" creationId="{61676259-ED27-2D0A-D247-00962FF74582}"/>
-          </ac:spMkLst>
-        </pc:spChg>
-        <pc:spChg chg="del">
-          <ac:chgData name="Miha Grcar" userId="e5c00a8d-4dfe-484f-8df1-9221a675244d" providerId="ADAL" clId="{1775BD9D-1FB3-4C48-9098-C349C297F331}" dt="2025-01-13T21:20:44.050" v="2548" actId="478"/>
-          <ac:spMkLst>
-            <pc:docMk/>
-            <pc:sldMk cId="1010295247" sldId="258"/>
-            <ac:spMk id="166" creationId="{C9F80E36-E2D7-F1A5-E670-E277D194FE38}"/>
-          </ac:spMkLst>
-        </pc:spChg>
-        <pc:spChg chg="del">
-          <ac:chgData name="Miha Grcar" userId="e5c00a8d-4dfe-484f-8df1-9221a675244d" providerId="ADAL" clId="{1775BD9D-1FB3-4C48-9098-C349C297F331}" dt="2025-01-13T21:20:44.050" v="2548" actId="478"/>
-          <ac:spMkLst>
-            <pc:docMk/>
-            <pc:sldMk cId="1010295247" sldId="258"/>
-            <ac:spMk id="167" creationId="{A4C137F8-E770-7EFA-9F77-0981B8A6AD0B}"/>
-          </ac:spMkLst>
-        </pc:spChg>
-        <pc:spChg chg="del">
-          <ac:chgData name="Miha Grcar" userId="e5c00a8d-4dfe-484f-8df1-9221a675244d" providerId="ADAL" clId="{1775BD9D-1FB3-4C48-9098-C349C297F331}" dt="2025-01-13T21:20:44.050" v="2548" actId="478"/>
-          <ac:spMkLst>
-            <pc:docMk/>
-            <pc:sldMk cId="1010295247" sldId="258"/>
-            <ac:spMk id="172" creationId="{5CFAF661-028A-572C-FDC7-492736AD4FA0}"/>
-          </ac:spMkLst>
-        </pc:spChg>
-        <pc:spChg chg="del">
-          <ac:chgData name="Miha Grcar" userId="e5c00a8d-4dfe-484f-8df1-9221a675244d" providerId="ADAL" clId="{1775BD9D-1FB3-4C48-9098-C349C297F331}" dt="2025-01-13T21:20:44.050" v="2548" actId="478"/>
-          <ac:spMkLst>
-            <pc:docMk/>
-            <pc:sldMk cId="1010295247" sldId="258"/>
-            <ac:spMk id="173" creationId="{E1A639BE-271C-4BAC-AD94-4FD3150296D6}"/>
-          </ac:spMkLst>
-        </pc:spChg>
-        <pc:spChg chg="del">
-          <ac:chgData name="Miha Grcar" userId="e5c00a8d-4dfe-484f-8df1-9221a675244d" providerId="ADAL" clId="{1775BD9D-1FB3-4C48-9098-C349C297F331}" dt="2025-01-13T21:20:44.050" v="2548" actId="478"/>
-          <ac:spMkLst>
-            <pc:docMk/>
-            <pc:sldMk cId="1010295247" sldId="258"/>
-            <ac:spMk id="174" creationId="{63DB4B48-83F1-4B42-74F5-A29BE5E20127}"/>
-          </ac:spMkLst>
-        </pc:spChg>
-        <pc:spChg chg="del">
-          <ac:chgData name="Miha Grcar" userId="e5c00a8d-4dfe-484f-8df1-9221a675244d" providerId="ADAL" clId="{1775BD9D-1FB3-4C48-9098-C349C297F331}" dt="2025-01-13T21:20:44.050" v="2548" actId="478"/>
-          <ac:spMkLst>
-            <pc:docMk/>
-            <pc:sldMk cId="1010295247" sldId="258"/>
-            <ac:spMk id="175" creationId="{EEE29616-DE02-74FB-E9AE-79E4AC8E38E8}"/>
-          </ac:spMkLst>
-        </pc:spChg>
-        <pc:spChg chg="del">
-          <ac:chgData name="Miha Grcar" userId="e5c00a8d-4dfe-484f-8df1-9221a675244d" providerId="ADAL" clId="{1775BD9D-1FB3-4C48-9098-C349C297F331}" dt="2025-01-13T21:20:44.050" v="2548" actId="478"/>
-          <ac:spMkLst>
-            <pc:docMk/>
-            <pc:sldMk cId="1010295247" sldId="258"/>
-            <ac:spMk id="178" creationId="{66B26215-5EDC-7B8C-0F14-DE72759DA167}"/>
-          </ac:spMkLst>
-        </pc:spChg>
-        <pc:spChg chg="del">
-          <ac:chgData name="Miha Grcar" userId="e5c00a8d-4dfe-484f-8df1-9221a675244d" providerId="ADAL" clId="{1775BD9D-1FB3-4C48-9098-C349C297F331}" dt="2025-01-13T21:20:44.050" v="2548" actId="478"/>
-          <ac:spMkLst>
-            <pc:docMk/>
-            <pc:sldMk cId="1010295247" sldId="258"/>
-            <ac:spMk id="179" creationId="{D52DB9D2-A2AE-4426-D557-04C713AAAE6B}"/>
-          </ac:spMkLst>
-        </pc:spChg>
-        <pc:spChg chg="del">
-          <ac:chgData name="Miha Grcar" userId="e5c00a8d-4dfe-484f-8df1-9221a675244d" providerId="ADAL" clId="{1775BD9D-1FB3-4C48-9098-C349C297F331}" dt="2025-01-13T21:20:44.050" v="2548" actId="478"/>
-          <ac:spMkLst>
-            <pc:docMk/>
-            <pc:sldMk cId="1010295247" sldId="258"/>
-            <ac:spMk id="180" creationId="{70E3259E-8774-9414-0DF2-C5A90459710A}"/>
-          </ac:spMkLst>
-        </pc:spChg>
-        <pc:spChg chg="del">
-          <ac:chgData name="Miha Grcar" userId="e5c00a8d-4dfe-484f-8df1-9221a675244d" providerId="ADAL" clId="{1775BD9D-1FB3-4C48-9098-C349C297F331}" dt="2025-01-13T21:20:44.050" v="2548" actId="478"/>
-          <ac:spMkLst>
-            <pc:docMk/>
-            <pc:sldMk cId="1010295247" sldId="258"/>
-            <ac:spMk id="181" creationId="{05C1A4AF-8BC8-7C53-C3FA-1A940FF2861B}"/>
-          </ac:spMkLst>
-        </pc:spChg>
-        <pc:spChg chg="del">
-          <ac:chgData name="Miha Grcar" userId="e5c00a8d-4dfe-484f-8df1-9221a675244d" providerId="ADAL" clId="{1775BD9D-1FB3-4C48-9098-C349C297F331}" dt="2025-01-13T21:20:44.050" v="2548" actId="478"/>
-          <ac:spMkLst>
-            <pc:docMk/>
-            <pc:sldMk cId="1010295247" sldId="258"/>
-            <ac:spMk id="182" creationId="{2CBBAE1B-5DC6-5993-D2A9-4C3CCF5E6231}"/>
-          </ac:spMkLst>
-        </pc:spChg>
-        <pc:spChg chg="del">
-          <ac:chgData name="Miha Grcar" userId="e5c00a8d-4dfe-484f-8df1-9221a675244d" providerId="ADAL" clId="{1775BD9D-1FB3-4C48-9098-C349C297F331}" dt="2025-01-13T21:20:44.050" v="2548" actId="478"/>
-          <ac:spMkLst>
-            <pc:docMk/>
-            <pc:sldMk cId="1010295247" sldId="258"/>
-            <ac:spMk id="183" creationId="{087865E7-C8EA-4603-3C95-EBE3C1807A98}"/>
-          </ac:spMkLst>
-        </pc:spChg>
-        <pc:spChg chg="del">
-          <ac:chgData name="Miha Grcar" userId="e5c00a8d-4dfe-484f-8df1-9221a675244d" providerId="ADAL" clId="{1775BD9D-1FB3-4C48-9098-C349C297F331}" dt="2025-01-13T21:20:44.050" v="2548" actId="478"/>
-          <ac:spMkLst>
-            <pc:docMk/>
-            <pc:sldMk cId="1010295247" sldId="258"/>
-            <ac:spMk id="184" creationId="{84522BD1-2AB4-DF23-6C32-D68C97DF5FDD}"/>
-          </ac:spMkLst>
-        </pc:spChg>
-        <pc:spChg chg="del">
-          <ac:chgData name="Miha Grcar" userId="e5c00a8d-4dfe-484f-8df1-9221a675244d" providerId="ADAL" clId="{1775BD9D-1FB3-4C48-9098-C349C297F331}" dt="2025-01-13T21:20:44.050" v="2548" actId="478"/>
-          <ac:spMkLst>
-            <pc:docMk/>
-            <pc:sldMk cId="1010295247" sldId="258"/>
-            <ac:spMk id="185" creationId="{BA0B8A08-AD0A-797F-6D0E-AE1AA7FC6C26}"/>
-          </ac:spMkLst>
-        </pc:spChg>
-        <pc:spChg chg="del">
-          <ac:chgData name="Miha Grcar" userId="e5c00a8d-4dfe-484f-8df1-9221a675244d" providerId="ADAL" clId="{1775BD9D-1FB3-4C48-9098-C349C297F331}" dt="2025-01-13T21:20:44.050" v="2548" actId="478"/>
-          <ac:spMkLst>
-            <pc:docMk/>
-            <pc:sldMk cId="1010295247" sldId="258"/>
-            <ac:spMk id="186" creationId="{4ABB7C97-2AD2-F98A-06FB-461DA774B882}"/>
-          </ac:spMkLst>
-        </pc:spChg>
-        <pc:spChg chg="del">
-          <ac:chgData name="Miha Grcar" userId="e5c00a8d-4dfe-484f-8df1-9221a675244d" providerId="ADAL" clId="{1775BD9D-1FB3-4C48-9098-C349C297F331}" dt="2025-01-13T21:20:44.050" v="2548" actId="478"/>
-          <ac:spMkLst>
-            <pc:docMk/>
-            <pc:sldMk cId="1010295247" sldId="258"/>
-            <ac:spMk id="187" creationId="{225D22E8-4556-41B1-D692-F481CF19AC6F}"/>
-          </ac:spMkLst>
-        </pc:spChg>
-        <pc:spChg chg="del">
-          <ac:chgData name="Miha Grcar" userId="e5c00a8d-4dfe-484f-8df1-9221a675244d" providerId="ADAL" clId="{1775BD9D-1FB3-4C48-9098-C349C297F331}" dt="2025-01-13T21:20:44.050" v="2548" actId="478"/>
-          <ac:spMkLst>
-            <pc:docMk/>
-            <pc:sldMk cId="1010295247" sldId="258"/>
-            <ac:spMk id="188" creationId="{966B8F4A-474C-76EE-9B9C-42CD58633FF2}"/>
-          </ac:spMkLst>
-        </pc:spChg>
-        <pc:spChg chg="del">
-          <ac:chgData name="Miha Grcar" userId="e5c00a8d-4dfe-484f-8df1-9221a675244d" providerId="ADAL" clId="{1775BD9D-1FB3-4C48-9098-C349C297F331}" dt="2025-01-13T21:20:44.050" v="2548" actId="478"/>
-          <ac:spMkLst>
-            <pc:docMk/>
-            <pc:sldMk cId="1010295247" sldId="258"/>
-            <ac:spMk id="189" creationId="{A92F83E1-7352-CEF9-1E37-AFB797709672}"/>
-          </ac:spMkLst>
-        </pc:spChg>
-        <pc:spChg chg="del">
-          <ac:chgData name="Miha Grcar" userId="e5c00a8d-4dfe-484f-8df1-9221a675244d" providerId="ADAL" clId="{1775BD9D-1FB3-4C48-9098-C349C297F331}" dt="2025-01-13T21:20:44.050" v="2548" actId="478"/>
-          <ac:spMkLst>
-            <pc:docMk/>
-            <pc:sldMk cId="1010295247" sldId="258"/>
-            <ac:spMk id="190" creationId="{B1B0E72C-6F78-D609-43AC-508C39D0541A}"/>
-          </ac:spMkLst>
-        </pc:spChg>
-        <pc:spChg chg="del">
-          <ac:chgData name="Miha Grcar" userId="e5c00a8d-4dfe-484f-8df1-9221a675244d" providerId="ADAL" clId="{1775BD9D-1FB3-4C48-9098-C349C297F331}" dt="2025-01-13T21:20:44.050" v="2548" actId="478"/>
-          <ac:spMkLst>
-            <pc:docMk/>
-            <pc:sldMk cId="1010295247" sldId="258"/>
-            <ac:spMk id="191" creationId="{8BC4619E-EB31-4D84-1525-1EADB2D886FE}"/>
-          </ac:spMkLst>
-        </pc:spChg>
-        <pc:spChg chg="del">
-          <ac:chgData name="Miha Grcar" userId="e5c00a8d-4dfe-484f-8df1-9221a675244d" providerId="ADAL" clId="{1775BD9D-1FB3-4C48-9098-C349C297F331}" dt="2025-01-13T21:20:44.050" v="2548" actId="478"/>
-          <ac:spMkLst>
-            <pc:docMk/>
-            <pc:sldMk cId="1010295247" sldId="258"/>
-            <ac:spMk id="192" creationId="{B45BDDF6-3AF2-FE3D-4F09-062AD81D48C2}"/>
-          </ac:spMkLst>
-        </pc:spChg>
-        <pc:spChg chg="del">
-          <ac:chgData name="Miha Grcar" userId="e5c00a8d-4dfe-484f-8df1-9221a675244d" providerId="ADAL" clId="{1775BD9D-1FB3-4C48-9098-C349C297F331}" dt="2025-01-13T21:20:44.050" v="2548" actId="478"/>
-          <ac:spMkLst>
-            <pc:docMk/>
-            <pc:sldMk cId="1010295247" sldId="258"/>
-            <ac:spMk id="193" creationId="{65486E3A-41D5-4E84-58F7-A3FA8028C76E}"/>
-          </ac:spMkLst>
-        </pc:spChg>
-        <pc:spChg chg="del">
-          <ac:chgData name="Miha Grcar" userId="e5c00a8d-4dfe-484f-8df1-9221a675244d" providerId="ADAL" clId="{1775BD9D-1FB3-4C48-9098-C349C297F331}" dt="2025-01-13T21:20:44.050" v="2548" actId="478"/>
-          <ac:spMkLst>
-            <pc:docMk/>
-            <pc:sldMk cId="1010295247" sldId="258"/>
-            <ac:spMk id="194" creationId="{1830F88E-3DE1-EAE0-7774-2CF640995AFB}"/>
-          </ac:spMkLst>
-        </pc:spChg>
-        <pc:spChg chg="del">
-          <ac:chgData name="Miha Grcar" userId="e5c00a8d-4dfe-484f-8df1-9221a675244d" providerId="ADAL" clId="{1775BD9D-1FB3-4C48-9098-C349C297F331}" dt="2025-01-13T21:20:44.050" v="2548" actId="478"/>
-          <ac:spMkLst>
-            <pc:docMk/>
-            <pc:sldMk cId="1010295247" sldId="258"/>
-            <ac:spMk id="195" creationId="{E6F74B99-9D90-165D-BD79-96003CA0CAD6}"/>
-          </ac:spMkLst>
-        </pc:spChg>
-        <pc:spChg chg="del">
-          <ac:chgData name="Miha Grcar" userId="e5c00a8d-4dfe-484f-8df1-9221a675244d" providerId="ADAL" clId="{1775BD9D-1FB3-4C48-9098-C349C297F331}" dt="2025-01-13T21:20:44.050" v="2548" actId="478"/>
-          <ac:spMkLst>
-            <pc:docMk/>
-            <pc:sldMk cId="1010295247" sldId="258"/>
-            <ac:spMk id="198" creationId="{859C34EC-02C3-BFDE-0BF9-57F4124F835D}"/>
-          </ac:spMkLst>
-        </pc:spChg>
-        <pc:spChg chg="del">
-          <ac:chgData name="Miha Grcar" userId="e5c00a8d-4dfe-484f-8df1-9221a675244d" providerId="ADAL" clId="{1775BD9D-1FB3-4C48-9098-C349C297F331}" dt="2025-01-13T21:20:44.050" v="2548" actId="478"/>
-          <ac:spMkLst>
-            <pc:docMk/>
-            <pc:sldMk cId="1010295247" sldId="258"/>
-            <ac:spMk id="199" creationId="{0BB21DF9-494B-6FEE-A3E7-AB15D7B2FEF0}"/>
-          </ac:spMkLst>
-        </pc:spChg>
-        <pc:spChg chg="del">
-          <ac:chgData name="Miha Grcar" userId="e5c00a8d-4dfe-484f-8df1-9221a675244d" providerId="ADAL" clId="{1775BD9D-1FB3-4C48-9098-C349C297F331}" dt="2025-01-13T21:20:44.050" v="2548" actId="478"/>
-          <ac:spMkLst>
-            <pc:docMk/>
-            <pc:sldMk cId="1010295247" sldId="258"/>
-            <ac:spMk id="200" creationId="{F915AF3C-FFBE-5B62-C83C-567FFFE3B5EA}"/>
-          </ac:spMkLst>
-        </pc:spChg>
-        <pc:spChg chg="del">
-          <ac:chgData name="Miha Grcar" userId="e5c00a8d-4dfe-484f-8df1-9221a675244d" providerId="ADAL" clId="{1775BD9D-1FB3-4C48-9098-C349C297F331}" dt="2025-01-13T21:20:44.050" v="2548" actId="478"/>
-          <ac:spMkLst>
-            <pc:docMk/>
-            <pc:sldMk cId="1010295247" sldId="258"/>
-            <ac:spMk id="201" creationId="{03A074AF-D828-0DBB-D2A4-A764843D6260}"/>
-          </ac:spMkLst>
-        </pc:spChg>
-        <pc:spChg chg="del">
-          <ac:chgData name="Miha Grcar" userId="e5c00a8d-4dfe-484f-8df1-9221a675244d" providerId="ADAL" clId="{1775BD9D-1FB3-4C48-9098-C349C297F331}" dt="2025-01-13T21:20:44.050" v="2548" actId="478"/>
-          <ac:spMkLst>
-            <pc:docMk/>
-            <pc:sldMk cId="1010295247" sldId="258"/>
-            <ac:spMk id="202" creationId="{5B6A918B-2435-BAE1-9AF9-8ECFC7810769}"/>
-          </ac:spMkLst>
-        </pc:spChg>
-        <pc:spChg chg="del">
-          <ac:chgData name="Miha Grcar" userId="e5c00a8d-4dfe-484f-8df1-9221a675244d" providerId="ADAL" clId="{1775BD9D-1FB3-4C48-9098-C349C297F331}" dt="2025-01-13T21:20:44.050" v="2548" actId="478"/>
-          <ac:spMkLst>
-            <pc:docMk/>
-            <pc:sldMk cId="1010295247" sldId="258"/>
-            <ac:spMk id="203" creationId="{F0567B3C-9B25-D1E4-F215-291AA5DAF2CF}"/>
-          </ac:spMkLst>
-        </pc:spChg>
-        <pc:spChg chg="del">
-          <ac:chgData name="Miha Grcar" userId="e5c00a8d-4dfe-484f-8df1-9221a675244d" providerId="ADAL" clId="{1775BD9D-1FB3-4C48-9098-C349C297F331}" dt="2025-01-13T21:20:44.050" v="2548" actId="478"/>
-          <ac:spMkLst>
-            <pc:docMk/>
-            <pc:sldMk cId="1010295247" sldId="258"/>
-            <ac:spMk id="210" creationId="{E757674E-A670-0AC2-7F19-180E13E2299E}"/>
-          </ac:spMkLst>
-        </pc:spChg>
-        <pc:spChg chg="del">
-          <ac:chgData name="Miha Grcar" userId="e5c00a8d-4dfe-484f-8df1-9221a675244d" providerId="ADAL" clId="{1775BD9D-1FB3-4C48-9098-C349C297F331}" dt="2025-01-13T21:20:44.050" v="2548" actId="478"/>
-          <ac:spMkLst>
-            <pc:docMk/>
-            <pc:sldMk cId="1010295247" sldId="258"/>
-            <ac:spMk id="211" creationId="{2C016305-D684-F491-EEA8-5E48137E6C0A}"/>
-          </ac:spMkLst>
-        </pc:spChg>
-        <pc:spChg chg="del">
-          <ac:chgData name="Miha Grcar" userId="e5c00a8d-4dfe-484f-8df1-9221a675244d" providerId="ADAL" clId="{1775BD9D-1FB3-4C48-9098-C349C297F331}" dt="2025-01-13T21:20:44.050" v="2548" actId="478"/>
-          <ac:spMkLst>
-            <pc:docMk/>
-            <pc:sldMk cId="1010295247" sldId="258"/>
-            <ac:spMk id="212" creationId="{1CC77AED-95F7-145B-8E33-90525A165828}"/>
-          </ac:spMkLst>
-        </pc:spChg>
-        <pc:spChg chg="del">
-          <ac:chgData name="Miha Grcar" userId="e5c00a8d-4dfe-484f-8df1-9221a675244d" providerId="ADAL" clId="{1775BD9D-1FB3-4C48-9098-C349C297F331}" dt="2025-01-13T21:20:44.050" v="2548" actId="478"/>
-          <ac:spMkLst>
-            <pc:docMk/>
-            <pc:sldMk cId="1010295247" sldId="258"/>
-            <ac:spMk id="213" creationId="{34FDF167-371E-1C5B-7B85-5493052C22C5}"/>
-          </ac:spMkLst>
-        </pc:spChg>
-        <pc:spChg chg="del">
-          <ac:chgData name="Miha Grcar" userId="e5c00a8d-4dfe-484f-8df1-9221a675244d" providerId="ADAL" clId="{1775BD9D-1FB3-4C48-9098-C349C297F331}" dt="2025-01-13T21:20:44.050" v="2548" actId="478"/>
-          <ac:spMkLst>
-            <pc:docMk/>
-            <pc:sldMk cId="1010295247" sldId="258"/>
-            <ac:spMk id="214" creationId="{B6E1A310-9401-51C7-61C0-29669E79061D}"/>
-          </ac:spMkLst>
-        </pc:spChg>
-        <pc:spChg chg="del">
-          <ac:chgData name="Miha Grcar" userId="e5c00a8d-4dfe-484f-8df1-9221a675244d" providerId="ADAL" clId="{1775BD9D-1FB3-4C48-9098-C349C297F331}" dt="2025-01-13T21:20:44.050" v="2548" actId="478"/>
-          <ac:spMkLst>
-            <pc:docMk/>
-            <pc:sldMk cId="1010295247" sldId="258"/>
-            <ac:spMk id="215" creationId="{9F263BDF-0299-B911-136D-2B2E52F5FDFF}"/>
-          </ac:spMkLst>
-        </pc:spChg>
-        <pc:spChg chg="del">
-          <ac:chgData name="Miha Grcar" userId="e5c00a8d-4dfe-484f-8df1-9221a675244d" providerId="ADAL" clId="{1775BD9D-1FB3-4C48-9098-C349C297F331}" dt="2025-01-13T21:20:44.050" v="2548" actId="478"/>
-          <ac:spMkLst>
-            <pc:docMk/>
-            <pc:sldMk cId="1010295247" sldId="258"/>
-            <ac:spMk id="216" creationId="{5F4DACF8-AD14-2B1F-7FEB-31D5FC8F26D5}"/>
-          </ac:spMkLst>
-        </pc:spChg>
-        <pc:spChg chg="del">
-          <ac:chgData name="Miha Grcar" userId="e5c00a8d-4dfe-484f-8df1-9221a675244d" providerId="ADAL" clId="{1775BD9D-1FB3-4C48-9098-C349C297F331}" dt="2025-01-13T21:20:44.050" v="2548" actId="478"/>
-          <ac:spMkLst>
-            <pc:docMk/>
-            <pc:sldMk cId="1010295247" sldId="258"/>
-            <ac:spMk id="219" creationId="{6EE8BA6E-7B55-C429-4E6C-5CF7FBB007B3}"/>
-          </ac:spMkLst>
-        </pc:spChg>
-        <pc:spChg chg="del">
-          <ac:chgData name="Miha Grcar" userId="e5c00a8d-4dfe-484f-8df1-9221a675244d" providerId="ADAL" clId="{1775BD9D-1FB3-4C48-9098-C349C297F331}" dt="2025-01-13T21:20:44.050" v="2548" actId="478"/>
-          <ac:spMkLst>
-            <pc:docMk/>
-            <pc:sldMk cId="1010295247" sldId="258"/>
-            <ac:spMk id="220" creationId="{14171409-F383-4763-DFA8-F7E5DF525E2C}"/>
-          </ac:spMkLst>
-        </pc:spChg>
-        <pc:spChg chg="del">
-          <ac:chgData name="Miha Grcar" userId="e5c00a8d-4dfe-484f-8df1-9221a675244d" providerId="ADAL" clId="{1775BD9D-1FB3-4C48-9098-C349C297F331}" dt="2025-01-13T21:20:44.050" v="2548" actId="478"/>
-          <ac:spMkLst>
-            <pc:docMk/>
-            <pc:sldMk cId="1010295247" sldId="258"/>
-            <ac:spMk id="221" creationId="{D21C1EE7-E03E-D9CF-6B7B-6DBBFB5EA814}"/>
-          </ac:spMkLst>
-        </pc:spChg>
-        <pc:spChg chg="del">
-          <ac:chgData name="Miha Grcar" userId="e5c00a8d-4dfe-484f-8df1-9221a675244d" providerId="ADAL" clId="{1775BD9D-1FB3-4C48-9098-C349C297F331}" dt="2025-01-13T21:20:44.050" v="2548" actId="478"/>
-          <ac:spMkLst>
-            <pc:docMk/>
-            <pc:sldMk cId="1010295247" sldId="258"/>
-            <ac:spMk id="222" creationId="{E57C9995-C34D-0306-A158-81BD5B9EF47F}"/>
-          </ac:spMkLst>
-        </pc:spChg>
-        <pc:spChg chg="del">
-          <ac:chgData name="Miha Grcar" userId="e5c00a8d-4dfe-484f-8df1-9221a675244d" providerId="ADAL" clId="{1775BD9D-1FB3-4C48-9098-C349C297F331}" dt="2025-01-13T21:20:44.050" v="2548" actId="478"/>
-          <ac:spMkLst>
-            <pc:docMk/>
-            <pc:sldMk cId="1010295247" sldId="258"/>
-            <ac:spMk id="223" creationId="{2B0ED41E-70C2-E517-2182-93019790B832}"/>
-          </ac:spMkLst>
-        </pc:spChg>
-        <pc:spChg chg="del">
-          <ac:chgData name="Miha Grcar" userId="e5c00a8d-4dfe-484f-8df1-9221a675244d" providerId="ADAL" clId="{1775BD9D-1FB3-4C48-9098-C349C297F331}" dt="2025-01-13T21:20:44.050" v="2548" actId="478"/>
-          <ac:spMkLst>
-            <pc:docMk/>
-            <pc:sldMk cId="1010295247" sldId="258"/>
-            <ac:spMk id="224" creationId="{8E78A5AC-F6CB-5A5F-DECC-70FF0EB8179A}"/>
-          </ac:spMkLst>
-        </pc:spChg>
-        <pc:spChg chg="del">
-          <ac:chgData name="Miha Grcar" userId="e5c00a8d-4dfe-484f-8df1-9221a675244d" providerId="ADAL" clId="{1775BD9D-1FB3-4C48-9098-C349C297F331}" dt="2025-01-13T21:20:44.050" v="2548" actId="478"/>
-          <ac:spMkLst>
-            <pc:docMk/>
-            <pc:sldMk cId="1010295247" sldId="258"/>
-            <ac:spMk id="225" creationId="{B70006D3-F554-DD65-3344-9AAE3A4325B3}"/>
-          </ac:spMkLst>
-        </pc:spChg>
-        <pc:spChg chg="del">
-          <ac:chgData name="Miha Grcar" userId="e5c00a8d-4dfe-484f-8df1-9221a675244d" providerId="ADAL" clId="{1775BD9D-1FB3-4C48-9098-C349C297F331}" dt="2025-01-13T21:20:44.050" v="2548" actId="478"/>
-          <ac:spMkLst>
-            <pc:docMk/>
-            <pc:sldMk cId="1010295247" sldId="258"/>
-            <ac:spMk id="226" creationId="{BABC8EB7-BB73-3EBE-AAC7-3B8F6B149616}"/>
-          </ac:spMkLst>
-        </pc:spChg>
-        <pc:spChg chg="del">
-          <ac:chgData name="Miha Grcar" userId="e5c00a8d-4dfe-484f-8df1-9221a675244d" providerId="ADAL" clId="{1775BD9D-1FB3-4C48-9098-C349C297F331}" dt="2025-01-13T21:20:44.050" v="2548" actId="478"/>
-          <ac:spMkLst>
-            <pc:docMk/>
-            <pc:sldMk cId="1010295247" sldId="258"/>
-            <ac:spMk id="227" creationId="{0FDDB313-0181-4EE7-1569-7997DC238D9A}"/>
-          </ac:spMkLst>
-        </pc:spChg>
-        <pc:spChg chg="del">
-          <ac:chgData name="Miha Grcar" userId="e5c00a8d-4dfe-484f-8df1-9221a675244d" providerId="ADAL" clId="{1775BD9D-1FB3-4C48-9098-C349C297F331}" dt="2025-01-13T21:20:44.050" v="2548" actId="478"/>
-          <ac:spMkLst>
-            <pc:docMk/>
-            <pc:sldMk cId="1010295247" sldId="258"/>
-            <ac:spMk id="228" creationId="{DC726CF2-12D1-D143-4533-DA62193739A4}"/>
-          </ac:spMkLst>
-        </pc:spChg>
-        <pc:spChg chg="del">
-          <ac:chgData name="Miha Grcar" userId="e5c00a8d-4dfe-484f-8df1-9221a675244d" providerId="ADAL" clId="{1775BD9D-1FB3-4C48-9098-C349C297F331}" dt="2025-01-13T21:20:44.050" v="2548" actId="478"/>
-          <ac:spMkLst>
-            <pc:docMk/>
-            <pc:sldMk cId="1010295247" sldId="258"/>
-            <ac:spMk id="229" creationId="{243EF0AC-C652-FB63-8C1C-764131CE8009}"/>
-          </ac:spMkLst>
-        </pc:spChg>
-        <pc:spChg chg="del">
-          <ac:chgData name="Miha Grcar" userId="e5c00a8d-4dfe-484f-8df1-9221a675244d" providerId="ADAL" clId="{1775BD9D-1FB3-4C48-9098-C349C297F331}" dt="2025-01-13T21:20:44.050" v="2548" actId="478"/>
-          <ac:spMkLst>
-            <pc:docMk/>
-            <pc:sldMk cId="1010295247" sldId="258"/>
-            <ac:spMk id="230" creationId="{0C0FBCC7-AA6E-A5BE-004E-D8D20F652ADC}"/>
-          </ac:spMkLst>
-        </pc:spChg>
-        <pc:spChg chg="del">
-          <ac:chgData name="Miha Grcar" userId="e5c00a8d-4dfe-484f-8df1-9221a675244d" providerId="ADAL" clId="{1775BD9D-1FB3-4C48-9098-C349C297F331}" dt="2025-01-13T21:20:44.050" v="2548" actId="478"/>
-          <ac:spMkLst>
-            <pc:docMk/>
-            <pc:sldMk cId="1010295247" sldId="258"/>
-            <ac:spMk id="231" creationId="{8D87C4CD-F71F-62D3-3E3C-5C1629310D5B}"/>
-          </ac:spMkLst>
-        </pc:spChg>
-        <pc:spChg chg="del">
-          <ac:chgData name="Miha Grcar" userId="e5c00a8d-4dfe-484f-8df1-9221a675244d" providerId="ADAL" clId="{1775BD9D-1FB3-4C48-9098-C349C297F331}" dt="2025-01-13T21:20:44.050" v="2548" actId="478"/>
-          <ac:spMkLst>
-            <pc:docMk/>
-            <pc:sldMk cId="1010295247" sldId="258"/>
-            <ac:spMk id="232" creationId="{1B376985-F3D8-F0C6-46CD-C1ABE3B9B5A7}"/>
-          </ac:spMkLst>
-        </pc:spChg>
-        <pc:spChg chg="del">
-          <ac:chgData name="Miha Grcar" userId="e5c00a8d-4dfe-484f-8df1-9221a675244d" providerId="ADAL" clId="{1775BD9D-1FB3-4C48-9098-C349C297F331}" dt="2025-01-13T21:20:44.050" v="2548" actId="478"/>
-          <ac:spMkLst>
-            <pc:docMk/>
-            <pc:sldMk cId="1010295247" sldId="258"/>
-            <ac:spMk id="233" creationId="{8FD93B88-6EA2-0AFF-5906-F7AA776FDDF6}"/>
-          </ac:spMkLst>
-        </pc:spChg>
-        <pc:spChg chg="del">
-          <ac:chgData name="Miha Grcar" userId="e5c00a8d-4dfe-484f-8df1-9221a675244d" providerId="ADAL" clId="{1775BD9D-1FB3-4C48-9098-C349C297F331}" dt="2025-01-13T21:20:44.050" v="2548" actId="478"/>
-          <ac:spMkLst>
-            <pc:docMk/>
-            <pc:sldMk cId="1010295247" sldId="258"/>
-            <ac:spMk id="234" creationId="{E874B99A-7046-F651-7DCC-0D97237DF262}"/>
-          </ac:spMkLst>
-        </pc:spChg>
-        <pc:spChg chg="del">
-          <ac:chgData name="Miha Grcar" userId="e5c00a8d-4dfe-484f-8df1-9221a675244d" providerId="ADAL" clId="{1775BD9D-1FB3-4C48-9098-C349C297F331}" dt="2025-01-13T21:20:44.050" v="2548" actId="478"/>
-          <ac:spMkLst>
-            <pc:docMk/>
-            <pc:sldMk cId="1010295247" sldId="258"/>
-            <ac:spMk id="235" creationId="{5A747E0A-E62E-A1D3-5B1A-F30DFB708330}"/>
-          </ac:spMkLst>
-        </pc:spChg>
-        <pc:spChg chg="del">
-          <ac:chgData name="Miha Grcar" userId="e5c00a8d-4dfe-484f-8df1-9221a675244d" providerId="ADAL" clId="{1775BD9D-1FB3-4C48-9098-C349C297F331}" dt="2025-01-13T21:20:44.050" v="2548" actId="478"/>
-          <ac:spMkLst>
-            <pc:docMk/>
-            <pc:sldMk cId="1010295247" sldId="258"/>
-            <ac:spMk id="236" creationId="{C0A8386B-004B-ADE6-20E5-3F3724C3ECEE}"/>
-          </ac:spMkLst>
-        </pc:spChg>
-        <pc:spChg chg="del">
-          <ac:chgData name="Miha Grcar" userId="e5c00a8d-4dfe-484f-8df1-9221a675244d" providerId="ADAL" clId="{1775BD9D-1FB3-4C48-9098-C349C297F331}" dt="2025-01-13T21:20:44.050" v="2548" actId="478"/>
-          <ac:spMkLst>
-            <pc:docMk/>
-            <pc:sldMk cId="1010295247" sldId="258"/>
-            <ac:spMk id="237" creationId="{17DBA4C1-3031-EEDB-2513-9DA1962DDF31}"/>
-          </ac:spMkLst>
-        </pc:spChg>
-        <pc:spChg chg="del">
-          <ac:chgData name="Miha Grcar" userId="e5c00a8d-4dfe-484f-8df1-9221a675244d" providerId="ADAL" clId="{1775BD9D-1FB3-4C48-9098-C349C297F331}" dt="2025-01-13T21:20:44.050" v="2548" actId="478"/>
-          <ac:spMkLst>
-            <pc:docMk/>
-            <pc:sldMk cId="1010295247" sldId="258"/>
-            <ac:spMk id="238" creationId="{8BD50C87-44E7-6B49-3A6D-C6F321A1C718}"/>
-          </ac:spMkLst>
-        </pc:spChg>
-        <pc:spChg chg="del">
-          <ac:chgData name="Miha Grcar" userId="e5c00a8d-4dfe-484f-8df1-9221a675244d" providerId="ADAL" clId="{1775BD9D-1FB3-4C48-9098-C349C297F331}" dt="2025-01-13T21:20:44.050" v="2548" actId="478"/>
-          <ac:spMkLst>
-            <pc:docMk/>
-            <pc:sldMk cId="1010295247" sldId="258"/>
-            <ac:spMk id="239" creationId="{95E1B8E6-FF3F-0190-B2E2-6121825765FC}"/>
-          </ac:spMkLst>
-        </pc:spChg>
-        <pc:spChg chg="del">
-          <ac:chgData name="Miha Grcar" userId="e5c00a8d-4dfe-484f-8df1-9221a675244d" providerId="ADAL" clId="{1775BD9D-1FB3-4C48-9098-C349C297F331}" dt="2025-01-13T21:20:44.050" v="2548" actId="478"/>
-          <ac:spMkLst>
-            <pc:docMk/>
-            <pc:sldMk cId="1010295247" sldId="258"/>
-            <ac:spMk id="240" creationId="{224056EF-3B6D-BB00-9731-B3E118755DF3}"/>
-          </ac:spMkLst>
-        </pc:spChg>
-        <pc:spChg chg="del">
-          <ac:chgData name="Miha Grcar" userId="e5c00a8d-4dfe-484f-8df1-9221a675244d" providerId="ADAL" clId="{1775BD9D-1FB3-4C48-9098-C349C297F331}" dt="2025-01-13T21:20:44.050" v="2548" actId="478"/>
-          <ac:spMkLst>
-            <pc:docMk/>
-            <pc:sldMk cId="1010295247" sldId="258"/>
-            <ac:spMk id="241" creationId="{682481B2-DA13-1AEA-EC47-B51531D38B6A}"/>
-          </ac:spMkLst>
-        </pc:spChg>
-        <pc:spChg chg="del">
-          <ac:chgData name="Miha Grcar" userId="e5c00a8d-4dfe-484f-8df1-9221a675244d" providerId="ADAL" clId="{1775BD9D-1FB3-4C48-9098-C349C297F331}" dt="2025-01-13T21:20:44.050" v="2548" actId="478"/>
-          <ac:spMkLst>
-            <pc:docMk/>
-            <pc:sldMk cId="1010295247" sldId="258"/>
-            <ac:spMk id="242" creationId="{A3E63C6A-A2D0-1441-69F1-F1F4623C9FF4}"/>
-          </ac:spMkLst>
-        </pc:spChg>
-        <pc:spChg chg="del">
-          <ac:chgData name="Miha Grcar" userId="e5c00a8d-4dfe-484f-8df1-9221a675244d" providerId="ADAL" clId="{1775BD9D-1FB3-4C48-9098-C349C297F331}" dt="2025-01-13T21:20:44.050" v="2548" actId="478"/>
-          <ac:spMkLst>
-            <pc:docMk/>
-            <pc:sldMk cId="1010295247" sldId="258"/>
-            <ac:spMk id="245" creationId="{03CDC353-D710-922A-8841-CD75282DC3AF}"/>
-          </ac:spMkLst>
-        </pc:spChg>
-        <pc:spChg chg="del">
-          <ac:chgData name="Miha Grcar" userId="e5c00a8d-4dfe-484f-8df1-9221a675244d" providerId="ADAL" clId="{1775BD9D-1FB3-4C48-9098-C349C297F331}" dt="2025-01-13T21:20:44.050" v="2548" actId="478"/>
-          <ac:spMkLst>
-            <pc:docMk/>
-            <pc:sldMk cId="1010295247" sldId="258"/>
-            <ac:spMk id="246" creationId="{D3860D71-A278-F494-3495-BA33E3B27F45}"/>
-          </ac:spMkLst>
-        </pc:spChg>
-        <pc:spChg chg="del">
-          <ac:chgData name="Miha Grcar" userId="e5c00a8d-4dfe-484f-8df1-9221a675244d" providerId="ADAL" clId="{1775BD9D-1FB3-4C48-9098-C349C297F331}" dt="2025-01-13T21:20:44.050" v="2548" actId="478"/>
-          <ac:spMkLst>
-            <pc:docMk/>
-            <pc:sldMk cId="1010295247" sldId="258"/>
-            <ac:spMk id="247" creationId="{8BE37999-6D92-282F-D67D-0AB0AAFBC025}"/>
-          </ac:spMkLst>
-        </pc:spChg>
-        <pc:spChg chg="del">
-          <ac:chgData name="Miha Grcar" userId="e5c00a8d-4dfe-484f-8df1-9221a675244d" providerId="ADAL" clId="{1775BD9D-1FB3-4C48-9098-C349C297F331}" dt="2025-01-13T21:20:44.050" v="2548" actId="478"/>
-          <ac:spMkLst>
-            <pc:docMk/>
-            <pc:sldMk cId="1010295247" sldId="258"/>
-            <ac:spMk id="248" creationId="{AA0714D7-8C6F-3B34-38B7-CB41190242C4}"/>
-          </ac:spMkLst>
-        </pc:spChg>
-        <pc:spChg chg="del">
-          <ac:chgData name="Miha Grcar" userId="e5c00a8d-4dfe-484f-8df1-9221a675244d" providerId="ADAL" clId="{1775BD9D-1FB3-4C48-9098-C349C297F331}" dt="2025-01-13T21:20:44.050" v="2548" actId="478"/>
-          <ac:spMkLst>
-            <pc:docMk/>
-            <pc:sldMk cId="1010295247" sldId="258"/>
-            <ac:spMk id="249" creationId="{E893A3FF-87DD-F5D5-438C-0A77486E99BC}"/>
-          </ac:spMkLst>
-        </pc:spChg>
-        <pc:spChg chg="del">
-          <ac:chgData name="Miha Grcar" userId="e5c00a8d-4dfe-484f-8df1-9221a675244d" providerId="ADAL" clId="{1775BD9D-1FB3-4C48-9098-C349C297F331}" dt="2025-01-13T21:20:44.050" v="2548" actId="478"/>
-          <ac:spMkLst>
-            <pc:docMk/>
-            <pc:sldMk cId="1010295247" sldId="258"/>
-            <ac:spMk id="250" creationId="{E8424636-73EF-A0D1-D223-FA8B31A6E27A}"/>
-          </ac:spMkLst>
-        </pc:spChg>
-        <pc:spChg chg="del">
-          <ac:chgData name="Miha Grcar" userId="e5c00a8d-4dfe-484f-8df1-9221a675244d" providerId="ADAL" clId="{1775BD9D-1FB3-4C48-9098-C349C297F331}" dt="2025-01-13T21:20:44.050" v="2548" actId="478"/>
-          <ac:spMkLst>
-            <pc:docMk/>
-            <pc:sldMk cId="1010295247" sldId="258"/>
-            <ac:spMk id="251" creationId="{974E6FD4-E0FE-37A8-42E2-17130B737C14}"/>
-          </ac:spMkLst>
-        </pc:spChg>
-        <pc:spChg chg="del">
-          <ac:chgData name="Miha Grcar" userId="e5c00a8d-4dfe-484f-8df1-9221a675244d" providerId="ADAL" clId="{1775BD9D-1FB3-4C48-9098-C349C297F331}" dt="2025-01-13T21:20:44.050" v="2548" actId="478"/>
-          <ac:spMkLst>
-            <pc:docMk/>
-            <pc:sldMk cId="1010295247" sldId="258"/>
-            <ac:spMk id="252" creationId="{C1547F96-7CC4-3864-5AD6-96CCF786F30B}"/>
-          </ac:spMkLst>
-        </pc:spChg>
-        <pc:spChg chg="del">
-          <ac:chgData name="Miha Grcar" userId="e5c00a8d-4dfe-484f-8df1-9221a675244d" providerId="ADAL" clId="{1775BD9D-1FB3-4C48-9098-C349C297F331}" dt="2025-01-13T21:20:44.050" v="2548" actId="478"/>
-          <ac:spMkLst>
-            <pc:docMk/>
-            <pc:sldMk cId="1010295247" sldId="258"/>
-            <ac:spMk id="253" creationId="{B62B9249-9EAE-7D8D-A48F-188CE9C68E9E}"/>
-          </ac:spMkLst>
-        </pc:spChg>
-        <pc:spChg chg="del">
-          <ac:chgData name="Miha Grcar" userId="e5c00a8d-4dfe-484f-8df1-9221a675244d" providerId="ADAL" clId="{1775BD9D-1FB3-4C48-9098-C349C297F331}" dt="2025-01-13T21:20:44.050" v="2548" actId="478"/>
-          <ac:spMkLst>
-            <pc:docMk/>
-            <pc:sldMk cId="1010295247" sldId="258"/>
-            <ac:spMk id="254" creationId="{7646968A-D723-29F8-4BF3-B7271C4AE09A}"/>
-          </ac:spMkLst>
-        </pc:spChg>
-        <pc:spChg chg="del">
-          <ac:chgData name="Miha Grcar" userId="e5c00a8d-4dfe-484f-8df1-9221a675244d" providerId="ADAL" clId="{1775BD9D-1FB3-4C48-9098-C349C297F331}" dt="2025-01-13T21:20:44.050" v="2548" actId="478"/>
-          <ac:spMkLst>
-            <pc:docMk/>
-            <pc:sldMk cId="1010295247" sldId="258"/>
-            <ac:spMk id="255" creationId="{F887C3BD-6D99-E4A8-9F91-4F0D5C049756}"/>
-          </ac:spMkLst>
-        </pc:spChg>
-        <pc:spChg chg="del">
-          <ac:chgData name="Miha Grcar" userId="e5c00a8d-4dfe-484f-8df1-9221a675244d" providerId="ADAL" clId="{1775BD9D-1FB3-4C48-9098-C349C297F331}" dt="2025-01-13T21:20:44.050" v="2548" actId="478"/>
-          <ac:spMkLst>
-            <pc:docMk/>
-            <pc:sldMk cId="1010295247" sldId="258"/>
-            <ac:spMk id="256" creationId="{0290AF88-807D-D310-BDBB-1CC28D84FD41}"/>
-          </ac:spMkLst>
-        </pc:spChg>
-        <pc:spChg chg="del">
-          <ac:chgData name="Miha Grcar" userId="e5c00a8d-4dfe-484f-8df1-9221a675244d" providerId="ADAL" clId="{1775BD9D-1FB3-4C48-9098-C349C297F331}" dt="2025-01-13T21:20:44.050" v="2548" actId="478"/>
-          <ac:spMkLst>
-            <pc:docMk/>
-            <pc:sldMk cId="1010295247" sldId="258"/>
-            <ac:spMk id="257" creationId="{7FF879E9-1ED8-FFBE-52F5-D306A6A5C026}"/>
-          </ac:spMkLst>
-        </pc:spChg>
-        <pc:spChg chg="del">
-          <ac:chgData name="Miha Grcar" userId="e5c00a8d-4dfe-484f-8df1-9221a675244d" providerId="ADAL" clId="{1775BD9D-1FB3-4C48-9098-C349C297F331}" dt="2025-01-13T21:20:44.050" v="2548" actId="478"/>
-          <ac:spMkLst>
-            <pc:docMk/>
-            <pc:sldMk cId="1010295247" sldId="258"/>
-            <ac:spMk id="258" creationId="{A69BDC00-9DA4-8139-919B-B2982F6A0601}"/>
-          </ac:spMkLst>
-        </pc:spChg>
-        <pc:spChg chg="del">
-          <ac:chgData name="Miha Grcar" userId="e5c00a8d-4dfe-484f-8df1-9221a675244d" providerId="ADAL" clId="{1775BD9D-1FB3-4C48-9098-C349C297F331}" dt="2025-01-13T21:20:44.050" v="2548" actId="478"/>
-          <ac:spMkLst>
-            <pc:docMk/>
-            <pc:sldMk cId="1010295247" sldId="258"/>
-            <ac:spMk id="259" creationId="{1F88CB23-BDFB-6697-D1E2-0933270A6ED8}"/>
-          </ac:spMkLst>
-        </pc:spChg>
-        <pc:spChg chg="del">
-          <ac:chgData name="Miha Grcar" userId="e5c00a8d-4dfe-484f-8df1-9221a675244d" providerId="ADAL" clId="{1775BD9D-1FB3-4C48-9098-C349C297F331}" dt="2025-01-13T21:20:44.050" v="2548" actId="478"/>
-          <ac:spMkLst>
-            <pc:docMk/>
-            <pc:sldMk cId="1010295247" sldId="258"/>
-            <ac:spMk id="260" creationId="{93996705-0670-A75B-9041-67B230CFE62A}"/>
-          </ac:spMkLst>
-        </pc:spChg>
-        <pc:spChg chg="del">
-          <ac:chgData name="Miha Grcar" userId="e5c00a8d-4dfe-484f-8df1-9221a675244d" providerId="ADAL" clId="{1775BD9D-1FB3-4C48-9098-C349C297F331}" dt="2025-01-13T21:20:44.050" v="2548" actId="478"/>
-          <ac:spMkLst>
-            <pc:docMk/>
-            <pc:sldMk cId="1010295247" sldId="258"/>
-            <ac:spMk id="261" creationId="{EF0984D3-37A0-53D3-DAE3-1E43E611FF72}"/>
-          </ac:spMkLst>
-        </pc:spChg>
-        <pc:spChg chg="del">
-          <ac:chgData name="Miha Grcar" userId="e5c00a8d-4dfe-484f-8df1-9221a675244d" providerId="ADAL" clId="{1775BD9D-1FB3-4C48-9098-C349C297F331}" dt="2025-01-13T21:20:44.050" v="2548" actId="478"/>
-          <ac:spMkLst>
-            <pc:docMk/>
-            <pc:sldMk cId="1010295247" sldId="258"/>
-            <ac:spMk id="262" creationId="{0C32A32C-93BC-F6BB-E7DA-43640C79E9ED}"/>
-          </ac:spMkLst>
-        </pc:spChg>
-        <pc:spChg chg="del">
-          <ac:chgData name="Miha Grcar" userId="e5c00a8d-4dfe-484f-8df1-9221a675244d" providerId="ADAL" clId="{1775BD9D-1FB3-4C48-9098-C349C297F331}" dt="2025-01-13T21:20:44.050" v="2548" actId="478"/>
-          <ac:spMkLst>
-            <pc:docMk/>
-            <pc:sldMk cId="1010295247" sldId="258"/>
-            <ac:spMk id="263" creationId="{30D669E8-1215-9D69-BB91-AB98C7036A4F}"/>
-          </ac:spMkLst>
-        </pc:spChg>
-        <pc:spChg chg="del">
-          <ac:chgData name="Miha Grcar" userId="e5c00a8d-4dfe-484f-8df1-9221a675244d" providerId="ADAL" clId="{1775BD9D-1FB3-4C48-9098-C349C297F331}" dt="2025-01-13T21:20:44.050" v="2548" actId="478"/>
-          <ac:spMkLst>
-            <pc:docMk/>
-            <pc:sldMk cId="1010295247" sldId="258"/>
-            <ac:spMk id="264" creationId="{9AF4A29C-0627-980F-8B80-839A21C7D4EF}"/>
-          </ac:spMkLst>
-        </pc:spChg>
-        <pc:spChg chg="del">
-          <ac:chgData name="Miha Grcar" userId="e5c00a8d-4dfe-484f-8df1-9221a675244d" providerId="ADAL" clId="{1775BD9D-1FB3-4C48-9098-C349C297F331}" dt="2025-01-13T21:20:44.050" v="2548" actId="478"/>
-          <ac:spMkLst>
-            <pc:docMk/>
-            <pc:sldMk cId="1010295247" sldId="258"/>
-            <ac:spMk id="265" creationId="{D0BD5AEB-6E53-50A1-14FF-0F51D7B7E04B}"/>
-          </ac:spMkLst>
-        </pc:spChg>
-        <pc:spChg chg="del">
-          <ac:chgData name="Miha Grcar" userId="e5c00a8d-4dfe-484f-8df1-9221a675244d" providerId="ADAL" clId="{1775BD9D-1FB3-4C48-9098-C349C297F331}" dt="2025-01-13T21:20:44.050" v="2548" actId="478"/>
-          <ac:spMkLst>
-            <pc:docMk/>
-            <pc:sldMk cId="1010295247" sldId="258"/>
-            <ac:spMk id="266" creationId="{6807BB3B-CB50-4BC5-C413-DF2BCE0C9F10}"/>
-          </ac:spMkLst>
-        </pc:spChg>
-        <pc:spChg chg="del">
-          <ac:chgData name="Miha Grcar" userId="e5c00a8d-4dfe-484f-8df1-9221a675244d" providerId="ADAL" clId="{1775BD9D-1FB3-4C48-9098-C349C297F331}" dt="2025-01-13T21:20:44.050" v="2548" actId="478"/>
-          <ac:spMkLst>
-            <pc:docMk/>
-            <pc:sldMk cId="1010295247" sldId="258"/>
-            <ac:spMk id="267" creationId="{650700E4-515B-4F18-8A3C-4F9813C40AF3}"/>
-          </ac:spMkLst>
-        </pc:spChg>
-        <pc:spChg chg="del">
-          <ac:chgData name="Miha Grcar" userId="e5c00a8d-4dfe-484f-8df1-9221a675244d" providerId="ADAL" clId="{1775BD9D-1FB3-4C48-9098-C349C297F331}" dt="2025-01-13T21:20:44.050" v="2548" actId="478"/>
-          <ac:spMkLst>
-            <pc:docMk/>
-            <pc:sldMk cId="1010295247" sldId="258"/>
-            <ac:spMk id="268" creationId="{991544A0-91A0-6EE8-20BF-D9B4B10F6F68}"/>
-          </ac:spMkLst>
-        </pc:spChg>
-        <pc:spChg chg="del">
-          <ac:chgData name="Miha Grcar" userId="e5c00a8d-4dfe-484f-8df1-9221a675244d" providerId="ADAL" clId="{1775BD9D-1FB3-4C48-9098-C349C297F331}" dt="2025-01-13T21:20:44.050" v="2548" actId="478"/>
-          <ac:spMkLst>
-            <pc:docMk/>
-            <pc:sldMk cId="1010295247" sldId="258"/>
-            <ac:spMk id="269" creationId="{3C30682B-9F5A-D774-AEDE-95552F6F3444}"/>
-          </ac:spMkLst>
-        </pc:spChg>
-        <pc:spChg chg="del">
-          <ac:chgData name="Miha Grcar" userId="e5c00a8d-4dfe-484f-8df1-9221a675244d" providerId="ADAL" clId="{1775BD9D-1FB3-4C48-9098-C349C297F331}" dt="2025-01-13T21:20:44.050" v="2548" actId="478"/>
-          <ac:spMkLst>
-            <pc:docMk/>
-            <pc:sldMk cId="1010295247" sldId="258"/>
-            <ac:spMk id="270" creationId="{0153EFA7-C801-7EB2-597C-F0079283DAA4}"/>
-          </ac:spMkLst>
-        </pc:spChg>
-        <pc:spChg chg="del">
-          <ac:chgData name="Miha Grcar" userId="e5c00a8d-4dfe-484f-8df1-9221a675244d" providerId="ADAL" clId="{1775BD9D-1FB3-4C48-9098-C349C297F331}" dt="2025-01-13T21:20:44.050" v="2548" actId="478"/>
-          <ac:spMkLst>
-            <pc:docMk/>
-            <pc:sldMk cId="1010295247" sldId="258"/>
-            <ac:spMk id="271" creationId="{90D8902A-F0A2-579C-DEA8-7FDD1AF30979}"/>
-          </ac:spMkLst>
-        </pc:spChg>
-        <pc:spChg chg="del">
-          <ac:chgData name="Miha Grcar" userId="e5c00a8d-4dfe-484f-8df1-9221a675244d" providerId="ADAL" clId="{1775BD9D-1FB3-4C48-9098-C349C297F331}" dt="2025-01-13T21:20:44.050" v="2548" actId="478"/>
-          <ac:spMkLst>
-            <pc:docMk/>
-            <pc:sldMk cId="1010295247" sldId="258"/>
-            <ac:spMk id="272" creationId="{C42C8034-C922-0ABA-9598-7F307487E744}"/>
-          </ac:spMkLst>
-        </pc:spChg>
-        <pc:spChg chg="del">
-          <ac:chgData name="Miha Grcar" userId="e5c00a8d-4dfe-484f-8df1-9221a675244d" providerId="ADAL" clId="{1775BD9D-1FB3-4C48-9098-C349C297F331}" dt="2025-01-13T21:20:44.050" v="2548" actId="478"/>
-          <ac:spMkLst>
-            <pc:docMk/>
-            <pc:sldMk cId="1010295247" sldId="258"/>
-            <ac:spMk id="273" creationId="{9595C394-C1A6-7EE2-8D53-F7BE5C6168B8}"/>
-          </ac:spMkLst>
-        </pc:spChg>
-        <pc:spChg chg="del">
-          <ac:chgData name="Miha Grcar" userId="e5c00a8d-4dfe-484f-8df1-9221a675244d" providerId="ADAL" clId="{1775BD9D-1FB3-4C48-9098-C349C297F331}" dt="2025-01-13T21:20:44.050" v="2548" actId="478"/>
-          <ac:spMkLst>
-            <pc:docMk/>
-            <pc:sldMk cId="1010295247" sldId="258"/>
-            <ac:spMk id="274" creationId="{46A914E8-0F50-641F-4316-69C3E22769BF}"/>
-          </ac:spMkLst>
-        </pc:spChg>
-        <pc:spChg chg="del">
-          <ac:chgData name="Miha Grcar" userId="e5c00a8d-4dfe-484f-8df1-9221a675244d" providerId="ADAL" clId="{1775BD9D-1FB3-4C48-9098-C349C297F331}" dt="2025-01-13T21:20:44.050" v="2548" actId="478"/>
-          <ac:spMkLst>
-            <pc:docMk/>
-            <pc:sldMk cId="1010295247" sldId="258"/>
-            <ac:spMk id="275" creationId="{0F81F63B-0261-40C7-52F7-5D4AE7BAB65A}"/>
-          </ac:spMkLst>
-        </pc:spChg>
-        <pc:spChg chg="del">
-          <ac:chgData name="Miha Grcar" userId="e5c00a8d-4dfe-484f-8df1-9221a675244d" providerId="ADAL" clId="{1775BD9D-1FB3-4C48-9098-C349C297F331}" dt="2025-01-13T21:20:44.050" v="2548" actId="478"/>
-          <ac:spMkLst>
-            <pc:docMk/>
-            <pc:sldMk cId="1010295247" sldId="258"/>
-            <ac:spMk id="276" creationId="{8757382F-4332-E48F-2FF7-00D6031AD5EE}"/>
-          </ac:spMkLst>
-        </pc:spChg>
-        <pc:spChg chg="del">
-          <ac:chgData name="Miha Grcar" userId="e5c00a8d-4dfe-484f-8df1-9221a675244d" providerId="ADAL" clId="{1775BD9D-1FB3-4C48-9098-C349C297F331}" dt="2025-01-13T21:20:44.050" v="2548" actId="478"/>
-          <ac:spMkLst>
-            <pc:docMk/>
-            <pc:sldMk cId="1010295247" sldId="258"/>
-            <ac:spMk id="277" creationId="{0376BF2E-171F-AB29-5B13-854D289CF62E}"/>
-          </ac:spMkLst>
-        </pc:spChg>
-        <pc:spChg chg="del">
-          <ac:chgData name="Miha Grcar" userId="e5c00a8d-4dfe-484f-8df1-9221a675244d" providerId="ADAL" clId="{1775BD9D-1FB3-4C48-9098-C349C297F331}" dt="2025-01-13T21:20:44.050" v="2548" actId="478"/>
-          <ac:spMkLst>
-            <pc:docMk/>
-            <pc:sldMk cId="1010295247" sldId="258"/>
-            <ac:spMk id="278" creationId="{D4F9CEF6-D3F5-30A9-BD31-BFE77FB99A04}"/>
-          </ac:spMkLst>
-        </pc:spChg>
-        <pc:spChg chg="del">
-          <ac:chgData name="Miha Grcar" userId="e5c00a8d-4dfe-484f-8df1-9221a675244d" providerId="ADAL" clId="{1775BD9D-1FB3-4C48-9098-C349C297F331}" dt="2025-01-13T21:20:44.050" v="2548" actId="478"/>
-          <ac:spMkLst>
-            <pc:docMk/>
-            <pc:sldMk cId="1010295247" sldId="258"/>
-            <ac:spMk id="279" creationId="{26D1FB29-005C-CB29-564D-A8BE2252708E}"/>
-          </ac:spMkLst>
-        </pc:spChg>
-        <pc:spChg chg="del">
-          <ac:chgData name="Miha Grcar" userId="e5c00a8d-4dfe-484f-8df1-9221a675244d" providerId="ADAL" clId="{1775BD9D-1FB3-4C48-9098-C349C297F331}" dt="2025-01-13T21:20:44.050" v="2548" actId="478"/>
-          <ac:spMkLst>
-            <pc:docMk/>
-            <pc:sldMk cId="1010295247" sldId="258"/>
-            <ac:spMk id="280" creationId="{55D3CB45-377F-8D52-2CA8-43FAE5081A1B}"/>
-          </ac:spMkLst>
-        </pc:spChg>
-        <pc:spChg chg="del">
-          <ac:chgData name="Miha Grcar" userId="e5c00a8d-4dfe-484f-8df1-9221a675244d" providerId="ADAL" clId="{1775BD9D-1FB3-4C48-9098-C349C297F331}" dt="2025-01-13T21:20:44.050" v="2548" actId="478"/>
-          <ac:spMkLst>
-            <pc:docMk/>
-            <pc:sldMk cId="1010295247" sldId="258"/>
-            <ac:spMk id="281" creationId="{31EBABDB-5F53-34F8-114D-A1488E210214}"/>
-          </ac:spMkLst>
-        </pc:spChg>
-        <pc:spChg chg="del">
-          <ac:chgData name="Miha Grcar" userId="e5c00a8d-4dfe-484f-8df1-9221a675244d" providerId="ADAL" clId="{1775BD9D-1FB3-4C48-9098-C349C297F331}" dt="2025-01-13T21:20:44.050" v="2548" actId="478"/>
-          <ac:spMkLst>
-            <pc:docMk/>
-            <pc:sldMk cId="1010295247" sldId="258"/>
-            <ac:spMk id="282" creationId="{EE4B6499-78ED-156C-E013-0FDBDB68A07D}"/>
-          </ac:spMkLst>
-        </pc:spChg>
-        <pc:spChg chg="del">
-          <ac:chgData name="Miha Grcar" userId="e5c00a8d-4dfe-484f-8df1-9221a675244d" providerId="ADAL" clId="{1775BD9D-1FB3-4C48-9098-C349C297F331}" dt="2025-01-13T21:20:44.050" v="2548" actId="478"/>
-          <ac:spMkLst>
-            <pc:docMk/>
-            <pc:sldMk cId="1010295247" sldId="258"/>
-            <ac:spMk id="283" creationId="{F5F952C9-ABC3-DAA9-FA2F-3DCBF55740EC}"/>
-          </ac:spMkLst>
-        </pc:spChg>
-        <pc:spChg chg="del">
-          <ac:chgData name="Miha Grcar" userId="e5c00a8d-4dfe-484f-8df1-9221a675244d" providerId="ADAL" clId="{1775BD9D-1FB3-4C48-9098-C349C297F331}" dt="2025-01-13T21:20:44.050" v="2548" actId="478"/>
-          <ac:spMkLst>
-            <pc:docMk/>
-            <pc:sldMk cId="1010295247" sldId="258"/>
-            <ac:spMk id="284" creationId="{FD94C657-AB88-D6CB-B4C2-210706DB4579}"/>
-          </ac:spMkLst>
-        </pc:spChg>
-        <pc:spChg chg="del">
-          <ac:chgData name="Miha Grcar" userId="e5c00a8d-4dfe-484f-8df1-9221a675244d" providerId="ADAL" clId="{1775BD9D-1FB3-4C48-9098-C349C297F331}" dt="2025-01-13T21:20:44.050" v="2548" actId="478"/>
-          <ac:spMkLst>
-            <pc:docMk/>
-            <pc:sldMk cId="1010295247" sldId="258"/>
-            <ac:spMk id="285" creationId="{D14EC758-8C5B-B1B6-291C-E2A81248AE27}"/>
-          </ac:spMkLst>
-        </pc:spChg>
-        <pc:spChg chg="del">
-          <ac:chgData name="Miha Grcar" userId="e5c00a8d-4dfe-484f-8df1-9221a675244d" providerId="ADAL" clId="{1775BD9D-1FB3-4C48-9098-C349C297F331}" dt="2025-01-13T21:20:44.050" v="2548" actId="478"/>
-          <ac:spMkLst>
-            <pc:docMk/>
-            <pc:sldMk cId="1010295247" sldId="258"/>
-            <ac:spMk id="286" creationId="{6E96DA8C-0AA7-F2F6-1469-FB34D26A72F2}"/>
-          </ac:spMkLst>
-        </pc:spChg>
-        <pc:spChg chg="del">
-          <ac:chgData name="Miha Grcar" userId="e5c00a8d-4dfe-484f-8df1-9221a675244d" providerId="ADAL" clId="{1775BD9D-1FB3-4C48-9098-C349C297F331}" dt="2025-01-13T21:20:44.050" v="2548" actId="478"/>
-          <ac:spMkLst>
-            <pc:docMk/>
-            <pc:sldMk cId="1010295247" sldId="258"/>
-            <ac:spMk id="287" creationId="{343AC427-2566-6566-D4E1-F0F1F2D0E42E}"/>
-          </ac:spMkLst>
-        </pc:spChg>
-        <pc:spChg chg="del">
-          <ac:chgData name="Miha Grcar" userId="e5c00a8d-4dfe-484f-8df1-9221a675244d" providerId="ADAL" clId="{1775BD9D-1FB3-4C48-9098-C349C297F331}" dt="2025-01-13T21:20:44.050" v="2548" actId="478"/>
-          <ac:spMkLst>
-            <pc:docMk/>
-            <pc:sldMk cId="1010295247" sldId="258"/>
-            <ac:spMk id="288" creationId="{CE78D334-6A60-ACE2-E41B-AB5DCBBFCD62}"/>
-          </ac:spMkLst>
-        </pc:spChg>
-        <pc:spChg chg="del">
-          <ac:chgData name="Miha Grcar" userId="e5c00a8d-4dfe-484f-8df1-9221a675244d" providerId="ADAL" clId="{1775BD9D-1FB3-4C48-9098-C349C297F331}" dt="2025-01-13T21:20:44.050" v="2548" actId="478"/>
-          <ac:spMkLst>
-            <pc:docMk/>
-            <pc:sldMk cId="1010295247" sldId="258"/>
-            <ac:spMk id="289" creationId="{98B3DCC2-ECF6-95B2-AC7A-26CE98CA05D9}"/>
-          </ac:spMkLst>
-        </pc:spChg>
-        <pc:spChg chg="del">
-          <ac:chgData name="Miha Grcar" userId="e5c00a8d-4dfe-484f-8df1-9221a675244d" providerId="ADAL" clId="{1775BD9D-1FB3-4C48-9098-C349C297F331}" dt="2025-01-13T21:20:44.050" v="2548" actId="478"/>
-          <ac:spMkLst>
-            <pc:docMk/>
-            <pc:sldMk cId="1010295247" sldId="258"/>
-            <ac:spMk id="290" creationId="{BFE98371-E6F9-A20C-56C5-F19CBCD49136}"/>
-          </ac:spMkLst>
-        </pc:spChg>
-        <pc:spChg chg="del">
-          <ac:chgData name="Miha Grcar" userId="e5c00a8d-4dfe-484f-8df1-9221a675244d" providerId="ADAL" clId="{1775BD9D-1FB3-4C48-9098-C349C297F331}" dt="2025-01-13T21:20:44.050" v="2548" actId="478"/>
-          <ac:spMkLst>
-            <pc:docMk/>
-            <pc:sldMk cId="1010295247" sldId="258"/>
-            <ac:spMk id="291" creationId="{22D5D055-D4C5-1242-1BB1-936A8CF5B425}"/>
-          </ac:spMkLst>
-        </pc:spChg>
-        <pc:spChg chg="del">
-          <ac:chgData name="Miha Grcar" userId="e5c00a8d-4dfe-484f-8df1-9221a675244d" providerId="ADAL" clId="{1775BD9D-1FB3-4C48-9098-C349C297F331}" dt="2025-01-13T21:20:44.050" v="2548" actId="478"/>
-          <ac:spMkLst>
-            <pc:docMk/>
-            <pc:sldMk cId="1010295247" sldId="258"/>
-            <ac:spMk id="292" creationId="{2C90FF99-7CFE-54E7-A701-D25D6D6B76C9}"/>
-          </ac:spMkLst>
-        </pc:spChg>
-        <pc:spChg chg="del">
-          <ac:chgData name="Miha Grcar" userId="e5c00a8d-4dfe-484f-8df1-9221a675244d" providerId="ADAL" clId="{1775BD9D-1FB3-4C48-9098-C349C297F331}" dt="2025-01-13T21:20:44.050" v="2548" actId="478"/>
-          <ac:spMkLst>
-            <pc:docMk/>
-            <pc:sldMk cId="1010295247" sldId="258"/>
-            <ac:spMk id="293" creationId="{770F9BA3-C19D-CCE8-D2BC-3E464C33EF0D}"/>
-          </ac:spMkLst>
-        </pc:spChg>
-        <pc:grpChg chg="del">
-          <ac:chgData name="Miha Grcar" userId="e5c00a8d-4dfe-484f-8df1-9221a675244d" providerId="ADAL" clId="{1775BD9D-1FB3-4C48-9098-C349C297F331}" dt="2025-01-13T21:20:44.050" v="2548" actId="478"/>
-          <ac:grpSpMkLst>
-            <pc:docMk/>
-            <pc:sldMk cId="1010295247" sldId="258"/>
-            <ac:grpSpMk id="53" creationId="{11A6C90C-1660-736F-1C95-E08B851F7D37}"/>
-          </ac:grpSpMkLst>
-        </pc:grpChg>
-        <pc:grpChg chg="del">
-          <ac:chgData name="Miha Grcar" userId="e5c00a8d-4dfe-484f-8df1-9221a675244d" providerId="ADAL" clId="{1775BD9D-1FB3-4C48-9098-C349C297F331}" dt="2025-01-13T21:20:44.050" v="2548" actId="478"/>
-          <ac:grpSpMkLst>
-            <pc:docMk/>
-            <pc:sldMk cId="1010295247" sldId="258"/>
-            <ac:grpSpMk id="57" creationId="{83A624A4-5F82-9CF8-ACF1-060FF263B89B}"/>
-          </ac:grpSpMkLst>
-        </pc:grpChg>
-        <pc:grpChg chg="del">
-          <ac:chgData name="Miha Grcar" userId="e5c00a8d-4dfe-484f-8df1-9221a675244d" providerId="ADAL" clId="{1775BD9D-1FB3-4C48-9098-C349C297F331}" dt="2025-01-13T21:20:44.050" v="2548" actId="478"/>
-          <ac:grpSpMkLst>
-            <pc:docMk/>
-            <pc:sldMk cId="1010295247" sldId="258"/>
-            <ac:grpSpMk id="131" creationId="{C34873EE-40C1-857C-BCA4-13F8F4EA6D8A}"/>
-          </ac:grpSpMkLst>
-        </pc:grpChg>
-        <pc:grpChg chg="del">
-          <ac:chgData name="Miha Grcar" userId="e5c00a8d-4dfe-484f-8df1-9221a675244d" providerId="ADAL" clId="{1775BD9D-1FB3-4C48-9098-C349C297F331}" dt="2025-01-13T21:20:44.050" v="2548" actId="478"/>
-          <ac:grpSpMkLst>
-            <pc:docMk/>
-            <pc:sldMk cId="1010295247" sldId="258"/>
-            <ac:grpSpMk id="132" creationId="{26F8FD4E-F252-67EA-EB84-CCAB1FB7D626}"/>
-          </ac:grpSpMkLst>
-        </pc:grpChg>
       </pc:sldChg>
     </pc:docChg>
   </pc:docChgLst>
@@ -23915,14 +22075,14 @@
             <a:r>
               <a:rPr lang="en-US" sz="700" b="1" dirty="0">
                 <a:solidFill>
-                  <a:srgbClr val="FFC000"/>
-                </a:solidFill>
-              </a:rPr>
-              <a:t>RXX</a:t>
+                  <a:schemeClr val="tx1"/>
+                </a:solidFill>
+              </a:rPr>
+              <a:t>R8</a:t>
             </a:r>
             <a:endParaRPr lang="en-SI" sz="700" b="1" dirty="0">
               <a:solidFill>
-                <a:srgbClr val="FFC000"/>
+                <a:schemeClr val="tx1"/>
               </a:solidFill>
             </a:endParaRPr>
           </a:p>
@@ -23979,14 +22139,14 @@
             <a:r>
               <a:rPr lang="en-US" sz="700" b="1" dirty="0">
                 <a:solidFill>
-                  <a:srgbClr val="FFC000"/>
-                </a:solidFill>
-              </a:rPr>
-              <a:t>RXX</a:t>
+                  <a:schemeClr val="tx1"/>
+                </a:solidFill>
+              </a:rPr>
+              <a:t>R9</a:t>
             </a:r>
             <a:endParaRPr lang="en-SI" sz="700" b="1" dirty="0">
               <a:solidFill>
-                <a:srgbClr val="FFC000"/>
+                <a:schemeClr val="tx1"/>
               </a:solidFill>
             </a:endParaRPr>
           </a:p>
@@ -24043,14 +22203,14 @@
             <a:r>
               <a:rPr lang="en-US" sz="700" b="1" dirty="0">
                 <a:solidFill>
-                  <a:srgbClr val="FFC000"/>
-                </a:solidFill>
-              </a:rPr>
-              <a:t>RXX</a:t>
+                  <a:schemeClr val="tx1"/>
+                </a:solidFill>
+              </a:rPr>
+              <a:t>R10</a:t>
             </a:r>
             <a:endParaRPr lang="en-SI" sz="700" b="1" dirty="0">
               <a:solidFill>
-                <a:srgbClr val="FFC000"/>
+                <a:schemeClr val="tx1"/>
               </a:solidFill>
             </a:endParaRPr>
           </a:p>
@@ -24107,14 +22267,14 @@
             <a:r>
               <a:rPr lang="en-US" sz="700" b="1" dirty="0">
                 <a:solidFill>
-                  <a:srgbClr val="FFC000"/>
-                </a:solidFill>
-              </a:rPr>
-              <a:t>RXX</a:t>
+                  <a:schemeClr val="tx1"/>
+                </a:solidFill>
+              </a:rPr>
+              <a:t>R11</a:t>
             </a:r>
             <a:endParaRPr lang="en-SI" sz="700" b="1" dirty="0">
               <a:solidFill>
-                <a:srgbClr val="FFC000"/>
+                <a:schemeClr val="tx1"/>
               </a:solidFill>
             </a:endParaRPr>
           </a:p>
@@ -24171,14 +22331,14 @@
             <a:r>
               <a:rPr lang="en-US" sz="700" b="1" dirty="0">
                 <a:solidFill>
-                  <a:srgbClr val="FFC000"/>
-                </a:solidFill>
-              </a:rPr>
-              <a:t>RXX</a:t>
+                  <a:schemeClr val="tx1"/>
+                </a:solidFill>
+              </a:rPr>
+              <a:t>R12</a:t>
             </a:r>
             <a:endParaRPr lang="en-SI" sz="700" b="1" dirty="0">
               <a:solidFill>
-                <a:srgbClr val="FFC000"/>
+                <a:schemeClr val="tx1"/>
               </a:solidFill>
             </a:endParaRPr>
           </a:p>
@@ -24235,14 +22395,14 @@
             <a:r>
               <a:rPr lang="en-US" sz="700" b="1" dirty="0">
                 <a:solidFill>
-                  <a:srgbClr val="FFC000"/>
-                </a:solidFill>
-              </a:rPr>
-              <a:t>RXX</a:t>
+                  <a:schemeClr val="tx1"/>
+                </a:solidFill>
+              </a:rPr>
+              <a:t>R13</a:t>
             </a:r>
             <a:endParaRPr lang="en-SI" sz="700" b="1" dirty="0">
               <a:solidFill>
-                <a:srgbClr val="FFC000"/>
+                <a:schemeClr val="tx1"/>
               </a:solidFill>
             </a:endParaRPr>
           </a:p>
@@ -24299,14 +22459,14 @@
             <a:r>
               <a:rPr lang="en-US" sz="700" b="1" dirty="0">
                 <a:solidFill>
-                  <a:srgbClr val="FFC000"/>
-                </a:solidFill>
-              </a:rPr>
-              <a:t>RXX</a:t>
+                  <a:schemeClr val="tx1"/>
+                </a:solidFill>
+              </a:rPr>
+              <a:t>R14</a:t>
             </a:r>
             <a:endParaRPr lang="en-SI" sz="700" b="1" dirty="0">
               <a:solidFill>
-                <a:srgbClr val="FFC000"/>
+                <a:schemeClr val="tx1"/>
               </a:solidFill>
             </a:endParaRPr>
           </a:p>
@@ -24363,14 +22523,14 @@
             <a:r>
               <a:rPr lang="en-US" sz="700" b="1" dirty="0">
                 <a:solidFill>
-                  <a:srgbClr val="FFC000"/>
-                </a:solidFill>
-              </a:rPr>
-              <a:t>RXX</a:t>
+                  <a:schemeClr val="tx1"/>
+                </a:solidFill>
+              </a:rPr>
+              <a:t>R15</a:t>
             </a:r>
             <a:endParaRPr lang="en-SI" sz="700" b="1" dirty="0">
               <a:solidFill>
-                <a:srgbClr val="FFC000"/>
+                <a:schemeClr val="tx1"/>
               </a:solidFill>
             </a:endParaRPr>
           </a:p>
@@ -25067,14 +23227,14 @@
             <a:r>
               <a:rPr lang="en-US" sz="700" b="1" dirty="0">
                 <a:solidFill>
-                  <a:srgbClr val="FFC000"/>
-                </a:solidFill>
-              </a:rPr>
-              <a:t>RXX</a:t>
+                  <a:schemeClr val="tx1"/>
+                </a:solidFill>
+              </a:rPr>
+              <a:t>R4</a:t>
             </a:r>
             <a:endParaRPr lang="en-SI" sz="700" b="1" dirty="0">
               <a:solidFill>
-                <a:srgbClr val="FFC000"/>
+                <a:schemeClr val="tx1"/>
               </a:solidFill>
             </a:endParaRPr>
           </a:p>
@@ -28182,14 +26342,14 @@
             <a:r>
               <a:rPr lang="en-US" sz="700" b="1" dirty="0">
                 <a:solidFill>
-                  <a:srgbClr val="FFC000"/>
-                </a:solidFill>
-              </a:rPr>
-              <a:t>RXX </a:t>
+                  <a:schemeClr val="tx1"/>
+                </a:solidFill>
+              </a:rPr>
+              <a:t>R17 </a:t>
             </a:r>
             <a:endParaRPr lang="en-SI" sz="700" b="1" dirty="0">
               <a:solidFill>
-                <a:srgbClr val="FFC000"/>
+                <a:schemeClr val="tx1"/>
               </a:solidFill>
             </a:endParaRPr>
           </a:p>
@@ -28246,14 +26406,14 @@
             <a:r>
               <a:rPr lang="en-US" sz="700" b="1" dirty="0">
                 <a:solidFill>
-                  <a:srgbClr val="FFC000"/>
-                </a:solidFill>
-              </a:rPr>
-              <a:t>RXX</a:t>
+                  <a:schemeClr val="tx1"/>
+                </a:solidFill>
+              </a:rPr>
+              <a:t>R16</a:t>
             </a:r>
             <a:endParaRPr lang="en-SI" sz="700" b="1" dirty="0">
               <a:solidFill>
-                <a:srgbClr val="FFC000"/>
+                <a:schemeClr val="tx1"/>
               </a:solidFill>
             </a:endParaRPr>
           </a:p>
@@ -28310,14 +26470,14 @@
             <a:r>
               <a:rPr lang="en-US" sz="700" b="1" dirty="0">
                 <a:solidFill>
-                  <a:srgbClr val="FFC000"/>
-                </a:solidFill>
-              </a:rPr>
-              <a:t>RXX</a:t>
+                  <a:schemeClr val="tx1"/>
+                </a:solidFill>
+              </a:rPr>
+              <a:t>R6</a:t>
             </a:r>
             <a:endParaRPr lang="en-SI" sz="700" b="1" dirty="0">
               <a:solidFill>
-                <a:srgbClr val="FFC000"/>
+                <a:schemeClr val="tx1"/>
               </a:solidFill>
             </a:endParaRPr>
           </a:p>
@@ -28374,14 +26534,14 @@
             <a:r>
               <a:rPr lang="en-US" sz="700" b="1" dirty="0">
                 <a:solidFill>
-                  <a:srgbClr val="FFC000"/>
-                </a:solidFill>
-              </a:rPr>
-              <a:t>RXX</a:t>
+                  <a:schemeClr val="tx1"/>
+                </a:solidFill>
+              </a:rPr>
+              <a:t>R5</a:t>
             </a:r>
             <a:endParaRPr lang="en-SI" sz="700" b="1" dirty="0">
               <a:solidFill>
-                <a:srgbClr val="FFC000"/>
+                <a:schemeClr val="tx1"/>
               </a:solidFill>
             </a:endParaRPr>
           </a:p>
@@ -28438,14 +26598,14 @@
             <a:r>
               <a:rPr lang="en-US" sz="700" b="1" dirty="0">
                 <a:solidFill>
-                  <a:srgbClr val="FFC000"/>
-                </a:solidFill>
-              </a:rPr>
-              <a:t>RXX</a:t>
+                  <a:schemeClr val="tx1"/>
+                </a:solidFill>
+              </a:rPr>
+              <a:t>R3</a:t>
             </a:r>
             <a:endParaRPr lang="en-SI" sz="700" b="1" dirty="0">
               <a:solidFill>
-                <a:srgbClr val="FFC000"/>
+                <a:schemeClr val="tx1"/>
               </a:solidFill>
             </a:endParaRPr>
           </a:p>
@@ -28502,14 +26662,14 @@
             <a:r>
               <a:rPr lang="en-US" sz="700" b="1" dirty="0">
                 <a:solidFill>
-                  <a:srgbClr val="FFC000"/>
-                </a:solidFill>
-              </a:rPr>
-              <a:t>RXX</a:t>
+                  <a:schemeClr val="tx1"/>
+                </a:solidFill>
+              </a:rPr>
+              <a:t>R2</a:t>
             </a:r>
             <a:endParaRPr lang="en-SI" sz="700" b="1" dirty="0">
               <a:solidFill>
-                <a:srgbClr val="FFC000"/>
+                <a:schemeClr val="tx1"/>
               </a:solidFill>
             </a:endParaRPr>
           </a:p>
@@ -28566,14 +26726,14 @@
             <a:r>
               <a:rPr lang="en-US" sz="700" b="1" dirty="0">
                 <a:solidFill>
-                  <a:srgbClr val="FFC000"/>
-                </a:solidFill>
-              </a:rPr>
-              <a:t>RXX</a:t>
+                  <a:schemeClr val="tx1"/>
+                </a:solidFill>
+              </a:rPr>
+              <a:t>R1</a:t>
             </a:r>
             <a:endParaRPr lang="en-SI" sz="700" b="1" dirty="0">
               <a:solidFill>
-                <a:srgbClr val="FFC000"/>
+                <a:schemeClr val="tx1"/>
               </a:solidFill>
             </a:endParaRPr>
           </a:p>
@@ -28633,7 +26793,7 @@
                   <a:schemeClr val="tx1"/>
                 </a:solidFill>
               </a:rPr>
-              <a:t>CK23</a:t>
+              <a:t>ST6</a:t>
             </a:r>
             <a:endParaRPr lang="en-SI" sz="700" b="1" dirty="0">
               <a:solidFill>
@@ -28694,14 +26854,14 @@
             <a:r>
               <a:rPr lang="en-US" sz="700" b="1" dirty="0">
                 <a:solidFill>
-                  <a:srgbClr val="FFC000"/>
-                </a:solidFill>
-              </a:rPr>
-              <a:t>IC12</a:t>
+                  <a:schemeClr val="tx1"/>
+                </a:solidFill>
+              </a:rPr>
+              <a:t>ST3</a:t>
             </a:r>
             <a:endParaRPr lang="en-SI" sz="700" b="1" dirty="0">
               <a:solidFill>
-                <a:srgbClr val="FFC000"/>
+                <a:schemeClr val="tx1"/>
               </a:solidFill>
             </a:endParaRPr>
           </a:p>
@@ -28758,14 +26918,14 @@
             <a:r>
               <a:rPr lang="en-US" sz="700" b="1" dirty="0">
                 <a:solidFill>
-                  <a:srgbClr val="FFC000"/>
-                </a:solidFill>
-              </a:rPr>
-              <a:t>RXX</a:t>
+                  <a:schemeClr val="tx1"/>
+                </a:solidFill>
+              </a:rPr>
+              <a:t>R21</a:t>
             </a:r>
             <a:endParaRPr lang="en-SI" sz="700" b="1" dirty="0">
               <a:solidFill>
-                <a:srgbClr val="FFC000"/>
+                <a:schemeClr val="tx1"/>
               </a:solidFill>
             </a:endParaRPr>
           </a:p>
@@ -28822,14 +26982,14 @@
             <a:r>
               <a:rPr lang="en-US" sz="700" b="1" dirty="0">
                 <a:solidFill>
-                  <a:srgbClr val="FFC000"/>
-                </a:solidFill>
-              </a:rPr>
-              <a:t>IC12</a:t>
+                  <a:schemeClr val="tx1"/>
+                </a:solidFill>
+              </a:rPr>
+              <a:t>CK23</a:t>
             </a:r>
             <a:endParaRPr lang="en-SI" sz="700" b="1" dirty="0">
               <a:solidFill>
-                <a:srgbClr val="FFC000"/>
+                <a:schemeClr val="tx1"/>
               </a:solidFill>
             </a:endParaRPr>
           </a:p>
@@ -32379,14 +30539,14 @@
             <a:r>
               <a:rPr lang="en-US" sz="700" b="1" dirty="0">
                 <a:solidFill>
-                  <a:srgbClr val="FFC000"/>
-                </a:solidFill>
-              </a:rPr>
-              <a:t>RXX</a:t>
+                  <a:schemeClr val="tx1"/>
+                </a:solidFill>
+              </a:rPr>
+              <a:t>R22</a:t>
             </a:r>
             <a:endParaRPr lang="en-SI" sz="700" b="1" dirty="0">
               <a:solidFill>
-                <a:srgbClr val="FFC000"/>
+                <a:schemeClr val="tx1"/>
               </a:solidFill>
             </a:endParaRPr>
           </a:p>
@@ -32443,14 +30603,14 @@
             <a:r>
               <a:rPr lang="en-US" sz="700" b="1" dirty="0">
                 <a:solidFill>
-                  <a:srgbClr val="FFC000"/>
-                </a:solidFill>
-              </a:rPr>
-              <a:t>RXX</a:t>
+                  <a:schemeClr val="tx1"/>
+                </a:solidFill>
+              </a:rPr>
+              <a:t>R23</a:t>
             </a:r>
             <a:endParaRPr lang="en-SI" sz="700" b="1" dirty="0">
               <a:solidFill>
-                <a:srgbClr val="FFC000"/>
+                <a:schemeClr val="tx1"/>
               </a:solidFill>
             </a:endParaRPr>
           </a:p>
@@ -32507,14 +30667,14 @@
             <a:r>
               <a:rPr lang="en-US" sz="700" b="1" dirty="0">
                 <a:solidFill>
-                  <a:srgbClr val="FFC000"/>
-                </a:solidFill>
-              </a:rPr>
-              <a:t>ST2</a:t>
+                  <a:schemeClr val="tx1"/>
+                </a:solidFill>
+              </a:rPr>
+              <a:t>ST4</a:t>
             </a:r>
             <a:endParaRPr lang="en-SI" sz="700" b="1" dirty="0">
               <a:solidFill>
-                <a:srgbClr val="FFC000"/>
+                <a:schemeClr val="tx1"/>
               </a:solidFill>
             </a:endParaRPr>
           </a:p>
@@ -32571,14 +30731,14 @@
             <a:r>
               <a:rPr lang="en-US" sz="700" b="1" dirty="0">
                 <a:solidFill>
-                  <a:srgbClr val="FFC000"/>
-                </a:solidFill>
-              </a:rPr>
-              <a:t>ST2</a:t>
+                  <a:schemeClr val="tx1"/>
+                </a:solidFill>
+              </a:rPr>
+              <a:t>ST5</a:t>
             </a:r>
             <a:endParaRPr lang="en-SI" sz="700" b="1" dirty="0">
               <a:solidFill>
-                <a:srgbClr val="FFC000"/>
+                <a:schemeClr val="tx1"/>
               </a:solidFill>
             </a:endParaRPr>
           </a:p>
@@ -33275,14 +31435,14 @@
             <a:r>
               <a:rPr lang="en-US" sz="700" b="1" dirty="0">
                 <a:solidFill>
-                  <a:srgbClr val="FFC000"/>
-                </a:solidFill>
-              </a:rPr>
-              <a:t>RXX </a:t>
+                  <a:schemeClr val="tx1"/>
+                </a:solidFill>
+              </a:rPr>
+              <a:t>R20 </a:t>
             </a:r>
             <a:endParaRPr lang="en-SI" sz="700" b="1" dirty="0">
               <a:solidFill>
-                <a:srgbClr val="FFC000"/>
+                <a:schemeClr val="tx1"/>
               </a:solidFill>
             </a:endParaRPr>
           </a:p>
@@ -33339,14 +31499,14 @@
             <a:r>
               <a:rPr lang="en-US" sz="700" b="1" dirty="0">
                 <a:solidFill>
-                  <a:srgbClr val="FFC000"/>
-                </a:solidFill>
-              </a:rPr>
-              <a:t>RXX</a:t>
+                  <a:schemeClr val="tx1"/>
+                </a:solidFill>
+              </a:rPr>
+              <a:t>R19</a:t>
             </a:r>
             <a:endParaRPr lang="en-SI" sz="700" b="1" dirty="0">
               <a:solidFill>
-                <a:srgbClr val="FFC000"/>
+                <a:schemeClr val="tx1"/>
               </a:solidFill>
             </a:endParaRPr>
           </a:p>
@@ -33403,14 +31563,14 @@
             <a:r>
               <a:rPr lang="en-US" sz="700" b="1" dirty="0">
                 <a:solidFill>
-                  <a:srgbClr val="FFC000"/>
-                </a:solidFill>
-              </a:rPr>
-              <a:t>RXX</a:t>
+                  <a:schemeClr val="tx1"/>
+                </a:solidFill>
+              </a:rPr>
+              <a:t>R18</a:t>
             </a:r>
             <a:endParaRPr lang="en-SI" sz="700" b="1" dirty="0">
               <a:solidFill>
-                <a:srgbClr val="FFC000"/>
+                <a:schemeClr val="tx1"/>
               </a:solidFill>
             </a:endParaRPr>
           </a:p>
@@ -33467,14 +31627,14 @@
             <a:r>
               <a:rPr lang="en-US" sz="700" b="1" dirty="0">
                 <a:solidFill>
-                  <a:srgbClr val="FFC000"/>
-                </a:solidFill>
-              </a:rPr>
-              <a:t>RXX </a:t>
+                  <a:schemeClr val="tx1"/>
+                </a:solidFill>
+              </a:rPr>
+              <a:t>R25 </a:t>
             </a:r>
             <a:endParaRPr lang="en-SI" sz="700" b="1" dirty="0">
               <a:solidFill>
-                <a:srgbClr val="FFC000"/>
+                <a:schemeClr val="tx1"/>
               </a:solidFill>
             </a:endParaRPr>
           </a:p>
@@ -33531,14 +31691,14 @@
             <a:r>
               <a:rPr lang="en-US" sz="700" b="1" dirty="0">
                 <a:solidFill>
-                  <a:srgbClr val="FFC000"/>
-                </a:solidFill>
-              </a:rPr>
-              <a:t>RXX</a:t>
+                  <a:schemeClr val="tx1"/>
+                </a:solidFill>
+              </a:rPr>
+              <a:t>R24</a:t>
             </a:r>
             <a:endParaRPr lang="en-SI" sz="700" b="1" dirty="0">
               <a:solidFill>
-                <a:srgbClr val="FFC000"/>
+                <a:schemeClr val="tx1"/>
               </a:solidFill>
             </a:endParaRPr>
           </a:p>
@@ -35006,7 +33166,7 @@
                   <a:schemeClr val="tx1"/>
                 </a:solidFill>
               </a:rPr>
-              <a:t>IC64 * 74123</a:t>
+              <a:t>IC64 * 74LS123</a:t>
             </a:r>
             <a:endParaRPr lang="en-SI" sz="700" b="1" dirty="0">
               <a:solidFill>
@@ -35838,7 +33998,7 @@
                   <a:schemeClr val="tx1"/>
                 </a:solidFill>
               </a:rPr>
-              <a:t>IC71</a:t>
+              <a:t>IC71 * 74S04</a:t>
             </a:r>
             <a:endParaRPr lang="en-SI" sz="700" b="1" dirty="0">
               <a:solidFill>
@@ -35902,7 +34062,7 @@
                   <a:schemeClr val="tx1"/>
                 </a:solidFill>
               </a:rPr>
-              <a:t>IC63</a:t>
+              <a:t>IC63 * 7406</a:t>
             </a:r>
             <a:endParaRPr lang="en-SI" sz="700" b="1" dirty="0">
               <a:solidFill>
@@ -36990,7 +35150,7 @@
                   <a:schemeClr val="tx1"/>
                 </a:solidFill>
               </a:rPr>
-              <a:t>IC64</a:t>
+              <a:t>CX64</a:t>
             </a:r>
             <a:endParaRPr lang="en-SI" sz="700" b="1" dirty="0">
               <a:solidFill>

--- a/doc/GdpComponentPlacement.pptx
+++ b/doc/GdpComponentPlacement.pptx
@@ -3888,7 +3888,7 @@
           <a:p>
             <a:fld id="{93A23C32-7576-4339-8257-BC8E91C8F1B2}" type="datetimeFigureOut">
               <a:rPr lang="en-SI" smtClean="0"/>
-              <a:t>15/01/2025</a:t>
+              <a:t>18/01/2025</a:t>
             </a:fld>
             <a:endParaRPr lang="en-SI"/>
           </a:p>
@@ -4389,7 +4389,7 @@
           <a:p>
             <a:fld id="{C528FD69-204F-4320-AF82-CEF97A3F82D3}" type="datetimeFigureOut">
               <a:rPr lang="en-SI" smtClean="0"/>
-              <a:t>15/01/2025</a:t>
+              <a:t>18/01/2025</a:t>
             </a:fld>
             <a:endParaRPr lang="en-SI"/>
           </a:p>
@@ -4589,7 +4589,7 @@
           <a:p>
             <a:fld id="{C528FD69-204F-4320-AF82-CEF97A3F82D3}" type="datetimeFigureOut">
               <a:rPr lang="en-SI" smtClean="0"/>
-              <a:t>15/01/2025</a:t>
+              <a:t>18/01/2025</a:t>
             </a:fld>
             <a:endParaRPr lang="en-SI"/>
           </a:p>
@@ -4799,7 +4799,7 @@
           <a:p>
             <a:fld id="{C528FD69-204F-4320-AF82-CEF97A3F82D3}" type="datetimeFigureOut">
               <a:rPr lang="en-SI" smtClean="0"/>
-              <a:t>15/01/2025</a:t>
+              <a:t>18/01/2025</a:t>
             </a:fld>
             <a:endParaRPr lang="en-SI"/>
           </a:p>
@@ -4999,7 +4999,7 @@
           <a:p>
             <a:fld id="{C528FD69-204F-4320-AF82-CEF97A3F82D3}" type="datetimeFigureOut">
               <a:rPr lang="en-SI" smtClean="0"/>
-              <a:t>15/01/2025</a:t>
+              <a:t>18/01/2025</a:t>
             </a:fld>
             <a:endParaRPr lang="en-SI"/>
           </a:p>
@@ -5275,7 +5275,7 @@
           <a:p>
             <a:fld id="{C528FD69-204F-4320-AF82-CEF97A3F82D3}" type="datetimeFigureOut">
               <a:rPr lang="en-SI" smtClean="0"/>
-              <a:t>15/01/2025</a:t>
+              <a:t>18/01/2025</a:t>
             </a:fld>
             <a:endParaRPr lang="en-SI"/>
           </a:p>
@@ -5543,7 +5543,7 @@
           <a:p>
             <a:fld id="{C528FD69-204F-4320-AF82-CEF97A3F82D3}" type="datetimeFigureOut">
               <a:rPr lang="en-SI" smtClean="0"/>
-              <a:t>15/01/2025</a:t>
+              <a:t>18/01/2025</a:t>
             </a:fld>
             <a:endParaRPr lang="en-SI"/>
           </a:p>
@@ -5958,7 +5958,7 @@
           <a:p>
             <a:fld id="{C528FD69-204F-4320-AF82-CEF97A3F82D3}" type="datetimeFigureOut">
               <a:rPr lang="en-SI" smtClean="0"/>
-              <a:t>15/01/2025</a:t>
+              <a:t>18/01/2025</a:t>
             </a:fld>
             <a:endParaRPr lang="en-SI"/>
           </a:p>
@@ -6100,7 +6100,7 @@
           <a:p>
             <a:fld id="{C528FD69-204F-4320-AF82-CEF97A3F82D3}" type="datetimeFigureOut">
               <a:rPr lang="en-SI" smtClean="0"/>
-              <a:t>15/01/2025</a:t>
+              <a:t>18/01/2025</a:t>
             </a:fld>
             <a:endParaRPr lang="en-SI"/>
           </a:p>
@@ -6213,7 +6213,7 @@
           <a:p>
             <a:fld id="{C528FD69-204F-4320-AF82-CEF97A3F82D3}" type="datetimeFigureOut">
               <a:rPr lang="en-SI" smtClean="0"/>
-              <a:t>15/01/2025</a:t>
+              <a:t>18/01/2025</a:t>
             </a:fld>
             <a:endParaRPr lang="en-SI"/>
           </a:p>
@@ -6526,7 +6526,7 @@
           <a:p>
             <a:fld id="{C528FD69-204F-4320-AF82-CEF97A3F82D3}" type="datetimeFigureOut">
               <a:rPr lang="en-SI" smtClean="0"/>
-              <a:t>15/01/2025</a:t>
+              <a:t>18/01/2025</a:t>
             </a:fld>
             <a:endParaRPr lang="en-SI"/>
           </a:p>
@@ -6815,7 +6815,7 @@
           <a:p>
             <a:fld id="{C528FD69-204F-4320-AF82-CEF97A3F82D3}" type="datetimeFigureOut">
               <a:rPr lang="en-SI" smtClean="0"/>
-              <a:t>15/01/2025</a:t>
+              <a:t>18/01/2025</a:t>
             </a:fld>
             <a:endParaRPr lang="en-SI"/>
           </a:p>
@@ -7058,7 +7058,7 @@
           <a:p>
             <a:fld id="{C528FD69-204F-4320-AF82-CEF97A3F82D3}" type="datetimeFigureOut">
               <a:rPr lang="en-SI" smtClean="0"/>
-              <a:t>15/01/2025</a:t>
+              <a:t>18/01/2025</a:t>
             </a:fld>
             <a:endParaRPr lang="en-SI"/>
           </a:p>
@@ -15602,14 +15602,14 @@
             <a:r>
               <a:rPr lang="en-US" sz="700" b="1" dirty="0">
                 <a:solidFill>
-                  <a:srgbClr val="FFC000"/>
+                  <a:schemeClr val="tx1"/>
                 </a:solidFill>
               </a:rPr>
-              <a:t>RXX</a:t>
+              <a:t>R52</a:t>
             </a:r>
             <a:endParaRPr lang="en-SI" sz="700" b="1" dirty="0">
               <a:solidFill>
-                <a:srgbClr val="FFC000"/>
+                <a:schemeClr val="tx1"/>
               </a:solidFill>
             </a:endParaRPr>
           </a:p>
@@ -15666,14 +15666,14 @@
             <a:r>
               <a:rPr lang="en-US" sz="700" b="1" dirty="0">
                 <a:solidFill>
-                  <a:srgbClr val="FFC000"/>
+                  <a:schemeClr val="tx1"/>
                 </a:solidFill>
               </a:rPr>
-              <a:t>RXX</a:t>
+              <a:t>R53</a:t>
             </a:r>
             <a:endParaRPr lang="en-SI" sz="700" b="1" dirty="0">
               <a:solidFill>
-                <a:srgbClr val="FFC000"/>
+                <a:schemeClr val="tx1"/>
               </a:solidFill>
             </a:endParaRPr>
           </a:p>
@@ -16496,16 +16496,16 @@
           <a:p>
             <a:pPr algn="ctr"/>
             <a:r>
-              <a:rPr lang="en-US" sz="700" b="1" dirty="0">
-                <a:solidFill>
-                  <a:srgbClr val="FFC000"/>
+              <a:rPr lang="en-US" sz="600" b="1" dirty="0">
+                <a:solidFill>
+                  <a:schemeClr val="tx1"/>
                 </a:solidFill>
               </a:rPr>
-              <a:t>CK11</a:t>
-            </a:r>
-            <a:endParaRPr lang="en-SI" sz="700" b="1" dirty="0">
+              <a:t>SH11</a:t>
+            </a:r>
+            <a:endParaRPr lang="en-SI" sz="600" b="1" dirty="0">
               <a:solidFill>
-                <a:srgbClr val="FFC000"/>
+                <a:schemeClr val="tx1"/>
               </a:solidFill>
             </a:endParaRPr>
           </a:p>
@@ -17077,7 +17077,7 @@
                   <a:schemeClr val="tx1"/>
                 </a:solidFill>
               </a:rPr>
-              <a:t>R25 </a:t>
+              <a:t>R56 </a:t>
             </a:r>
             <a:endParaRPr lang="en-SI" sz="700" b="1" dirty="0">
               <a:solidFill>
@@ -17141,7 +17141,7 @@
                   <a:schemeClr val="tx1"/>
                 </a:solidFill>
               </a:rPr>
-              <a:t>R24</a:t>
+              <a:t>R55</a:t>
             </a:r>
             <a:endParaRPr lang="en-SI" sz="700" b="1" dirty="0">
               <a:solidFill>
@@ -17205,7 +17205,7 @@
                   <a:schemeClr val="tx1"/>
                 </a:solidFill>
               </a:rPr>
-              <a:t>R31 </a:t>
+              <a:t>R25 </a:t>
             </a:r>
             <a:endParaRPr lang="en-SI" sz="700" b="1" dirty="0">
               <a:solidFill>
@@ -17269,7 +17269,7 @@
                   <a:schemeClr val="tx1"/>
                 </a:solidFill>
               </a:rPr>
-              <a:t>R30</a:t>
+              <a:t>R24</a:t>
             </a:r>
             <a:endParaRPr lang="en-SI" sz="700" b="1" dirty="0">
               <a:solidFill>
@@ -18357,7 +18357,7 @@
                   <a:schemeClr val="tx1"/>
                 </a:solidFill>
               </a:rPr>
-              <a:t>R29</a:t>
+              <a:t>R34</a:t>
             </a:r>
             <a:endParaRPr lang="en-SI" sz="700" b="1" dirty="0">
               <a:solidFill>
@@ -18546,14 +18546,14 @@
             <a:r>
               <a:rPr lang="en-US" sz="700" b="1" dirty="0">
                 <a:solidFill>
-                  <a:srgbClr val="FF0000"/>
+                  <a:schemeClr val="tx1"/>
                 </a:solidFill>
               </a:rPr>
-              <a:t>R48</a:t>
+              <a:t>R35</a:t>
             </a:r>
             <a:endParaRPr lang="en-SI" sz="700" b="1" dirty="0">
               <a:solidFill>
-                <a:srgbClr val="FF0000"/>
+                <a:schemeClr val="tx1"/>
               </a:solidFill>
             </a:endParaRPr>
           </a:p>
@@ -18802,10 +18802,18 @@
             <a:r>
               <a:rPr lang="en-US" sz="700" b="1" dirty="0">
                 <a:solidFill>
+                  <a:schemeClr val="tx1"/>
+                </a:solidFill>
+              </a:rPr>
+              <a:t>R48</a:t>
+            </a:r>
+            <a:r>
+              <a:rPr lang="en-US" sz="700" b="1" dirty="0">
+                <a:solidFill>
                   <a:srgbClr val="FFC000"/>
                 </a:solidFill>
               </a:rPr>
-              <a:t>R48 </a:t>
+              <a:t> </a:t>
             </a:r>
             <a:endParaRPr lang="en-SI" sz="700" b="1" dirty="0">
               <a:solidFill>
@@ -18930,14 +18938,14 @@
             <a:r>
               <a:rPr lang="en-US" sz="700" b="1" dirty="0">
                 <a:solidFill>
-                  <a:srgbClr val="FFC000"/>
+                  <a:schemeClr val="tx1"/>
                 </a:solidFill>
               </a:rPr>
-              <a:t>RXX </a:t>
+              <a:t>R49 </a:t>
             </a:r>
             <a:endParaRPr lang="en-SI" sz="700" b="1" dirty="0">
               <a:solidFill>
-                <a:srgbClr val="FFC000"/>
+                <a:schemeClr val="tx1"/>
               </a:solidFill>
             </a:endParaRPr>
           </a:p>
@@ -19122,14 +19130,14 @@
             <a:r>
               <a:rPr lang="en-US" sz="700" b="1" dirty="0">
                 <a:solidFill>
-                  <a:srgbClr val="FFC000"/>
+                  <a:schemeClr val="tx1"/>
                 </a:solidFill>
               </a:rPr>
-              <a:t>RXX </a:t>
+              <a:t>R50 </a:t>
             </a:r>
             <a:endParaRPr lang="en-SI" sz="700" b="1" dirty="0">
               <a:solidFill>
-                <a:srgbClr val="FFC000"/>
+                <a:schemeClr val="tx1"/>
               </a:solidFill>
             </a:endParaRPr>
           </a:p>
@@ -19186,10 +19194,18 @@
             <a:r>
               <a:rPr lang="en-US" sz="700" b="1" dirty="0">
                 <a:solidFill>
+                  <a:schemeClr val="tx1"/>
+                </a:solidFill>
+              </a:rPr>
+              <a:t>R54</a:t>
+            </a:r>
+            <a:r>
+              <a:rPr lang="en-US" sz="700" b="1" dirty="0">
+                <a:solidFill>
                   <a:srgbClr val="FFC000"/>
                 </a:solidFill>
               </a:rPr>
-              <a:t>RXX </a:t>
+              <a:t> </a:t>
             </a:r>
             <a:endParaRPr lang="en-SI" sz="700" b="1" dirty="0">
               <a:solidFill>
@@ -19250,14 +19266,14 @@
             <a:r>
               <a:rPr lang="en-US" sz="700" b="1" dirty="0">
                 <a:solidFill>
-                  <a:srgbClr val="FFC000"/>
+                  <a:schemeClr val="tx1"/>
                 </a:solidFill>
               </a:rPr>
-              <a:t>RXX </a:t>
+              <a:t>R551 </a:t>
             </a:r>
             <a:endParaRPr lang="en-SI" sz="700" b="1" dirty="0">
               <a:solidFill>
-                <a:srgbClr val="FFC000"/>
+                <a:schemeClr val="tx1"/>
               </a:solidFill>
             </a:endParaRPr>
           </a:p>
@@ -19314,14 +19330,14 @@
             <a:r>
               <a:rPr lang="en-US" sz="700" b="1" dirty="0">
                 <a:solidFill>
-                  <a:srgbClr val="FFC000"/>
+                  <a:schemeClr val="tx1"/>
                 </a:solidFill>
               </a:rPr>
-              <a:t>RXX </a:t>
+              <a:t>R36 </a:t>
             </a:r>
             <a:endParaRPr lang="en-SI" sz="700" b="1" dirty="0">
               <a:solidFill>
-                <a:srgbClr val="FFC000"/>
+                <a:schemeClr val="tx1"/>
               </a:solidFill>
             </a:endParaRPr>
           </a:p>
@@ -19570,14 +19586,14 @@
             <a:r>
               <a:rPr lang="en-US" sz="700" b="1" dirty="0">
                 <a:solidFill>
-                  <a:srgbClr val="FFC000"/>
+                  <a:schemeClr val="tx1"/>
                 </a:solidFill>
               </a:rPr>
-              <a:t>RXX </a:t>
+              <a:t>R33 </a:t>
             </a:r>
             <a:endParaRPr lang="en-SI" sz="700" b="1" dirty="0">
               <a:solidFill>
-                <a:srgbClr val="FFC000"/>
+                <a:schemeClr val="tx1"/>
               </a:solidFill>
             </a:endParaRPr>
           </a:p>
@@ -19634,14 +19650,14 @@
             <a:r>
               <a:rPr lang="en-US" sz="700" b="1" dirty="0">
                 <a:solidFill>
-                  <a:srgbClr val="FFC000"/>
+                  <a:schemeClr val="tx1"/>
                 </a:solidFill>
               </a:rPr>
-              <a:t>RXX</a:t>
+              <a:t>R32</a:t>
             </a:r>
             <a:endParaRPr lang="en-SI" sz="700" b="1" dirty="0">
               <a:solidFill>
-                <a:srgbClr val="FFC000"/>
+                <a:schemeClr val="tx1"/>
               </a:solidFill>
             </a:endParaRPr>
           </a:p>
@@ -19762,14 +19778,14 @@
             <a:r>
               <a:rPr lang="en-US" sz="700" b="1" dirty="0">
                 <a:solidFill>
-                  <a:srgbClr val="FFC000"/>
+                  <a:schemeClr val="tx1"/>
                 </a:solidFill>
               </a:rPr>
-              <a:t>RXX</a:t>
+              <a:t>R46</a:t>
             </a:r>
             <a:endParaRPr lang="en-SI" sz="700" b="1" dirty="0">
               <a:solidFill>
-                <a:srgbClr val="FFC000"/>
+                <a:schemeClr val="tx1"/>
               </a:solidFill>
             </a:endParaRPr>
           </a:p>
@@ -19826,14 +19842,14 @@
             <a:r>
               <a:rPr lang="en-US" sz="700" b="1" dirty="0">
                 <a:solidFill>
-                  <a:srgbClr val="FFC000"/>
+                  <a:schemeClr val="tx1"/>
                 </a:solidFill>
               </a:rPr>
-              <a:t>RXX </a:t>
+              <a:t>R45 </a:t>
             </a:r>
             <a:endParaRPr lang="en-SI" sz="700" b="1" dirty="0">
               <a:solidFill>
-                <a:srgbClr val="FFC000"/>
+                <a:schemeClr val="tx1"/>
               </a:solidFill>
             </a:endParaRPr>
           </a:p>
@@ -19890,14 +19906,14 @@
             <a:r>
               <a:rPr lang="en-US" sz="700" b="1" dirty="0">
                 <a:solidFill>
-                  <a:srgbClr val="FFC000"/>
+                  <a:schemeClr val="tx1"/>
                 </a:solidFill>
               </a:rPr>
-              <a:t>RXX</a:t>
+              <a:t>R44</a:t>
             </a:r>
             <a:endParaRPr lang="en-SI" sz="700" b="1" dirty="0">
               <a:solidFill>
-                <a:srgbClr val="FFC000"/>
+                <a:schemeClr val="tx1"/>
               </a:solidFill>
             </a:endParaRPr>
           </a:p>
@@ -19954,14 +19970,14 @@
             <a:r>
               <a:rPr lang="en-US" sz="700" b="1" dirty="0">
                 <a:solidFill>
-                  <a:srgbClr val="FFC000"/>
+                  <a:schemeClr val="tx1"/>
                 </a:solidFill>
               </a:rPr>
-              <a:t>RXX </a:t>
+              <a:t>R43 </a:t>
             </a:r>
             <a:endParaRPr lang="en-SI" sz="700" b="1" dirty="0">
               <a:solidFill>
-                <a:srgbClr val="FFC000"/>
+                <a:schemeClr val="tx1"/>
               </a:solidFill>
             </a:endParaRPr>
           </a:p>
@@ -20018,14 +20034,14 @@
             <a:r>
               <a:rPr lang="en-US" sz="700" b="1" dirty="0">
                 <a:solidFill>
-                  <a:srgbClr val="FFC000"/>
+                  <a:schemeClr val="tx1"/>
                 </a:solidFill>
               </a:rPr>
-              <a:t>RXX</a:t>
+              <a:t>R41</a:t>
             </a:r>
             <a:endParaRPr lang="en-SI" sz="700" b="1" dirty="0">
               <a:solidFill>
-                <a:srgbClr val="FFC000"/>
+                <a:schemeClr val="tx1"/>
               </a:solidFill>
             </a:endParaRPr>
           </a:p>
@@ -20082,14 +20098,14 @@
             <a:r>
               <a:rPr lang="en-US" sz="700" b="1" dirty="0">
                 <a:solidFill>
-                  <a:srgbClr val="FFC000"/>
+                  <a:schemeClr val="tx1"/>
                 </a:solidFill>
               </a:rPr>
-              <a:t>RXX </a:t>
+              <a:t>R40</a:t>
             </a:r>
             <a:endParaRPr lang="en-SI" sz="700" b="1" dirty="0">
               <a:solidFill>
-                <a:srgbClr val="FFC000"/>
+                <a:schemeClr val="tx1"/>
               </a:solidFill>
             </a:endParaRPr>
           </a:p>
@@ -20146,14 +20162,14 @@
             <a:r>
               <a:rPr lang="en-US" sz="700" b="1" dirty="0">
                 <a:solidFill>
-                  <a:srgbClr val="FFC000"/>
+                  <a:schemeClr val="tx1"/>
                 </a:solidFill>
               </a:rPr>
-              <a:t>RXX</a:t>
+              <a:t>R39</a:t>
             </a:r>
             <a:endParaRPr lang="en-SI" sz="700" b="1" dirty="0">
               <a:solidFill>
-                <a:srgbClr val="FFC000"/>
+                <a:schemeClr val="tx1"/>
               </a:solidFill>
             </a:endParaRPr>
           </a:p>
@@ -20210,14 +20226,14 @@
             <a:r>
               <a:rPr lang="en-US" sz="700" b="1" dirty="0">
                 <a:solidFill>
-                  <a:srgbClr val="FFC000"/>
+                  <a:schemeClr val="tx1"/>
                 </a:solidFill>
               </a:rPr>
-              <a:t>RXX </a:t>
+              <a:t>R38</a:t>
             </a:r>
             <a:endParaRPr lang="en-SI" sz="700" b="1" dirty="0">
               <a:solidFill>
-                <a:srgbClr val="FFC000"/>
+                <a:schemeClr val="tx1"/>
               </a:solidFill>
             </a:endParaRPr>
           </a:p>
@@ -20274,14 +20290,14 @@
             <a:r>
               <a:rPr lang="en-US" sz="700" b="1" dirty="0">
                 <a:solidFill>
-                  <a:srgbClr val="FFC000"/>
+                  <a:schemeClr val="tx1"/>
                 </a:solidFill>
               </a:rPr>
-              <a:t>RXX</a:t>
+              <a:t>R37</a:t>
             </a:r>
             <a:endParaRPr lang="en-SI" sz="700" b="1" dirty="0">
               <a:solidFill>
-                <a:srgbClr val="FFC000"/>
+                <a:schemeClr val="tx1"/>
               </a:solidFill>
             </a:endParaRPr>
           </a:p>
@@ -20338,10 +20354,18 @@
             <a:r>
               <a:rPr lang="en-US" sz="700" b="1" dirty="0">
                 <a:solidFill>
+                  <a:schemeClr val="tx1"/>
+                </a:solidFill>
+              </a:rPr>
+              <a:t>R31</a:t>
+            </a:r>
+            <a:r>
+              <a:rPr lang="en-US" sz="700" b="1" dirty="0">
+                <a:solidFill>
                   <a:srgbClr val="FFC000"/>
                 </a:solidFill>
               </a:rPr>
-              <a:t>RXX </a:t>
+              <a:t> </a:t>
             </a:r>
             <a:endParaRPr lang="en-SI" sz="700" b="1" dirty="0">
               <a:solidFill>
@@ -20402,14 +20426,14 @@
             <a:r>
               <a:rPr lang="en-US" sz="700" b="1" dirty="0">
                 <a:solidFill>
-                  <a:srgbClr val="FFC000"/>
+                  <a:schemeClr val="tx1"/>
                 </a:solidFill>
               </a:rPr>
-              <a:t>RXX </a:t>
+              <a:t>R30</a:t>
             </a:r>
             <a:endParaRPr lang="en-SI" sz="700" b="1" dirty="0">
               <a:solidFill>
-                <a:srgbClr val="FFC000"/>
+                <a:schemeClr val="tx1"/>
               </a:solidFill>
             </a:endParaRPr>
           </a:p>
@@ -20466,10 +20490,18 @@
             <a:r>
               <a:rPr lang="en-US" sz="700" b="1" dirty="0">
                 <a:solidFill>
+                  <a:schemeClr val="tx1"/>
+                </a:solidFill>
+              </a:rPr>
+              <a:t>R29</a:t>
+            </a:r>
+            <a:r>
+              <a:rPr lang="en-US" sz="700" b="1" dirty="0">
+                <a:solidFill>
                   <a:srgbClr val="FFC000"/>
                 </a:solidFill>
               </a:rPr>
-              <a:t>RXX </a:t>
+              <a:t> </a:t>
             </a:r>
             <a:endParaRPr lang="en-SI" sz="700" b="1" dirty="0">
               <a:solidFill>
@@ -20530,10 +20562,18 @@
             <a:r>
               <a:rPr lang="en-US" sz="700" b="1" dirty="0">
                 <a:solidFill>
+                  <a:schemeClr val="tx1"/>
+                </a:solidFill>
+              </a:rPr>
+              <a:t>R42</a:t>
+            </a:r>
+            <a:r>
+              <a:rPr lang="en-US" sz="700" b="1" dirty="0">
+                <a:solidFill>
                   <a:srgbClr val="FFC000"/>
                 </a:solidFill>
               </a:rPr>
-              <a:t>RXX </a:t>
+              <a:t> </a:t>
             </a:r>
             <a:endParaRPr lang="en-SI" sz="700" b="1" dirty="0">
               <a:solidFill>
@@ -21232,16 +21272,16 @@
           <a:p>
             <a:pPr algn="ctr"/>
             <a:r>
-              <a:rPr lang="en-US" sz="700" b="1" dirty="0">
-                <a:solidFill>
-                  <a:srgbClr val="FFC000"/>
+              <a:rPr lang="en-US" sz="600" b="1" dirty="0">
+                <a:solidFill>
+                  <a:schemeClr val="tx1"/>
                 </a:solidFill>
               </a:rPr>
-              <a:t>SH2</a:t>
-            </a:r>
-            <a:endParaRPr lang="en-SI" sz="700" b="1" dirty="0">
+              <a:t>SH12</a:t>
+            </a:r>
+            <a:endParaRPr lang="en-SI" sz="600" b="1" dirty="0">
               <a:solidFill>
-                <a:srgbClr val="FFC000"/>
+                <a:schemeClr val="tx1"/>
               </a:solidFill>
             </a:endParaRPr>
           </a:p>

--- a/doc/GdpComponentPlacement.pptx
+++ b/doc/GdpComponentPlacement.pptx
@@ -3888,7 +3888,7 @@
           <a:p>
             <a:fld id="{93A23C32-7576-4339-8257-BC8E91C8F1B2}" type="datetimeFigureOut">
               <a:rPr lang="en-SI" smtClean="0"/>
-              <a:t>18/01/2025</a:t>
+              <a:t>28/01/2025</a:t>
             </a:fld>
             <a:endParaRPr lang="en-SI"/>
           </a:p>
@@ -4389,7 +4389,7 @@
           <a:p>
             <a:fld id="{C528FD69-204F-4320-AF82-CEF97A3F82D3}" type="datetimeFigureOut">
               <a:rPr lang="en-SI" smtClean="0"/>
-              <a:t>18/01/2025</a:t>
+              <a:t>28/01/2025</a:t>
             </a:fld>
             <a:endParaRPr lang="en-SI"/>
           </a:p>
@@ -4589,7 +4589,7 @@
           <a:p>
             <a:fld id="{C528FD69-204F-4320-AF82-CEF97A3F82D3}" type="datetimeFigureOut">
               <a:rPr lang="en-SI" smtClean="0"/>
-              <a:t>18/01/2025</a:t>
+              <a:t>28/01/2025</a:t>
             </a:fld>
             <a:endParaRPr lang="en-SI"/>
           </a:p>
@@ -4799,7 +4799,7 @@
           <a:p>
             <a:fld id="{C528FD69-204F-4320-AF82-CEF97A3F82D3}" type="datetimeFigureOut">
               <a:rPr lang="en-SI" smtClean="0"/>
-              <a:t>18/01/2025</a:t>
+              <a:t>28/01/2025</a:t>
             </a:fld>
             <a:endParaRPr lang="en-SI"/>
           </a:p>
@@ -4999,7 +4999,7 @@
           <a:p>
             <a:fld id="{C528FD69-204F-4320-AF82-CEF97A3F82D3}" type="datetimeFigureOut">
               <a:rPr lang="en-SI" smtClean="0"/>
-              <a:t>18/01/2025</a:t>
+              <a:t>28/01/2025</a:t>
             </a:fld>
             <a:endParaRPr lang="en-SI"/>
           </a:p>
@@ -5275,7 +5275,7 @@
           <a:p>
             <a:fld id="{C528FD69-204F-4320-AF82-CEF97A3F82D3}" type="datetimeFigureOut">
               <a:rPr lang="en-SI" smtClean="0"/>
-              <a:t>18/01/2025</a:t>
+              <a:t>28/01/2025</a:t>
             </a:fld>
             <a:endParaRPr lang="en-SI"/>
           </a:p>
@@ -5543,7 +5543,7 @@
           <a:p>
             <a:fld id="{C528FD69-204F-4320-AF82-CEF97A3F82D3}" type="datetimeFigureOut">
               <a:rPr lang="en-SI" smtClean="0"/>
-              <a:t>18/01/2025</a:t>
+              <a:t>28/01/2025</a:t>
             </a:fld>
             <a:endParaRPr lang="en-SI"/>
           </a:p>
@@ -5958,7 +5958,7 @@
           <a:p>
             <a:fld id="{C528FD69-204F-4320-AF82-CEF97A3F82D3}" type="datetimeFigureOut">
               <a:rPr lang="en-SI" smtClean="0"/>
-              <a:t>18/01/2025</a:t>
+              <a:t>28/01/2025</a:t>
             </a:fld>
             <a:endParaRPr lang="en-SI"/>
           </a:p>
@@ -6100,7 +6100,7 @@
           <a:p>
             <a:fld id="{C528FD69-204F-4320-AF82-CEF97A3F82D3}" type="datetimeFigureOut">
               <a:rPr lang="en-SI" smtClean="0"/>
-              <a:t>18/01/2025</a:t>
+              <a:t>28/01/2025</a:t>
             </a:fld>
             <a:endParaRPr lang="en-SI"/>
           </a:p>
@@ -6213,7 +6213,7 @@
           <a:p>
             <a:fld id="{C528FD69-204F-4320-AF82-CEF97A3F82D3}" type="datetimeFigureOut">
               <a:rPr lang="en-SI" smtClean="0"/>
-              <a:t>18/01/2025</a:t>
+              <a:t>28/01/2025</a:t>
             </a:fld>
             <a:endParaRPr lang="en-SI"/>
           </a:p>
@@ -6526,7 +6526,7 @@
           <a:p>
             <a:fld id="{C528FD69-204F-4320-AF82-CEF97A3F82D3}" type="datetimeFigureOut">
               <a:rPr lang="en-SI" smtClean="0"/>
-              <a:t>18/01/2025</a:t>
+              <a:t>28/01/2025</a:t>
             </a:fld>
             <a:endParaRPr lang="en-SI"/>
           </a:p>
@@ -6815,7 +6815,7 @@
           <a:p>
             <a:fld id="{C528FD69-204F-4320-AF82-CEF97A3F82D3}" type="datetimeFigureOut">
               <a:rPr lang="en-SI" smtClean="0"/>
-              <a:t>18/01/2025</a:t>
+              <a:t>28/01/2025</a:t>
             </a:fld>
             <a:endParaRPr lang="en-SI"/>
           </a:p>
@@ -7058,7 +7058,7 @@
           <a:p>
             <a:fld id="{C528FD69-204F-4320-AF82-CEF97A3F82D3}" type="datetimeFigureOut">
               <a:rPr lang="en-SI" smtClean="0"/>
-              <a:t>18/01/2025</a:t>
+              <a:t>28/01/2025</a:t>
             </a:fld>
             <a:endParaRPr lang="en-SI"/>
           </a:p>
@@ -16117,7 +16117,7 @@
                   <a:schemeClr val="tx1"/>
                 </a:solidFill>
               </a:rPr>
-              <a:t>ST4</a:t>
+              <a:t>ST5</a:t>
             </a:r>
             <a:endParaRPr lang="en-SI" sz="700" b="1" dirty="0">
               <a:solidFill>
@@ -16176,12 +16176,12 @@
           <a:p>
             <a:pPr algn="ctr"/>
             <a:r>
-              <a:rPr lang="en-US" sz="700" b="1" dirty="0">
+              <a:rPr lang="en-US" sz="700" b="1">
                 <a:solidFill>
                   <a:schemeClr val="tx1"/>
                 </a:solidFill>
               </a:rPr>
-              <a:t>ST5</a:t>
+              <a:t>ST4</a:t>
             </a:r>
             <a:endParaRPr lang="en-SI" sz="700" b="1" dirty="0">
               <a:solidFill>

--- a/doc/GdpComponentPlacement.pptx
+++ b/doc/GdpComponentPlacement.pptx
@@ -3888,7 +3888,7 @@
           <a:p>
             <a:fld id="{93A23C32-7576-4339-8257-BC8E91C8F1B2}" type="datetimeFigureOut">
               <a:rPr lang="en-SI" smtClean="0"/>
-              <a:t>28/01/2025</a:t>
+              <a:t>31/01/2025</a:t>
             </a:fld>
             <a:endParaRPr lang="en-SI"/>
           </a:p>
@@ -4389,7 +4389,7 @@
           <a:p>
             <a:fld id="{C528FD69-204F-4320-AF82-CEF97A3F82D3}" type="datetimeFigureOut">
               <a:rPr lang="en-SI" smtClean="0"/>
-              <a:t>28/01/2025</a:t>
+              <a:t>31/01/2025</a:t>
             </a:fld>
             <a:endParaRPr lang="en-SI"/>
           </a:p>
@@ -4589,7 +4589,7 @@
           <a:p>
             <a:fld id="{C528FD69-204F-4320-AF82-CEF97A3F82D3}" type="datetimeFigureOut">
               <a:rPr lang="en-SI" smtClean="0"/>
-              <a:t>28/01/2025</a:t>
+              <a:t>31/01/2025</a:t>
             </a:fld>
             <a:endParaRPr lang="en-SI"/>
           </a:p>
@@ -4799,7 +4799,7 @@
           <a:p>
             <a:fld id="{C528FD69-204F-4320-AF82-CEF97A3F82D3}" type="datetimeFigureOut">
               <a:rPr lang="en-SI" smtClean="0"/>
-              <a:t>28/01/2025</a:t>
+              <a:t>31/01/2025</a:t>
             </a:fld>
             <a:endParaRPr lang="en-SI"/>
           </a:p>
@@ -4999,7 +4999,7 @@
           <a:p>
             <a:fld id="{C528FD69-204F-4320-AF82-CEF97A3F82D3}" type="datetimeFigureOut">
               <a:rPr lang="en-SI" smtClean="0"/>
-              <a:t>28/01/2025</a:t>
+              <a:t>31/01/2025</a:t>
             </a:fld>
             <a:endParaRPr lang="en-SI"/>
           </a:p>
@@ -5275,7 +5275,7 @@
           <a:p>
             <a:fld id="{C528FD69-204F-4320-AF82-CEF97A3F82D3}" type="datetimeFigureOut">
               <a:rPr lang="en-SI" smtClean="0"/>
-              <a:t>28/01/2025</a:t>
+              <a:t>31/01/2025</a:t>
             </a:fld>
             <a:endParaRPr lang="en-SI"/>
           </a:p>
@@ -5543,7 +5543,7 @@
           <a:p>
             <a:fld id="{C528FD69-204F-4320-AF82-CEF97A3F82D3}" type="datetimeFigureOut">
               <a:rPr lang="en-SI" smtClean="0"/>
-              <a:t>28/01/2025</a:t>
+              <a:t>31/01/2025</a:t>
             </a:fld>
             <a:endParaRPr lang="en-SI"/>
           </a:p>
@@ -5958,7 +5958,7 @@
           <a:p>
             <a:fld id="{C528FD69-204F-4320-AF82-CEF97A3F82D3}" type="datetimeFigureOut">
               <a:rPr lang="en-SI" smtClean="0"/>
-              <a:t>28/01/2025</a:t>
+              <a:t>31/01/2025</a:t>
             </a:fld>
             <a:endParaRPr lang="en-SI"/>
           </a:p>
@@ -6100,7 +6100,7 @@
           <a:p>
             <a:fld id="{C528FD69-204F-4320-AF82-CEF97A3F82D3}" type="datetimeFigureOut">
               <a:rPr lang="en-SI" smtClean="0"/>
-              <a:t>28/01/2025</a:t>
+              <a:t>31/01/2025</a:t>
             </a:fld>
             <a:endParaRPr lang="en-SI"/>
           </a:p>
@@ -6213,7 +6213,7 @@
           <a:p>
             <a:fld id="{C528FD69-204F-4320-AF82-CEF97A3F82D3}" type="datetimeFigureOut">
               <a:rPr lang="en-SI" smtClean="0"/>
-              <a:t>28/01/2025</a:t>
+              <a:t>31/01/2025</a:t>
             </a:fld>
             <a:endParaRPr lang="en-SI"/>
           </a:p>
@@ -6526,7 +6526,7 @@
           <a:p>
             <a:fld id="{C528FD69-204F-4320-AF82-CEF97A3F82D3}" type="datetimeFigureOut">
               <a:rPr lang="en-SI" smtClean="0"/>
-              <a:t>28/01/2025</a:t>
+              <a:t>31/01/2025</a:t>
             </a:fld>
             <a:endParaRPr lang="en-SI"/>
           </a:p>
@@ -6815,7 +6815,7 @@
           <a:p>
             <a:fld id="{C528FD69-204F-4320-AF82-CEF97A3F82D3}" type="datetimeFigureOut">
               <a:rPr lang="en-SI" smtClean="0"/>
-              <a:t>28/01/2025</a:t>
+              <a:t>31/01/2025</a:t>
             </a:fld>
             <a:endParaRPr lang="en-SI"/>
           </a:p>
@@ -7058,7 +7058,7 @@
           <a:p>
             <a:fld id="{C528FD69-204F-4320-AF82-CEF97A3F82D3}" type="datetimeFigureOut">
               <a:rPr lang="en-SI" smtClean="0"/>
-              <a:t>28/01/2025</a:t>
+              <a:t>31/01/2025</a:t>
             </a:fld>
             <a:endParaRPr lang="en-SI"/>
           </a:p>
@@ -7652,14 +7652,14 @@
             <a:r>
               <a:rPr lang="en-US" sz="700" b="1" dirty="0">
                 <a:solidFill>
-                  <a:srgbClr val="FFC000"/>
+                  <a:schemeClr val="tx1"/>
                 </a:solidFill>
               </a:rPr>
-              <a:t>CK10</a:t>
+              <a:t>SH4</a:t>
             </a:r>
             <a:endParaRPr lang="en-SI" sz="700" b="1" dirty="0">
               <a:solidFill>
-                <a:srgbClr val="FFC000"/>
+                <a:schemeClr val="tx1"/>
               </a:solidFill>
             </a:endParaRPr>
           </a:p>
@@ -8228,14 +8228,14 @@
             <a:r>
               <a:rPr lang="en-US" sz="700" b="1" dirty="0">
                 <a:solidFill>
-                  <a:srgbClr val="FFC000"/>
+                  <a:schemeClr val="tx1"/>
                 </a:solidFill>
               </a:rPr>
-              <a:t>CKXX</a:t>
+              <a:t>SH5</a:t>
             </a:r>
             <a:endParaRPr lang="en-SI" sz="700" b="1" dirty="0">
               <a:solidFill>
-                <a:srgbClr val="FFC000"/>
+                <a:schemeClr val="tx1"/>
               </a:solidFill>
             </a:endParaRPr>
           </a:p>
@@ -16306,14 +16306,14 @@
             <a:r>
               <a:rPr lang="en-US" sz="700" b="1" dirty="0">
                 <a:solidFill>
-                  <a:srgbClr val="FFC000"/>
+                  <a:schemeClr val="tx1"/>
                 </a:solidFill>
               </a:rPr>
-              <a:t>SH</a:t>
+              <a:t>SH1</a:t>
             </a:r>
             <a:endParaRPr lang="en-SI" sz="700" b="1" dirty="0">
               <a:solidFill>
-                <a:srgbClr val="FFC000"/>
+                <a:schemeClr val="tx1"/>
               </a:solidFill>
             </a:endParaRPr>
           </a:p>
@@ -16496,14 +16496,14 @@
           <a:p>
             <a:pPr algn="ctr"/>
             <a:r>
-              <a:rPr lang="en-US" sz="600" b="1" dirty="0">
+              <a:rPr lang="en-US" sz="700" b="1" dirty="0">
                 <a:solidFill>
                   <a:schemeClr val="tx1"/>
                 </a:solidFill>
               </a:rPr>
-              <a:t>SH11</a:t>
-            </a:r>
-            <a:endParaRPr lang="en-SI" sz="600" b="1" dirty="0">
+              <a:t>SH6</a:t>
+            </a:r>
+            <a:endParaRPr lang="en-SI" sz="700" b="1" dirty="0">
               <a:solidFill>
                 <a:schemeClr val="tx1"/>
               </a:solidFill>
@@ -16562,14 +16562,14 @@
             <a:r>
               <a:rPr lang="en-US" sz="700" b="1" dirty="0">
                 <a:solidFill>
-                  <a:srgbClr val="FFC000"/>
+                  <a:schemeClr val="tx1"/>
                 </a:solidFill>
               </a:rPr>
-              <a:t>CK11</a:t>
+              <a:t>SH7</a:t>
             </a:r>
             <a:endParaRPr lang="en-SI" sz="700" b="1" dirty="0">
               <a:solidFill>
-                <a:srgbClr val="FFC000"/>
+                <a:schemeClr val="tx1"/>
               </a:solidFill>
             </a:endParaRPr>
           </a:p>
@@ -16626,14 +16626,14 @@
             <a:r>
               <a:rPr lang="en-US" sz="700" b="1" dirty="0">
                 <a:solidFill>
-                  <a:srgbClr val="FFC000"/>
+                  <a:schemeClr val="tx1"/>
                 </a:solidFill>
               </a:rPr>
-              <a:t>CK11</a:t>
+              <a:t>SH8</a:t>
             </a:r>
             <a:endParaRPr lang="en-SI" sz="700" b="1" dirty="0">
               <a:solidFill>
-                <a:srgbClr val="FFC000"/>
+                <a:schemeClr val="tx1"/>
               </a:solidFill>
             </a:endParaRPr>
           </a:p>
@@ -16690,14 +16690,14 @@
             <a:r>
               <a:rPr lang="en-US" sz="700" b="1" dirty="0">
                 <a:solidFill>
-                  <a:srgbClr val="FFC000"/>
+                  <a:schemeClr val="tx1"/>
                 </a:solidFill>
               </a:rPr>
-              <a:t>CK11</a:t>
+              <a:t>SH9</a:t>
             </a:r>
             <a:endParaRPr lang="en-SI" sz="700" b="1" dirty="0">
               <a:solidFill>
-                <a:srgbClr val="FFC000"/>
+                <a:schemeClr val="tx1"/>
               </a:solidFill>
             </a:endParaRPr>
           </a:p>
@@ -20824,16 +20824,16 @@
           <a:p>
             <a:pPr algn="ctr"/>
             <a:r>
-              <a:rPr lang="en-US" sz="700" b="1" dirty="0">
-                <a:solidFill>
-                  <a:srgbClr val="FFC000"/>
+              <a:rPr lang="en-US" sz="600" b="1" dirty="0">
+                <a:solidFill>
+                  <a:schemeClr val="tx1"/>
                 </a:solidFill>
               </a:rPr>
-              <a:t>SH2</a:t>
-            </a:r>
-            <a:endParaRPr lang="en-SI" sz="700" b="1" dirty="0">
+              <a:t>SH15</a:t>
+            </a:r>
+            <a:endParaRPr lang="en-SI" sz="600" b="1" dirty="0">
               <a:solidFill>
-                <a:srgbClr val="FFC000"/>
+                <a:schemeClr val="tx1"/>
               </a:solidFill>
             </a:endParaRPr>
           </a:p>
@@ -20888,16 +20888,16 @@
           <a:p>
             <a:pPr algn="ctr"/>
             <a:r>
-              <a:rPr lang="en-US" sz="700" b="1" dirty="0">
-                <a:solidFill>
-                  <a:srgbClr val="FFC000"/>
+              <a:rPr lang="en-US" sz="600" b="1" dirty="0">
+                <a:solidFill>
+                  <a:schemeClr val="tx1"/>
                 </a:solidFill>
               </a:rPr>
-              <a:t>SH2</a:t>
-            </a:r>
-            <a:endParaRPr lang="en-SI" sz="700" b="1" dirty="0">
+              <a:t>SH19</a:t>
+            </a:r>
+            <a:endParaRPr lang="en-SI" sz="600" b="1" dirty="0">
               <a:solidFill>
-                <a:srgbClr val="FFC000"/>
+                <a:schemeClr val="tx1"/>
               </a:solidFill>
             </a:endParaRPr>
           </a:p>
@@ -20952,16 +20952,16 @@
           <a:p>
             <a:pPr algn="ctr"/>
             <a:r>
-              <a:rPr lang="en-US" sz="700" b="1" dirty="0">
-                <a:solidFill>
-                  <a:srgbClr val="FFC000"/>
+              <a:rPr lang="en-US" sz="600" b="1" dirty="0">
+                <a:solidFill>
+                  <a:schemeClr val="tx1"/>
                 </a:solidFill>
               </a:rPr>
-              <a:t>SH2</a:t>
-            </a:r>
-            <a:endParaRPr lang="en-SI" sz="700" b="1" dirty="0">
+              <a:t>SH18</a:t>
+            </a:r>
+            <a:endParaRPr lang="en-SI" sz="600" b="1" dirty="0">
               <a:solidFill>
-                <a:srgbClr val="FFC000"/>
+                <a:schemeClr val="tx1"/>
               </a:solidFill>
             </a:endParaRPr>
           </a:p>
@@ -21016,16 +21016,16 @@
           <a:p>
             <a:pPr algn="ctr"/>
             <a:r>
-              <a:rPr lang="en-US" sz="700" b="1" dirty="0">
-                <a:solidFill>
-                  <a:srgbClr val="FFC000"/>
+              <a:rPr lang="en-US" sz="600" b="1" dirty="0">
+                <a:solidFill>
+                  <a:schemeClr val="tx1"/>
                 </a:solidFill>
               </a:rPr>
-              <a:t>SH2</a:t>
-            </a:r>
-            <a:endParaRPr lang="en-SI" sz="700" b="1" dirty="0">
+              <a:t>SH17</a:t>
+            </a:r>
+            <a:endParaRPr lang="en-SI" sz="600" b="1" dirty="0">
               <a:solidFill>
-                <a:srgbClr val="FFC000"/>
+                <a:schemeClr val="tx1"/>
               </a:solidFill>
             </a:endParaRPr>
           </a:p>
@@ -21080,16 +21080,16 @@
           <a:p>
             <a:pPr algn="ctr"/>
             <a:r>
-              <a:rPr lang="en-US" sz="700" b="1" dirty="0">
-                <a:solidFill>
-                  <a:srgbClr val="FFC000"/>
+              <a:rPr lang="en-US" sz="600" b="1" dirty="0">
+                <a:solidFill>
+                  <a:schemeClr val="tx1"/>
                 </a:solidFill>
               </a:rPr>
-              <a:t>SH2</a:t>
-            </a:r>
-            <a:endParaRPr lang="en-SI" sz="700" b="1" dirty="0">
+              <a:t>SH16</a:t>
+            </a:r>
+            <a:endParaRPr lang="en-SI" sz="600" b="1" dirty="0">
               <a:solidFill>
-                <a:srgbClr val="FFC000"/>
+                <a:schemeClr val="tx1"/>
               </a:solidFill>
             </a:endParaRPr>
           </a:p>
@@ -21144,16 +21144,16 @@
           <a:p>
             <a:pPr algn="ctr"/>
             <a:r>
-              <a:rPr lang="en-US" sz="700" b="1" dirty="0">
-                <a:solidFill>
-                  <a:srgbClr val="FFC000"/>
+              <a:rPr lang="en-US" sz="600" b="1" dirty="0">
+                <a:solidFill>
+                  <a:schemeClr val="tx1"/>
                 </a:solidFill>
               </a:rPr>
-              <a:t>SH2</a:t>
-            </a:r>
-            <a:endParaRPr lang="en-SI" sz="700" b="1" dirty="0">
+              <a:t>SH14</a:t>
+            </a:r>
+            <a:endParaRPr lang="en-SI" sz="600" b="1" dirty="0">
               <a:solidFill>
-                <a:srgbClr val="FFC000"/>
+                <a:schemeClr val="tx1"/>
               </a:solidFill>
             </a:endParaRPr>
           </a:p>
@@ -21208,18 +21208,13 @@
           <a:p>
             <a:pPr algn="ctr"/>
             <a:r>
-              <a:rPr lang="en-US" sz="700" b="1" dirty="0">
-                <a:solidFill>
-                  <a:srgbClr val="FFC000"/>
+              <a:rPr lang="en-US" sz="600" b="1" dirty="0">
+                <a:solidFill>
+                  <a:schemeClr val="tx1"/>
                 </a:solidFill>
               </a:rPr>
-              <a:t>SH2</a:t>
-            </a:r>
-            <a:endParaRPr lang="en-SI" sz="700" b="1" dirty="0">
-              <a:solidFill>
-                <a:srgbClr val="FFC000"/>
-              </a:solidFill>
-            </a:endParaRPr>
+              <a:t>SH13</a:t>
+            </a:r>
           </a:p>
         </p:txBody>
       </p:sp>
@@ -21336,16 +21331,16 @@
           <a:p>
             <a:pPr algn="ctr"/>
             <a:r>
-              <a:rPr lang="en-US" sz="700" b="1" dirty="0">
-                <a:solidFill>
-                  <a:srgbClr val="FFC000"/>
+              <a:rPr lang="en-US" sz="600" b="1" dirty="0">
+                <a:solidFill>
+                  <a:schemeClr val="tx1"/>
                 </a:solidFill>
               </a:rPr>
-              <a:t>SH2</a:t>
-            </a:r>
-            <a:endParaRPr lang="en-SI" sz="700" b="1" dirty="0">
+              <a:t>SH11</a:t>
+            </a:r>
+            <a:endParaRPr lang="en-SI" sz="600" b="1" dirty="0">
               <a:solidFill>
-                <a:srgbClr val="FFC000"/>
+                <a:schemeClr val="tx1"/>
               </a:solidFill>
             </a:endParaRPr>
           </a:p>
@@ -21400,16 +21395,16 @@
           <a:p>
             <a:pPr algn="ctr"/>
             <a:r>
-              <a:rPr lang="en-US" sz="700" b="1" dirty="0">
-                <a:solidFill>
-                  <a:srgbClr val="FFC000"/>
+              <a:rPr lang="en-US" sz="600" b="1" dirty="0">
+                <a:solidFill>
+                  <a:schemeClr val="tx1"/>
                 </a:solidFill>
               </a:rPr>
-              <a:t>SH2</a:t>
-            </a:r>
-            <a:endParaRPr lang="en-SI" sz="700" b="1" dirty="0">
+              <a:t>SH10</a:t>
+            </a:r>
+            <a:endParaRPr lang="en-SI" sz="600" b="1" dirty="0">
               <a:solidFill>
-                <a:srgbClr val="FFC000"/>
+                <a:schemeClr val="tx1"/>
               </a:solidFill>
             </a:endParaRPr>
           </a:p>
